--- a/Meilenstein1/2.Projekstrukturplan/Projektstrukturplan.pptx
+++ b/Meilenstein1/2.Projekstrukturplan/Projektstrukturplan.pptx
@@ -115,7 +115,7 @@
 <file path=ppt/revisionInfo.xml><?xml version="1.0" encoding="utf-8"?>
 <p1510:revInfo xmlns:a="http://schemas.openxmlformats.org/drawingml/2006/main" xmlns:r="http://schemas.openxmlformats.org/officeDocument/2006/relationships" xmlns:p1510="http://schemas.microsoft.com/office/powerpoint/2015/10/main">
   <p1510:revLst>
-    <p1510:client id="{17478502-458A-4BC5-81FC-6170B37076C2}" v="516" dt="2025-02-06T10:06:41.798"/>
+    <p1510:client id="{17478502-458A-4BC5-81FC-6170B37076C2}" v="568" dt="2025-02-10T11:20:04.494"/>
   </p1510:revLst>
 </p1510:revInfo>
 </file>
@@ -125,12 +125,12 @@
   <pc:docChgLst>
     <pc:chgData userId="963d3fb2c2a9e4a8" providerId="LiveId" clId="{17478502-458A-4BC5-81FC-6170B37076C2}"/>
     <pc:docChg chg="modSld">
-      <pc:chgData name="" userId="963d3fb2c2a9e4a8" providerId="LiveId" clId="{17478502-458A-4BC5-81FC-6170B37076C2}" dt="2025-02-06T10:06:41.798" v="493" actId="1036"/>
+      <pc:chgData name="" userId="963d3fb2c2a9e4a8" providerId="LiveId" clId="{17478502-458A-4BC5-81FC-6170B37076C2}" dt="2025-02-10T11:20:04.494" v="540" actId="20577"/>
       <pc:docMkLst>
         <pc:docMk/>
       </pc:docMkLst>
       <pc:sldChg chg="addSp modSp">
-        <pc:chgData name="" userId="963d3fb2c2a9e4a8" providerId="LiveId" clId="{17478502-458A-4BC5-81FC-6170B37076C2}" dt="2025-02-06T10:06:41.798" v="493" actId="1036"/>
+        <pc:chgData name="" userId="963d3fb2c2a9e4a8" providerId="LiveId" clId="{17478502-458A-4BC5-81FC-6170B37076C2}" dt="2025-02-10T11:20:04.494" v="540" actId="20577"/>
         <pc:sldMkLst>
           <pc:docMk/>
           <pc:sldMk cId="2823154653" sldId="256"/>
@@ -152,7 +152,7 @@
           </ac:spMkLst>
         </pc:spChg>
         <pc:graphicFrameChg chg="mod">
-          <ac:chgData name="" userId="963d3fb2c2a9e4a8" providerId="LiveId" clId="{17478502-458A-4BC5-81FC-6170B37076C2}" dt="2025-02-06T10:04:37.822" v="491"/>
+          <ac:chgData name="" userId="963d3fb2c2a9e4a8" providerId="LiveId" clId="{17478502-458A-4BC5-81FC-6170B37076C2}" dt="2025-02-10T11:20:04.494" v="540" actId="20577"/>
           <ac:graphicFrameMkLst>
             <pc:docMk/>
             <pc:sldMk cId="2823154653" sldId="256"/>
@@ -1804,14 +1804,14 @@
             <a:buAutoNum type="arabicPeriod"/>
           </a:pPr>
           <a:r>
-            <a:rPr lang="de-DE"/>
+            <a:rPr lang="de-DE" dirty="0"/>
             <a:t>AP 2.2.1</a:t>
           </a:r>
           <a:br>
-            <a:rPr lang="de-DE"/>
+            <a:rPr lang="de-DE" dirty="0"/>
           </a:br>
           <a:r>
-            <a:rPr lang="de-DE"/>
+            <a:rPr lang="de-DE" dirty="0"/>
             <a:t>Zeitplan erstellen</a:t>
           </a:r>
         </a:p>
@@ -1866,14 +1866,14 @@
             <a:buAutoNum type="arabicPeriod"/>
           </a:pPr>
           <a:r>
-            <a:rPr lang="de-DE"/>
-            <a:t>AP 2.2.2</a:t>
+            <a:rPr lang="de-DE" dirty="0"/>
+            <a:t>AP 2.2.3</a:t>
           </a:r>
           <a:br>
-            <a:rPr lang="de-DE"/>
+            <a:rPr lang="de-DE" dirty="0"/>
           </a:br>
           <a:r>
-            <a:rPr lang="de-DE"/>
+            <a:rPr lang="de-DE" dirty="0"/>
             <a:t>Meilensteine festlegen</a:t>
           </a:r>
         </a:p>
@@ -1928,14 +1928,14 @@
             <a:buAutoNum type="arabicPeriod"/>
           </a:pPr>
           <a:r>
-            <a:rPr lang="de-DE"/>
-            <a:t>AP 2.2.3</a:t>
+            <a:rPr lang="de-DE" dirty="0"/>
+            <a:t>AP 2.2.4</a:t>
           </a:r>
           <a:br>
-            <a:rPr lang="de-DE"/>
+            <a:rPr lang="de-DE" dirty="0"/>
           </a:br>
           <a:r>
-            <a:rPr lang="de-DE"/>
+            <a:rPr lang="de-DE" dirty="0"/>
             <a:t>Ressourcenplan erstellen	</a:t>
           </a:r>
         </a:p>
@@ -3968,6 +3968,54 @@
         </a:p>
       </dgm:t>
     </dgm:pt>
+    <dgm:pt modelId="{AB5E890B-FBAA-4A67-82F5-860FC03DD1DD}">
+      <dgm:prSet>
+        <dgm:style>
+          <a:lnRef idx="1">
+            <a:schemeClr val="accent6"/>
+          </a:lnRef>
+          <a:fillRef idx="2">
+            <a:schemeClr val="accent6"/>
+          </a:fillRef>
+          <a:effectRef idx="1">
+            <a:schemeClr val="accent6"/>
+          </a:effectRef>
+          <a:fontRef idx="minor">
+            <a:schemeClr val="dk1"/>
+          </a:fontRef>
+        </dgm:style>
+      </dgm:prSet>
+      <dgm:spPr/>
+      <dgm:t>
+        <a:bodyPr/>
+        <a:lstStyle/>
+        <a:p>
+          <a:pPr>
+            <a:buFont typeface="+mj-lt"/>
+            <a:buAutoNum type="arabicPeriod"/>
+          </a:pPr>
+          <a:r>
+            <a:rPr lang="de-DE" dirty="0"/>
+            <a:t>AP 2.2.2</a:t>
+          </a:r>
+          <a:br>
+            <a:rPr lang="de-DE" dirty="0"/>
+          </a:br>
+          <a:r>
+            <a:rPr lang="de-DE" dirty="0"/>
+            <a:t>Kritischer Pfad Betrachtung</a:t>
+          </a:r>
+        </a:p>
+      </dgm:t>
+    </dgm:pt>
+    <dgm:pt modelId="{D5B57C73-52D1-4FF1-9787-D89C6EE10FE6}" type="parTrans" cxnId="{3481FCD3-A043-4B64-8181-6444BF05D59D}">
+      <dgm:prSet/>
+      <dgm:spPr/>
+    </dgm:pt>
+    <dgm:pt modelId="{A55E97C4-5152-45AD-BF2D-D5E5C17D772D}" type="sibTrans" cxnId="{3481FCD3-A043-4B64-8181-6444BF05D59D}">
+      <dgm:prSet/>
+      <dgm:spPr/>
+    </dgm:pt>
     <dgm:pt modelId="{949BA997-38EE-49F5-B154-7C25EB4C79F2}" type="pres">
       <dgm:prSet presAssocID="{1A18B032-CE83-47D1-956B-19A189E34B18}" presName="hierChild1" presStyleCnt="0">
         <dgm:presLayoutVars>
@@ -4074,7 +4122,7 @@
       <dgm:spPr/>
     </dgm:pt>
     <dgm:pt modelId="{9BE62BDD-F602-4DF9-84CF-3407D0E504E5}" type="pres">
-      <dgm:prSet presAssocID="{C8B8ECBD-A183-4A5F-BF92-DFA9A0FA88B5}" presName="Name37" presStyleLbl="parChTrans1D4" presStyleIdx="0" presStyleCnt="33"/>
+      <dgm:prSet presAssocID="{C8B8ECBD-A183-4A5F-BF92-DFA9A0FA88B5}" presName="Name37" presStyleLbl="parChTrans1D4" presStyleIdx="0" presStyleCnt="34"/>
       <dgm:spPr/>
     </dgm:pt>
     <dgm:pt modelId="{CFF34690-92F2-4561-A377-5BCC734991E4}" type="pres">
@@ -4090,7 +4138,7 @@
       <dgm:spPr/>
     </dgm:pt>
     <dgm:pt modelId="{7BC33FE3-9283-4CF9-B34D-B6C6240D93AC}" type="pres">
-      <dgm:prSet presAssocID="{F1717077-B1CE-40B0-8820-9CCDBEBB598F}" presName="rootText" presStyleLbl="node4" presStyleIdx="0" presStyleCnt="33">
+      <dgm:prSet presAssocID="{F1717077-B1CE-40B0-8820-9CCDBEBB598F}" presName="rootText" presStyleLbl="node4" presStyleIdx="0" presStyleCnt="34">
         <dgm:presLayoutVars>
           <dgm:chPref val="3"/>
         </dgm:presLayoutVars>
@@ -4098,7 +4146,7 @@
       <dgm:spPr/>
     </dgm:pt>
     <dgm:pt modelId="{060FD98F-9E91-4876-B945-962D558AC590}" type="pres">
-      <dgm:prSet presAssocID="{F1717077-B1CE-40B0-8820-9CCDBEBB598F}" presName="rootConnector" presStyleLbl="node4" presStyleIdx="0" presStyleCnt="33"/>
+      <dgm:prSet presAssocID="{F1717077-B1CE-40B0-8820-9CCDBEBB598F}" presName="rootConnector" presStyleLbl="node4" presStyleIdx="0" presStyleCnt="34"/>
       <dgm:spPr/>
     </dgm:pt>
     <dgm:pt modelId="{D108DCAC-281F-44DC-9AD6-4514A0EE6CCD}" type="pres">
@@ -4110,7 +4158,7 @@
       <dgm:spPr/>
     </dgm:pt>
     <dgm:pt modelId="{9372FBD2-7429-4DAF-87D0-7E7461EA4C5F}" type="pres">
-      <dgm:prSet presAssocID="{C98BCCC0-CD04-41F5-AFA1-6CA5F646C948}" presName="Name37" presStyleLbl="parChTrans1D4" presStyleIdx="1" presStyleCnt="33"/>
+      <dgm:prSet presAssocID="{C98BCCC0-CD04-41F5-AFA1-6CA5F646C948}" presName="Name37" presStyleLbl="parChTrans1D4" presStyleIdx="1" presStyleCnt="34"/>
       <dgm:spPr/>
     </dgm:pt>
     <dgm:pt modelId="{7C55C03B-157B-413C-8186-2DAA2C4D0C37}" type="pres">
@@ -4126,7 +4174,7 @@
       <dgm:spPr/>
     </dgm:pt>
     <dgm:pt modelId="{D40A6DB1-87B1-4737-A563-FD5FA91083C5}" type="pres">
-      <dgm:prSet presAssocID="{AD399133-86EF-4561-BBEA-79366FDB91C0}" presName="rootText" presStyleLbl="node4" presStyleIdx="1" presStyleCnt="33">
+      <dgm:prSet presAssocID="{AD399133-86EF-4561-BBEA-79366FDB91C0}" presName="rootText" presStyleLbl="node4" presStyleIdx="1" presStyleCnt="34">
         <dgm:presLayoutVars>
           <dgm:chPref val="3"/>
         </dgm:presLayoutVars>
@@ -4134,7 +4182,7 @@
       <dgm:spPr/>
     </dgm:pt>
     <dgm:pt modelId="{7928935C-6E0B-4747-820E-BA7491826D56}" type="pres">
-      <dgm:prSet presAssocID="{AD399133-86EF-4561-BBEA-79366FDB91C0}" presName="rootConnector" presStyleLbl="node4" presStyleIdx="1" presStyleCnt="33"/>
+      <dgm:prSet presAssocID="{AD399133-86EF-4561-BBEA-79366FDB91C0}" presName="rootConnector" presStyleLbl="node4" presStyleIdx="1" presStyleCnt="34"/>
       <dgm:spPr/>
     </dgm:pt>
     <dgm:pt modelId="{4E6682E7-929C-42A4-BC34-7360CC2F15FF}" type="pres">
@@ -4146,7 +4194,7 @@
       <dgm:spPr/>
     </dgm:pt>
     <dgm:pt modelId="{142E410C-0232-462E-A3D4-32686A31ABDF}" type="pres">
-      <dgm:prSet presAssocID="{37E33777-9EA9-4B97-9C2D-807FBF7185C8}" presName="Name37" presStyleLbl="parChTrans1D4" presStyleIdx="2" presStyleCnt="33"/>
+      <dgm:prSet presAssocID="{37E33777-9EA9-4B97-9C2D-807FBF7185C8}" presName="Name37" presStyleLbl="parChTrans1D4" presStyleIdx="2" presStyleCnt="34"/>
       <dgm:spPr/>
     </dgm:pt>
     <dgm:pt modelId="{A715DFBE-0C6B-401C-B58A-CA5F9BFFE68B}" type="pres">
@@ -4162,7 +4210,7 @@
       <dgm:spPr/>
     </dgm:pt>
     <dgm:pt modelId="{CA4C8F3D-D7D9-42E3-811F-ACDC96DA33C2}" type="pres">
-      <dgm:prSet presAssocID="{18FC183C-EC7B-47FD-8F4B-1A24F2B3283E}" presName="rootText" presStyleLbl="node4" presStyleIdx="2" presStyleCnt="33">
+      <dgm:prSet presAssocID="{18FC183C-EC7B-47FD-8F4B-1A24F2B3283E}" presName="rootText" presStyleLbl="node4" presStyleIdx="2" presStyleCnt="34">
         <dgm:presLayoutVars>
           <dgm:chPref val="3"/>
         </dgm:presLayoutVars>
@@ -4170,7 +4218,7 @@
       <dgm:spPr/>
     </dgm:pt>
     <dgm:pt modelId="{2E6F24CC-B178-4DF5-A54E-8B3B3959ADDA}" type="pres">
-      <dgm:prSet presAssocID="{18FC183C-EC7B-47FD-8F4B-1A24F2B3283E}" presName="rootConnector" presStyleLbl="node4" presStyleIdx="2" presStyleCnt="33"/>
+      <dgm:prSet presAssocID="{18FC183C-EC7B-47FD-8F4B-1A24F2B3283E}" presName="rootConnector" presStyleLbl="node4" presStyleIdx="2" presStyleCnt="34"/>
       <dgm:spPr/>
     </dgm:pt>
     <dgm:pt modelId="{BB4B792E-A17C-4520-8CC1-87643CFA9D35}" type="pres">
@@ -4182,7 +4230,7 @@
       <dgm:spPr/>
     </dgm:pt>
     <dgm:pt modelId="{FE0A62C8-3177-4013-BF6D-89791246C983}" type="pres">
-      <dgm:prSet presAssocID="{CB774B77-B6FC-4AEC-B0FB-B78511596F83}" presName="Name37" presStyleLbl="parChTrans1D4" presStyleIdx="3" presStyleCnt="33"/>
+      <dgm:prSet presAssocID="{CB774B77-B6FC-4AEC-B0FB-B78511596F83}" presName="Name37" presStyleLbl="parChTrans1D4" presStyleIdx="3" presStyleCnt="34"/>
       <dgm:spPr/>
     </dgm:pt>
     <dgm:pt modelId="{897FA073-14D7-496B-9496-E1BAB8755FFE}" type="pres">
@@ -4198,7 +4246,7 @@
       <dgm:spPr/>
     </dgm:pt>
     <dgm:pt modelId="{C3B13954-F2F6-4A64-ABCC-3CE9BC7872E0}" type="pres">
-      <dgm:prSet presAssocID="{D520E05E-1719-4A08-83F6-3B102E5C9C14}" presName="rootText" presStyleLbl="node4" presStyleIdx="3" presStyleCnt="33">
+      <dgm:prSet presAssocID="{D520E05E-1719-4A08-83F6-3B102E5C9C14}" presName="rootText" presStyleLbl="node4" presStyleIdx="3" presStyleCnt="34">
         <dgm:presLayoutVars>
           <dgm:chPref val="3"/>
         </dgm:presLayoutVars>
@@ -4206,7 +4254,7 @@
       <dgm:spPr/>
     </dgm:pt>
     <dgm:pt modelId="{77B297B8-00B2-43EE-A18D-6E61C1E7ADE4}" type="pres">
-      <dgm:prSet presAssocID="{D520E05E-1719-4A08-83F6-3B102E5C9C14}" presName="rootConnector" presStyleLbl="node4" presStyleIdx="3" presStyleCnt="33"/>
+      <dgm:prSet presAssocID="{D520E05E-1719-4A08-83F6-3B102E5C9C14}" presName="rootConnector" presStyleLbl="node4" presStyleIdx="3" presStyleCnt="34"/>
       <dgm:spPr/>
     </dgm:pt>
     <dgm:pt modelId="{C3CAE76D-1351-4219-B71B-E0AE3C8B7709}" type="pres">
@@ -4326,7 +4374,7 @@
       <dgm:spPr/>
     </dgm:pt>
     <dgm:pt modelId="{0E52DEAE-DF31-4004-9360-3FA01921FEFA}" type="pres">
-      <dgm:prSet presAssocID="{A7A8023E-B2C7-48AF-A57C-A3013350B395}" presName="Name37" presStyleLbl="parChTrans1D4" presStyleIdx="4" presStyleCnt="33"/>
+      <dgm:prSet presAssocID="{A7A8023E-B2C7-48AF-A57C-A3013350B395}" presName="Name37" presStyleLbl="parChTrans1D4" presStyleIdx="4" presStyleCnt="34"/>
       <dgm:spPr/>
     </dgm:pt>
     <dgm:pt modelId="{E6E7D74F-EBCA-4994-969E-BB05736FF85B}" type="pres">
@@ -4342,7 +4390,7 @@
       <dgm:spPr/>
     </dgm:pt>
     <dgm:pt modelId="{9FBD249B-7DB1-4C7B-8D2C-AFE2642C67E4}" type="pres">
-      <dgm:prSet presAssocID="{97CD7572-259A-4876-89EB-5A40056808EB}" presName="rootText" presStyleLbl="node4" presStyleIdx="4" presStyleCnt="33">
+      <dgm:prSet presAssocID="{97CD7572-259A-4876-89EB-5A40056808EB}" presName="rootText" presStyleLbl="node4" presStyleIdx="4" presStyleCnt="34">
         <dgm:presLayoutVars>
           <dgm:chPref val="3"/>
         </dgm:presLayoutVars>
@@ -4350,7 +4398,7 @@
       <dgm:spPr/>
     </dgm:pt>
     <dgm:pt modelId="{AFBB24A7-EC9D-45A1-AC41-1F2C5D102650}" type="pres">
-      <dgm:prSet presAssocID="{97CD7572-259A-4876-89EB-5A40056808EB}" presName="rootConnector" presStyleLbl="node4" presStyleIdx="4" presStyleCnt="33"/>
+      <dgm:prSet presAssocID="{97CD7572-259A-4876-89EB-5A40056808EB}" presName="rootConnector" presStyleLbl="node4" presStyleIdx="4" presStyleCnt="34"/>
       <dgm:spPr/>
     </dgm:pt>
     <dgm:pt modelId="{39B8BFB5-4ADF-4542-8ECE-96D8C2773BD7}" type="pres">
@@ -4362,7 +4410,7 @@
       <dgm:spPr/>
     </dgm:pt>
     <dgm:pt modelId="{2C7653CB-7E08-4972-8FCF-D37D5C74068A}" type="pres">
-      <dgm:prSet presAssocID="{D6EC75BF-78DD-4FE9-9DEB-4A03DEBF35EA}" presName="Name37" presStyleLbl="parChTrans1D4" presStyleIdx="5" presStyleCnt="33"/>
+      <dgm:prSet presAssocID="{D6EC75BF-78DD-4FE9-9DEB-4A03DEBF35EA}" presName="Name37" presStyleLbl="parChTrans1D4" presStyleIdx="5" presStyleCnt="34"/>
       <dgm:spPr/>
     </dgm:pt>
     <dgm:pt modelId="{8D522164-C640-426E-97DF-E768561E0910}" type="pres">
@@ -4378,7 +4426,7 @@
       <dgm:spPr/>
     </dgm:pt>
     <dgm:pt modelId="{C9C7526F-9D46-44B2-8FC6-B357134AC297}" type="pres">
-      <dgm:prSet presAssocID="{582FCA8F-E01D-4B48-B54D-F25AAAD4DDF5}" presName="rootText" presStyleLbl="node4" presStyleIdx="5" presStyleCnt="33">
+      <dgm:prSet presAssocID="{582FCA8F-E01D-4B48-B54D-F25AAAD4DDF5}" presName="rootText" presStyleLbl="node4" presStyleIdx="5" presStyleCnt="34">
         <dgm:presLayoutVars>
           <dgm:chPref val="3"/>
         </dgm:presLayoutVars>
@@ -4386,7 +4434,7 @@
       <dgm:spPr/>
     </dgm:pt>
     <dgm:pt modelId="{D35B109F-D4BC-4824-8B23-5E94F11A6CAE}" type="pres">
-      <dgm:prSet presAssocID="{582FCA8F-E01D-4B48-B54D-F25AAAD4DDF5}" presName="rootConnector" presStyleLbl="node4" presStyleIdx="5" presStyleCnt="33"/>
+      <dgm:prSet presAssocID="{582FCA8F-E01D-4B48-B54D-F25AAAD4DDF5}" presName="rootConnector" presStyleLbl="node4" presStyleIdx="5" presStyleCnt="34"/>
       <dgm:spPr/>
     </dgm:pt>
     <dgm:pt modelId="{88B43114-2A3A-4A70-A313-F522E2146323}" type="pres">
@@ -4398,7 +4446,7 @@
       <dgm:spPr/>
     </dgm:pt>
     <dgm:pt modelId="{442830CD-5FD7-491D-99C2-C442003DFE3C}" type="pres">
-      <dgm:prSet presAssocID="{7C86004C-5CD9-421B-BB28-91918EF2B3C4}" presName="Name37" presStyleLbl="parChTrans1D4" presStyleIdx="6" presStyleCnt="33"/>
+      <dgm:prSet presAssocID="{7C86004C-5CD9-421B-BB28-91918EF2B3C4}" presName="Name37" presStyleLbl="parChTrans1D4" presStyleIdx="6" presStyleCnt="34"/>
       <dgm:spPr/>
     </dgm:pt>
     <dgm:pt modelId="{E71D8634-9D86-4E61-839E-3915DCC3E947}" type="pres">
@@ -4414,7 +4462,7 @@
       <dgm:spPr/>
     </dgm:pt>
     <dgm:pt modelId="{E7A5F218-AC8E-4CB1-9380-65FD754684E2}" type="pres">
-      <dgm:prSet presAssocID="{0ADB51CE-CC68-434B-BA86-558AFECB427C}" presName="rootText" presStyleLbl="node4" presStyleIdx="6" presStyleCnt="33">
+      <dgm:prSet presAssocID="{0ADB51CE-CC68-434B-BA86-558AFECB427C}" presName="rootText" presStyleLbl="node4" presStyleIdx="6" presStyleCnt="34">
         <dgm:presLayoutVars>
           <dgm:chPref val="3"/>
         </dgm:presLayoutVars>
@@ -4422,7 +4470,7 @@
       <dgm:spPr/>
     </dgm:pt>
     <dgm:pt modelId="{389426F9-72AA-4778-B1FF-FAEB42E021C8}" type="pres">
-      <dgm:prSet presAssocID="{0ADB51CE-CC68-434B-BA86-558AFECB427C}" presName="rootConnector" presStyleLbl="node4" presStyleIdx="6" presStyleCnt="33"/>
+      <dgm:prSet presAssocID="{0ADB51CE-CC68-434B-BA86-558AFECB427C}" presName="rootConnector" presStyleLbl="node4" presStyleIdx="6" presStyleCnt="34"/>
       <dgm:spPr/>
     </dgm:pt>
     <dgm:pt modelId="{AF27F5A6-CF60-40CE-AF9C-1E30CD749070}" type="pres">
@@ -4470,7 +4518,7 @@
       <dgm:spPr/>
     </dgm:pt>
     <dgm:pt modelId="{FB2B34D3-8995-46BD-AA7E-948129770277}" type="pres">
-      <dgm:prSet presAssocID="{8612FCF1-EEB6-4CF0-9681-F906A3088BCB}" presName="Name37" presStyleLbl="parChTrans1D4" presStyleIdx="7" presStyleCnt="33"/>
+      <dgm:prSet presAssocID="{8612FCF1-EEB6-4CF0-9681-F906A3088BCB}" presName="Name37" presStyleLbl="parChTrans1D4" presStyleIdx="7" presStyleCnt="34"/>
       <dgm:spPr/>
     </dgm:pt>
     <dgm:pt modelId="{3A46F644-AAE2-4F38-8DF8-796A919E5628}" type="pres">
@@ -4486,7 +4534,7 @@
       <dgm:spPr/>
     </dgm:pt>
     <dgm:pt modelId="{3A16F795-0FC0-447D-BF2D-7200CBCF327D}" type="pres">
-      <dgm:prSet presAssocID="{AC80D5DF-EDB9-461E-BD25-C74B14A1BAAF}" presName="rootText" presStyleLbl="node4" presStyleIdx="7" presStyleCnt="33">
+      <dgm:prSet presAssocID="{AC80D5DF-EDB9-461E-BD25-C74B14A1BAAF}" presName="rootText" presStyleLbl="node4" presStyleIdx="7" presStyleCnt="34">
         <dgm:presLayoutVars>
           <dgm:chPref val="3"/>
         </dgm:presLayoutVars>
@@ -4494,7 +4542,7 @@
       <dgm:spPr/>
     </dgm:pt>
     <dgm:pt modelId="{7DC45323-7262-4B3B-A286-6BA36EB9609C}" type="pres">
-      <dgm:prSet presAssocID="{AC80D5DF-EDB9-461E-BD25-C74B14A1BAAF}" presName="rootConnector" presStyleLbl="node4" presStyleIdx="7" presStyleCnt="33"/>
+      <dgm:prSet presAssocID="{AC80D5DF-EDB9-461E-BD25-C74B14A1BAAF}" presName="rootConnector" presStyleLbl="node4" presStyleIdx="7" presStyleCnt="34"/>
       <dgm:spPr/>
     </dgm:pt>
     <dgm:pt modelId="{C3C2F386-0662-48DB-84F5-6EB3E6AE844A}" type="pres">
@@ -4505,8 +4553,44 @@
       <dgm:prSet presAssocID="{AC80D5DF-EDB9-461E-BD25-C74B14A1BAAF}" presName="hierChild5" presStyleCnt="0"/>
       <dgm:spPr/>
     </dgm:pt>
+    <dgm:pt modelId="{2F535FF2-D6A8-4AEB-8A32-380A4AE213B1}" type="pres">
+      <dgm:prSet presAssocID="{D5B57C73-52D1-4FF1-9787-D89C6EE10FE6}" presName="Name37" presStyleLbl="parChTrans1D4" presStyleIdx="8" presStyleCnt="34"/>
+      <dgm:spPr/>
+    </dgm:pt>
+    <dgm:pt modelId="{7FD3F65D-BA6C-4BE9-941E-96F794BFD098}" type="pres">
+      <dgm:prSet presAssocID="{AB5E890B-FBAA-4A67-82F5-860FC03DD1DD}" presName="hierRoot2" presStyleCnt="0">
+        <dgm:presLayoutVars>
+          <dgm:hierBranch val="init"/>
+        </dgm:presLayoutVars>
+      </dgm:prSet>
+      <dgm:spPr/>
+    </dgm:pt>
+    <dgm:pt modelId="{D393B511-E083-418D-9909-5DF5F525B391}" type="pres">
+      <dgm:prSet presAssocID="{AB5E890B-FBAA-4A67-82F5-860FC03DD1DD}" presName="rootComposite" presStyleCnt="0"/>
+      <dgm:spPr/>
+    </dgm:pt>
+    <dgm:pt modelId="{5C4F5E45-501D-4D2A-B09B-1D5742C02B5A}" type="pres">
+      <dgm:prSet presAssocID="{AB5E890B-FBAA-4A67-82F5-860FC03DD1DD}" presName="rootText" presStyleLbl="node4" presStyleIdx="8" presStyleCnt="34">
+        <dgm:presLayoutVars>
+          <dgm:chPref val="3"/>
+        </dgm:presLayoutVars>
+      </dgm:prSet>
+      <dgm:spPr/>
+    </dgm:pt>
+    <dgm:pt modelId="{07EEA647-5003-4CB7-BE6F-24351FBF0013}" type="pres">
+      <dgm:prSet presAssocID="{AB5E890B-FBAA-4A67-82F5-860FC03DD1DD}" presName="rootConnector" presStyleLbl="node4" presStyleIdx="8" presStyleCnt="34"/>
+      <dgm:spPr/>
+    </dgm:pt>
+    <dgm:pt modelId="{CC56A325-BA73-47CF-9394-A445686EA933}" type="pres">
+      <dgm:prSet presAssocID="{AB5E890B-FBAA-4A67-82F5-860FC03DD1DD}" presName="hierChild4" presStyleCnt="0"/>
+      <dgm:spPr/>
+    </dgm:pt>
+    <dgm:pt modelId="{19D8410E-1E5E-4CB3-93A3-7FDC67590722}" type="pres">
+      <dgm:prSet presAssocID="{AB5E890B-FBAA-4A67-82F5-860FC03DD1DD}" presName="hierChild5" presStyleCnt="0"/>
+      <dgm:spPr/>
+    </dgm:pt>
     <dgm:pt modelId="{245EAB51-43F9-4B55-A012-0F37822E319D}" type="pres">
-      <dgm:prSet presAssocID="{79A9485E-5320-4883-B122-DE49088A0389}" presName="Name37" presStyleLbl="parChTrans1D4" presStyleIdx="8" presStyleCnt="33"/>
+      <dgm:prSet presAssocID="{79A9485E-5320-4883-B122-DE49088A0389}" presName="Name37" presStyleLbl="parChTrans1D4" presStyleIdx="9" presStyleCnt="34"/>
       <dgm:spPr/>
     </dgm:pt>
     <dgm:pt modelId="{C06D1F5B-D10C-4020-ABAD-D3FF1AD26EA5}" type="pres">
@@ -4522,7 +4606,7 @@
       <dgm:spPr/>
     </dgm:pt>
     <dgm:pt modelId="{2938F48F-48A3-4788-9D92-2060C3A3D72C}" type="pres">
-      <dgm:prSet presAssocID="{7F19C310-EBFF-422D-8235-639A8E99E051}" presName="rootText" presStyleLbl="node4" presStyleIdx="8" presStyleCnt="33">
+      <dgm:prSet presAssocID="{7F19C310-EBFF-422D-8235-639A8E99E051}" presName="rootText" presStyleLbl="node4" presStyleIdx="9" presStyleCnt="34">
         <dgm:presLayoutVars>
           <dgm:chPref val="3"/>
         </dgm:presLayoutVars>
@@ -4530,7 +4614,7 @@
       <dgm:spPr/>
     </dgm:pt>
     <dgm:pt modelId="{A8D64EB2-3EF6-41D9-B0B4-EFD7E25BE2B3}" type="pres">
-      <dgm:prSet presAssocID="{7F19C310-EBFF-422D-8235-639A8E99E051}" presName="rootConnector" presStyleLbl="node4" presStyleIdx="8" presStyleCnt="33"/>
+      <dgm:prSet presAssocID="{7F19C310-EBFF-422D-8235-639A8E99E051}" presName="rootConnector" presStyleLbl="node4" presStyleIdx="9" presStyleCnt="34"/>
       <dgm:spPr/>
     </dgm:pt>
     <dgm:pt modelId="{15A0EA8D-E7B4-455D-8538-350FB4236020}" type="pres">
@@ -4542,7 +4626,7 @@
       <dgm:spPr/>
     </dgm:pt>
     <dgm:pt modelId="{1FC556AF-9B5D-43A0-BC9F-BE6CA976D6C4}" type="pres">
-      <dgm:prSet presAssocID="{451BF105-5E70-4427-B211-9D322675EFA1}" presName="Name37" presStyleLbl="parChTrans1D4" presStyleIdx="9" presStyleCnt="33"/>
+      <dgm:prSet presAssocID="{451BF105-5E70-4427-B211-9D322675EFA1}" presName="Name37" presStyleLbl="parChTrans1D4" presStyleIdx="10" presStyleCnt="34"/>
       <dgm:spPr/>
     </dgm:pt>
     <dgm:pt modelId="{0B55312C-D67D-4322-A8AB-4F2FD4412114}" type="pres">
@@ -4558,7 +4642,7 @@
       <dgm:spPr/>
     </dgm:pt>
     <dgm:pt modelId="{F8CCBD0A-B99F-4424-A2E8-E56B4945931A}" type="pres">
-      <dgm:prSet presAssocID="{A4A92EEF-0CCF-4AF5-8A7D-AF7864791B2E}" presName="rootText" presStyleLbl="node4" presStyleIdx="9" presStyleCnt="33">
+      <dgm:prSet presAssocID="{A4A92EEF-0CCF-4AF5-8A7D-AF7864791B2E}" presName="rootText" presStyleLbl="node4" presStyleIdx="10" presStyleCnt="34">
         <dgm:presLayoutVars>
           <dgm:chPref val="3"/>
         </dgm:presLayoutVars>
@@ -4566,7 +4650,7 @@
       <dgm:spPr/>
     </dgm:pt>
     <dgm:pt modelId="{8A626F4C-AB29-43B6-A493-9F30C9AAA290}" type="pres">
-      <dgm:prSet presAssocID="{A4A92EEF-0CCF-4AF5-8A7D-AF7864791B2E}" presName="rootConnector" presStyleLbl="node4" presStyleIdx="9" presStyleCnt="33"/>
+      <dgm:prSet presAssocID="{A4A92EEF-0CCF-4AF5-8A7D-AF7864791B2E}" presName="rootConnector" presStyleLbl="node4" presStyleIdx="10" presStyleCnt="34"/>
       <dgm:spPr/>
     </dgm:pt>
     <dgm:pt modelId="{4164137C-AAFC-41F1-8843-732E3A810FF8}" type="pres">
@@ -4650,7 +4734,7 @@
       <dgm:spPr/>
     </dgm:pt>
     <dgm:pt modelId="{355B7086-9D49-4810-9212-391CB156D0DA}" type="pres">
-      <dgm:prSet presAssocID="{2A35257B-4E7F-4D68-8770-D15AD3035B75}" presName="Name37" presStyleLbl="parChTrans1D4" presStyleIdx="10" presStyleCnt="33"/>
+      <dgm:prSet presAssocID="{2A35257B-4E7F-4D68-8770-D15AD3035B75}" presName="Name37" presStyleLbl="parChTrans1D4" presStyleIdx="11" presStyleCnt="34"/>
       <dgm:spPr/>
     </dgm:pt>
     <dgm:pt modelId="{175838B0-0FBE-4507-8DFF-73DAD0E9BC58}" type="pres">
@@ -4666,7 +4750,7 @@
       <dgm:spPr/>
     </dgm:pt>
     <dgm:pt modelId="{EA515D7C-E0C0-4238-9A79-5E949D3794E0}" type="pres">
-      <dgm:prSet presAssocID="{A2FC1B88-267F-4468-8E50-E44680C736A1}" presName="rootText" presStyleLbl="node4" presStyleIdx="10" presStyleCnt="33">
+      <dgm:prSet presAssocID="{A2FC1B88-267F-4468-8E50-E44680C736A1}" presName="rootText" presStyleLbl="node4" presStyleIdx="11" presStyleCnt="34">
         <dgm:presLayoutVars>
           <dgm:chPref val="3"/>
         </dgm:presLayoutVars>
@@ -4674,7 +4758,7 @@
       <dgm:spPr/>
     </dgm:pt>
     <dgm:pt modelId="{19103DF3-14E3-49BA-9EDB-58FF08393C6B}" type="pres">
-      <dgm:prSet presAssocID="{A2FC1B88-267F-4468-8E50-E44680C736A1}" presName="rootConnector" presStyleLbl="node4" presStyleIdx="10" presStyleCnt="33"/>
+      <dgm:prSet presAssocID="{A2FC1B88-267F-4468-8E50-E44680C736A1}" presName="rootConnector" presStyleLbl="node4" presStyleIdx="11" presStyleCnt="34"/>
       <dgm:spPr/>
     </dgm:pt>
     <dgm:pt modelId="{1EEE22A7-B204-4659-AE21-D6106A892434}" type="pres">
@@ -4686,7 +4770,7 @@
       <dgm:spPr/>
     </dgm:pt>
     <dgm:pt modelId="{A9C848E1-5D4E-4E2E-9DD1-D1107F2F1DF9}" type="pres">
-      <dgm:prSet presAssocID="{781EB0B2-D424-40A0-AC60-2FE173BD5409}" presName="Name37" presStyleLbl="parChTrans1D4" presStyleIdx="11" presStyleCnt="33"/>
+      <dgm:prSet presAssocID="{781EB0B2-D424-40A0-AC60-2FE173BD5409}" presName="Name37" presStyleLbl="parChTrans1D4" presStyleIdx="12" presStyleCnt="34"/>
       <dgm:spPr/>
     </dgm:pt>
     <dgm:pt modelId="{B50FA418-BF00-4228-88D2-FE58374EC17F}" type="pres">
@@ -4702,7 +4786,7 @@
       <dgm:spPr/>
     </dgm:pt>
     <dgm:pt modelId="{D0E276E0-5538-4FD0-8B4F-78EBAC29DA2A}" type="pres">
-      <dgm:prSet presAssocID="{068E94F1-4579-4B2F-88A1-2A615D2CB341}" presName="rootText" presStyleLbl="node4" presStyleIdx="11" presStyleCnt="33">
+      <dgm:prSet presAssocID="{068E94F1-4579-4B2F-88A1-2A615D2CB341}" presName="rootText" presStyleLbl="node4" presStyleIdx="12" presStyleCnt="34">
         <dgm:presLayoutVars>
           <dgm:chPref val="3"/>
         </dgm:presLayoutVars>
@@ -4710,7 +4794,7 @@
       <dgm:spPr/>
     </dgm:pt>
     <dgm:pt modelId="{4F40B643-1559-4627-9A73-E32D89D07927}" type="pres">
-      <dgm:prSet presAssocID="{068E94F1-4579-4B2F-88A1-2A615D2CB341}" presName="rootConnector" presStyleLbl="node4" presStyleIdx="11" presStyleCnt="33"/>
+      <dgm:prSet presAssocID="{068E94F1-4579-4B2F-88A1-2A615D2CB341}" presName="rootConnector" presStyleLbl="node4" presStyleIdx="12" presStyleCnt="34"/>
       <dgm:spPr/>
     </dgm:pt>
     <dgm:pt modelId="{4388B6F2-CA70-415B-BF36-C9F3B877F80B}" type="pres">
@@ -4722,7 +4806,7 @@
       <dgm:spPr/>
     </dgm:pt>
     <dgm:pt modelId="{B9E4C6A1-16B9-4846-ADCC-505DD21860D4}" type="pres">
-      <dgm:prSet presAssocID="{692119E5-7FB6-451C-A824-19592ABBBB03}" presName="Name37" presStyleLbl="parChTrans1D4" presStyleIdx="12" presStyleCnt="33"/>
+      <dgm:prSet presAssocID="{692119E5-7FB6-451C-A824-19592ABBBB03}" presName="Name37" presStyleLbl="parChTrans1D4" presStyleIdx="13" presStyleCnt="34"/>
       <dgm:spPr/>
     </dgm:pt>
     <dgm:pt modelId="{BB7166C2-C6EF-4165-A1A1-D49F5B1D2411}" type="pres">
@@ -4738,7 +4822,7 @@
       <dgm:spPr/>
     </dgm:pt>
     <dgm:pt modelId="{17E82BFF-2B2F-4EBE-A6AD-874C8E80F2AF}" type="pres">
-      <dgm:prSet presAssocID="{5B5E2C50-C14B-45E8-BA53-7EB26CC9FF1B}" presName="rootText" presStyleLbl="node4" presStyleIdx="12" presStyleCnt="33">
+      <dgm:prSet presAssocID="{5B5E2C50-C14B-45E8-BA53-7EB26CC9FF1B}" presName="rootText" presStyleLbl="node4" presStyleIdx="13" presStyleCnt="34">
         <dgm:presLayoutVars>
           <dgm:chPref val="3"/>
         </dgm:presLayoutVars>
@@ -4746,7 +4830,7 @@
       <dgm:spPr/>
     </dgm:pt>
     <dgm:pt modelId="{63266F58-A2E5-4F05-B2BC-0A75853B8C77}" type="pres">
-      <dgm:prSet presAssocID="{5B5E2C50-C14B-45E8-BA53-7EB26CC9FF1B}" presName="rootConnector" presStyleLbl="node4" presStyleIdx="12" presStyleCnt="33"/>
+      <dgm:prSet presAssocID="{5B5E2C50-C14B-45E8-BA53-7EB26CC9FF1B}" presName="rootConnector" presStyleLbl="node4" presStyleIdx="13" presStyleCnt="34"/>
       <dgm:spPr/>
     </dgm:pt>
     <dgm:pt modelId="{F1561661-9586-4C7C-B9C9-3FB5905C2615}" type="pres">
@@ -4758,7 +4842,7 @@
       <dgm:spPr/>
     </dgm:pt>
     <dgm:pt modelId="{E990380A-B551-44B5-BA23-C974D1900319}" type="pres">
-      <dgm:prSet presAssocID="{B44691ED-59AA-4FEC-B02E-51A834D87ED3}" presName="Name37" presStyleLbl="parChTrans1D4" presStyleIdx="13" presStyleCnt="33"/>
+      <dgm:prSet presAssocID="{B44691ED-59AA-4FEC-B02E-51A834D87ED3}" presName="Name37" presStyleLbl="parChTrans1D4" presStyleIdx="14" presStyleCnt="34"/>
       <dgm:spPr/>
     </dgm:pt>
     <dgm:pt modelId="{B128368C-912F-485D-BD88-FC796E047497}" type="pres">
@@ -4774,7 +4858,7 @@
       <dgm:spPr/>
     </dgm:pt>
     <dgm:pt modelId="{80B3BE7B-D8B1-4282-ADD2-8B691BEE3272}" type="pres">
-      <dgm:prSet presAssocID="{2FD5A471-E0F0-4856-9969-C71073D02AA6}" presName="rootText" presStyleLbl="node4" presStyleIdx="13" presStyleCnt="33">
+      <dgm:prSet presAssocID="{2FD5A471-E0F0-4856-9969-C71073D02AA6}" presName="rootText" presStyleLbl="node4" presStyleIdx="14" presStyleCnt="34">
         <dgm:presLayoutVars>
           <dgm:chPref val="3"/>
         </dgm:presLayoutVars>
@@ -4782,7 +4866,7 @@
       <dgm:spPr/>
     </dgm:pt>
     <dgm:pt modelId="{DEAA8829-F6AA-4009-BD5D-F1014E5673AD}" type="pres">
-      <dgm:prSet presAssocID="{2FD5A471-E0F0-4856-9969-C71073D02AA6}" presName="rootConnector" presStyleLbl="node4" presStyleIdx="13" presStyleCnt="33"/>
+      <dgm:prSet presAssocID="{2FD5A471-E0F0-4856-9969-C71073D02AA6}" presName="rootConnector" presStyleLbl="node4" presStyleIdx="14" presStyleCnt="34"/>
       <dgm:spPr/>
     </dgm:pt>
     <dgm:pt modelId="{6909F334-4425-4051-B3A7-FC4CC280D746}" type="pres">
@@ -4794,7 +4878,7 @@
       <dgm:spPr/>
     </dgm:pt>
     <dgm:pt modelId="{099803A2-5D79-4500-A8A3-2C09E9B9A007}" type="pres">
-      <dgm:prSet presAssocID="{395160B3-0F89-4711-A607-4743C08A0C2C}" presName="Name37" presStyleLbl="parChTrans1D4" presStyleIdx="14" presStyleCnt="33"/>
+      <dgm:prSet presAssocID="{395160B3-0F89-4711-A607-4743C08A0C2C}" presName="Name37" presStyleLbl="parChTrans1D4" presStyleIdx="15" presStyleCnt="34"/>
       <dgm:spPr/>
     </dgm:pt>
     <dgm:pt modelId="{6DEE59F1-8504-4A60-BA64-32AF4917DA3A}" type="pres">
@@ -4810,7 +4894,7 @@
       <dgm:spPr/>
     </dgm:pt>
     <dgm:pt modelId="{ED427EF1-DD58-4287-AA19-B5F9EF8E6646}" type="pres">
-      <dgm:prSet presAssocID="{DB8C8AA5-7FA7-443F-ABF4-DEA14F9E8E63}" presName="rootText" presStyleLbl="node4" presStyleIdx="14" presStyleCnt="33">
+      <dgm:prSet presAssocID="{DB8C8AA5-7FA7-443F-ABF4-DEA14F9E8E63}" presName="rootText" presStyleLbl="node4" presStyleIdx="15" presStyleCnt="34">
         <dgm:presLayoutVars>
           <dgm:chPref val="3"/>
         </dgm:presLayoutVars>
@@ -4818,7 +4902,7 @@
       <dgm:spPr/>
     </dgm:pt>
     <dgm:pt modelId="{2066167C-8D07-4EB0-9381-D934214A8F31}" type="pres">
-      <dgm:prSet presAssocID="{DB8C8AA5-7FA7-443F-ABF4-DEA14F9E8E63}" presName="rootConnector" presStyleLbl="node4" presStyleIdx="14" presStyleCnt="33"/>
+      <dgm:prSet presAssocID="{DB8C8AA5-7FA7-443F-ABF4-DEA14F9E8E63}" presName="rootConnector" presStyleLbl="node4" presStyleIdx="15" presStyleCnt="34"/>
       <dgm:spPr/>
     </dgm:pt>
     <dgm:pt modelId="{B79B7604-4957-4552-B403-71815858A606}" type="pres">
@@ -4866,7 +4950,7 @@
       <dgm:spPr/>
     </dgm:pt>
     <dgm:pt modelId="{77519338-7126-4A35-B021-66B10B654BAF}" type="pres">
-      <dgm:prSet presAssocID="{D5230C40-4EAA-49D6-8C5D-AA76AAD9C62A}" presName="Name37" presStyleLbl="parChTrans1D4" presStyleIdx="15" presStyleCnt="33"/>
+      <dgm:prSet presAssocID="{D5230C40-4EAA-49D6-8C5D-AA76AAD9C62A}" presName="Name37" presStyleLbl="parChTrans1D4" presStyleIdx="16" presStyleCnt="34"/>
       <dgm:spPr/>
     </dgm:pt>
     <dgm:pt modelId="{B50201CD-D664-4089-8B3D-6B94E0A93C0E}" type="pres">
@@ -4882,7 +4966,7 @@
       <dgm:spPr/>
     </dgm:pt>
     <dgm:pt modelId="{328C33F0-CE3F-403D-AEE7-ECE0AEBDA287}" type="pres">
-      <dgm:prSet presAssocID="{C686A69B-38E8-46F5-9A40-D1B71147D0CC}" presName="rootText" presStyleLbl="node4" presStyleIdx="15" presStyleCnt="33">
+      <dgm:prSet presAssocID="{C686A69B-38E8-46F5-9A40-D1B71147D0CC}" presName="rootText" presStyleLbl="node4" presStyleIdx="16" presStyleCnt="34">
         <dgm:presLayoutVars>
           <dgm:chPref val="3"/>
         </dgm:presLayoutVars>
@@ -4890,7 +4974,7 @@
       <dgm:spPr/>
     </dgm:pt>
     <dgm:pt modelId="{340139D5-7E00-4687-937C-D714D98577AF}" type="pres">
-      <dgm:prSet presAssocID="{C686A69B-38E8-46F5-9A40-D1B71147D0CC}" presName="rootConnector" presStyleLbl="node4" presStyleIdx="15" presStyleCnt="33"/>
+      <dgm:prSet presAssocID="{C686A69B-38E8-46F5-9A40-D1B71147D0CC}" presName="rootConnector" presStyleLbl="node4" presStyleIdx="16" presStyleCnt="34"/>
       <dgm:spPr/>
     </dgm:pt>
     <dgm:pt modelId="{0A52B6C0-CA36-4F78-BCBD-87194A9FFB9B}" type="pres">
@@ -4898,7 +4982,7 @@
       <dgm:spPr/>
     </dgm:pt>
     <dgm:pt modelId="{8D37D388-7226-464F-91F8-D6825CEC124A}" type="pres">
-      <dgm:prSet presAssocID="{2389E0CD-7AAB-42D8-887E-3BB76667F373}" presName="Name37" presStyleLbl="parChTrans1D4" presStyleIdx="16" presStyleCnt="33"/>
+      <dgm:prSet presAssocID="{2389E0CD-7AAB-42D8-887E-3BB76667F373}" presName="Name37" presStyleLbl="parChTrans1D4" presStyleIdx="17" presStyleCnt="34"/>
       <dgm:spPr/>
     </dgm:pt>
     <dgm:pt modelId="{8C0084F7-ACB0-49F1-8651-D0F0F813AD58}" type="pres">
@@ -4914,7 +4998,7 @@
       <dgm:spPr/>
     </dgm:pt>
     <dgm:pt modelId="{728414BF-7543-4594-887B-C5A169440D4D}" type="pres">
-      <dgm:prSet presAssocID="{81FBF21E-A128-4B82-9424-983916099137}" presName="rootText" presStyleLbl="node4" presStyleIdx="16" presStyleCnt="33">
+      <dgm:prSet presAssocID="{81FBF21E-A128-4B82-9424-983916099137}" presName="rootText" presStyleLbl="node4" presStyleIdx="17" presStyleCnt="34">
         <dgm:presLayoutVars>
           <dgm:chPref val="3"/>
         </dgm:presLayoutVars>
@@ -4922,7 +5006,7 @@
       <dgm:spPr/>
     </dgm:pt>
     <dgm:pt modelId="{9A380597-2F53-4866-8337-8315BA345E4B}" type="pres">
-      <dgm:prSet presAssocID="{81FBF21E-A128-4B82-9424-983916099137}" presName="rootConnector" presStyleLbl="node4" presStyleIdx="16" presStyleCnt="33"/>
+      <dgm:prSet presAssocID="{81FBF21E-A128-4B82-9424-983916099137}" presName="rootConnector" presStyleLbl="node4" presStyleIdx="17" presStyleCnt="34"/>
       <dgm:spPr/>
     </dgm:pt>
     <dgm:pt modelId="{81CF19FE-A975-4686-87C2-6EA19253B773}" type="pres">
@@ -4934,7 +5018,7 @@
       <dgm:spPr/>
     </dgm:pt>
     <dgm:pt modelId="{EFC0051E-B1CD-4701-9B49-2699F6CE303F}" type="pres">
-      <dgm:prSet presAssocID="{EC3FA7BE-4A6B-4B8F-80B8-68F98424A46F}" presName="Name37" presStyleLbl="parChTrans1D4" presStyleIdx="17" presStyleCnt="33"/>
+      <dgm:prSet presAssocID="{EC3FA7BE-4A6B-4B8F-80B8-68F98424A46F}" presName="Name37" presStyleLbl="parChTrans1D4" presStyleIdx="18" presStyleCnt="34"/>
       <dgm:spPr/>
     </dgm:pt>
     <dgm:pt modelId="{FF8682BD-E86F-409D-BC2A-E4D9DBC4E2FC}" type="pres">
@@ -4950,7 +5034,7 @@
       <dgm:spPr/>
     </dgm:pt>
     <dgm:pt modelId="{E262768F-459D-411D-BFA5-E63375668D65}" type="pres">
-      <dgm:prSet presAssocID="{501EFB47-CA2E-4B02-B2BD-40CC8D92A215}" presName="rootText" presStyleLbl="node4" presStyleIdx="17" presStyleCnt="33">
+      <dgm:prSet presAssocID="{501EFB47-CA2E-4B02-B2BD-40CC8D92A215}" presName="rootText" presStyleLbl="node4" presStyleIdx="18" presStyleCnt="34">
         <dgm:presLayoutVars>
           <dgm:chPref val="3"/>
         </dgm:presLayoutVars>
@@ -4958,7 +5042,7 @@
       <dgm:spPr/>
     </dgm:pt>
     <dgm:pt modelId="{D4796F5D-31F4-4ABE-A749-B97571121217}" type="pres">
-      <dgm:prSet presAssocID="{501EFB47-CA2E-4B02-B2BD-40CC8D92A215}" presName="rootConnector" presStyleLbl="node4" presStyleIdx="17" presStyleCnt="33"/>
+      <dgm:prSet presAssocID="{501EFB47-CA2E-4B02-B2BD-40CC8D92A215}" presName="rootConnector" presStyleLbl="node4" presStyleIdx="18" presStyleCnt="34"/>
       <dgm:spPr/>
     </dgm:pt>
     <dgm:pt modelId="{0430096A-53CA-46CD-9B88-E999C3D22674}" type="pres">
@@ -4970,7 +5054,7 @@
       <dgm:spPr/>
     </dgm:pt>
     <dgm:pt modelId="{46C6D932-5617-46CB-BBB9-D125CA430ADA}" type="pres">
-      <dgm:prSet presAssocID="{005CB0FE-AF7A-4AF4-9BB0-4D92DC24F67F}" presName="Name37" presStyleLbl="parChTrans1D4" presStyleIdx="18" presStyleCnt="33"/>
+      <dgm:prSet presAssocID="{005CB0FE-AF7A-4AF4-9BB0-4D92DC24F67F}" presName="Name37" presStyleLbl="parChTrans1D4" presStyleIdx="19" presStyleCnt="34"/>
       <dgm:spPr/>
     </dgm:pt>
     <dgm:pt modelId="{42581F09-E80C-4B56-926B-D538CE87EDC1}" type="pres">
@@ -4986,7 +5070,7 @@
       <dgm:spPr/>
     </dgm:pt>
     <dgm:pt modelId="{4088DE1B-4EDC-4138-920F-C55D684D205B}" type="pres">
-      <dgm:prSet presAssocID="{CED4E728-26A9-4795-8023-948ECA5B7D84}" presName="rootText" presStyleLbl="node4" presStyleIdx="18" presStyleCnt="33">
+      <dgm:prSet presAssocID="{CED4E728-26A9-4795-8023-948ECA5B7D84}" presName="rootText" presStyleLbl="node4" presStyleIdx="19" presStyleCnt="34">
         <dgm:presLayoutVars>
           <dgm:chPref val="3"/>
         </dgm:presLayoutVars>
@@ -4994,7 +5078,7 @@
       <dgm:spPr/>
     </dgm:pt>
     <dgm:pt modelId="{3C38B803-D955-49BB-9778-173C9CA2D4D0}" type="pres">
-      <dgm:prSet presAssocID="{CED4E728-26A9-4795-8023-948ECA5B7D84}" presName="rootConnector" presStyleLbl="node4" presStyleIdx="18" presStyleCnt="33"/>
+      <dgm:prSet presAssocID="{CED4E728-26A9-4795-8023-948ECA5B7D84}" presName="rootConnector" presStyleLbl="node4" presStyleIdx="19" presStyleCnt="34"/>
       <dgm:spPr/>
     </dgm:pt>
     <dgm:pt modelId="{94BD959F-A14C-45EC-98F6-AF4139128E9C}" type="pres">
@@ -5010,7 +5094,7 @@
       <dgm:spPr/>
     </dgm:pt>
     <dgm:pt modelId="{EEBEFF57-A5EF-4825-AB20-411C4DE87FDC}" type="pres">
-      <dgm:prSet presAssocID="{63E77EF2-121B-4007-9AF6-C4D20141298F}" presName="Name37" presStyleLbl="parChTrans1D4" presStyleIdx="19" presStyleCnt="33"/>
+      <dgm:prSet presAssocID="{63E77EF2-121B-4007-9AF6-C4D20141298F}" presName="Name37" presStyleLbl="parChTrans1D4" presStyleIdx="20" presStyleCnt="34"/>
       <dgm:spPr/>
     </dgm:pt>
     <dgm:pt modelId="{86D24BA1-0EC2-444C-A84A-AE8BF9DA90B0}" type="pres">
@@ -5026,7 +5110,7 @@
       <dgm:spPr/>
     </dgm:pt>
     <dgm:pt modelId="{0851883F-2BF5-4370-A947-227B23978DB5}" type="pres">
-      <dgm:prSet presAssocID="{68CA12FF-01E0-42BA-A8CB-16C00C78D642}" presName="rootText" presStyleLbl="node4" presStyleIdx="19" presStyleCnt="33">
+      <dgm:prSet presAssocID="{68CA12FF-01E0-42BA-A8CB-16C00C78D642}" presName="rootText" presStyleLbl="node4" presStyleIdx="20" presStyleCnt="34">
         <dgm:presLayoutVars>
           <dgm:chPref val="3"/>
         </dgm:presLayoutVars>
@@ -5034,7 +5118,7 @@
       <dgm:spPr/>
     </dgm:pt>
     <dgm:pt modelId="{F4787B1B-5CDB-4598-B44D-4D8C317F1C38}" type="pres">
-      <dgm:prSet presAssocID="{68CA12FF-01E0-42BA-A8CB-16C00C78D642}" presName="rootConnector" presStyleLbl="node4" presStyleIdx="19" presStyleCnt="33"/>
+      <dgm:prSet presAssocID="{68CA12FF-01E0-42BA-A8CB-16C00C78D642}" presName="rootConnector" presStyleLbl="node4" presStyleIdx="20" presStyleCnt="34"/>
       <dgm:spPr/>
     </dgm:pt>
     <dgm:pt modelId="{BDF03A26-70CB-48E4-9D6D-F52F663D19A7}" type="pres">
@@ -5042,7 +5126,7 @@
       <dgm:spPr/>
     </dgm:pt>
     <dgm:pt modelId="{A3D8CC34-A049-4CD9-B6F6-8FC0A4A5B3C0}" type="pres">
-      <dgm:prSet presAssocID="{907C3A36-BA88-4586-947C-5B43ACCFE9B4}" presName="Name37" presStyleLbl="parChTrans1D4" presStyleIdx="20" presStyleCnt="33"/>
+      <dgm:prSet presAssocID="{907C3A36-BA88-4586-947C-5B43ACCFE9B4}" presName="Name37" presStyleLbl="parChTrans1D4" presStyleIdx="21" presStyleCnt="34"/>
       <dgm:spPr/>
     </dgm:pt>
     <dgm:pt modelId="{7F448A94-763F-4BC2-909C-7AECE697DB4C}" type="pres">
@@ -5058,7 +5142,7 @@
       <dgm:spPr/>
     </dgm:pt>
     <dgm:pt modelId="{78D064D6-9855-4896-A72A-AE08010CCAF8}" type="pres">
-      <dgm:prSet presAssocID="{86E3F875-E050-48E8-B888-378E0FD8DD37}" presName="rootText" presStyleLbl="node4" presStyleIdx="20" presStyleCnt="33">
+      <dgm:prSet presAssocID="{86E3F875-E050-48E8-B888-378E0FD8DD37}" presName="rootText" presStyleLbl="node4" presStyleIdx="21" presStyleCnt="34">
         <dgm:presLayoutVars>
           <dgm:chPref val="3"/>
         </dgm:presLayoutVars>
@@ -5066,7 +5150,7 @@
       <dgm:spPr/>
     </dgm:pt>
     <dgm:pt modelId="{BC0D4DBD-E81B-44EF-B573-0DB1AC2C7A25}" type="pres">
-      <dgm:prSet presAssocID="{86E3F875-E050-48E8-B888-378E0FD8DD37}" presName="rootConnector" presStyleLbl="node4" presStyleIdx="20" presStyleCnt="33"/>
+      <dgm:prSet presAssocID="{86E3F875-E050-48E8-B888-378E0FD8DD37}" presName="rootConnector" presStyleLbl="node4" presStyleIdx="21" presStyleCnt="34"/>
       <dgm:spPr/>
     </dgm:pt>
     <dgm:pt modelId="{96E187D2-EA78-4FB2-AF7F-4FB2B6B700AE}" type="pres">
@@ -5078,7 +5162,7 @@
       <dgm:spPr/>
     </dgm:pt>
     <dgm:pt modelId="{607187E1-F22E-44F6-86C9-9A28B87CB61D}" type="pres">
-      <dgm:prSet presAssocID="{277834FB-99DF-43DB-BAA1-43872E8EDB33}" presName="Name37" presStyleLbl="parChTrans1D4" presStyleIdx="21" presStyleCnt="33"/>
+      <dgm:prSet presAssocID="{277834FB-99DF-43DB-BAA1-43872E8EDB33}" presName="Name37" presStyleLbl="parChTrans1D4" presStyleIdx="22" presStyleCnt="34"/>
       <dgm:spPr/>
     </dgm:pt>
     <dgm:pt modelId="{3E1F36F9-7CD1-4F23-A45A-6FE1538E4854}" type="pres">
@@ -5094,7 +5178,7 @@
       <dgm:spPr/>
     </dgm:pt>
     <dgm:pt modelId="{C66BB263-C221-495D-B18A-4076B768004F}" type="pres">
-      <dgm:prSet presAssocID="{2FE704FD-B11D-43A9-A69D-FECE1E12F001}" presName="rootText" presStyleLbl="node4" presStyleIdx="21" presStyleCnt="33">
+      <dgm:prSet presAssocID="{2FE704FD-B11D-43A9-A69D-FECE1E12F001}" presName="rootText" presStyleLbl="node4" presStyleIdx="22" presStyleCnt="34">
         <dgm:presLayoutVars>
           <dgm:chPref val="3"/>
         </dgm:presLayoutVars>
@@ -5102,7 +5186,7 @@
       <dgm:spPr/>
     </dgm:pt>
     <dgm:pt modelId="{16BD625E-A538-4945-88C5-529288B6339D}" type="pres">
-      <dgm:prSet presAssocID="{2FE704FD-B11D-43A9-A69D-FECE1E12F001}" presName="rootConnector" presStyleLbl="node4" presStyleIdx="21" presStyleCnt="33"/>
+      <dgm:prSet presAssocID="{2FE704FD-B11D-43A9-A69D-FECE1E12F001}" presName="rootConnector" presStyleLbl="node4" presStyleIdx="22" presStyleCnt="34"/>
       <dgm:spPr/>
     </dgm:pt>
     <dgm:pt modelId="{F61FAD55-042D-4DC7-A41C-42691802703A}" type="pres">
@@ -5114,7 +5198,7 @@
       <dgm:spPr/>
     </dgm:pt>
     <dgm:pt modelId="{7999375A-CF53-4859-8699-9F60D57D7777}" type="pres">
-      <dgm:prSet presAssocID="{DB97D647-CA6E-4BC8-B7DC-C11E64A4D133}" presName="Name37" presStyleLbl="parChTrans1D4" presStyleIdx="22" presStyleCnt="33"/>
+      <dgm:prSet presAssocID="{DB97D647-CA6E-4BC8-B7DC-C11E64A4D133}" presName="Name37" presStyleLbl="parChTrans1D4" presStyleIdx="23" presStyleCnt="34"/>
       <dgm:spPr/>
     </dgm:pt>
     <dgm:pt modelId="{FCF8B844-D2FB-4E8B-B06F-D351011D6C21}" type="pres">
@@ -5130,7 +5214,7 @@
       <dgm:spPr/>
     </dgm:pt>
     <dgm:pt modelId="{77B8982D-EE30-4958-A5BB-96C68C88E419}" type="pres">
-      <dgm:prSet presAssocID="{F1DC6111-459C-4C6B-8427-54CE2FF7FCD8}" presName="rootText" presStyleLbl="node4" presStyleIdx="22" presStyleCnt="33">
+      <dgm:prSet presAssocID="{F1DC6111-459C-4C6B-8427-54CE2FF7FCD8}" presName="rootText" presStyleLbl="node4" presStyleIdx="23" presStyleCnt="34">
         <dgm:presLayoutVars>
           <dgm:chPref val="3"/>
         </dgm:presLayoutVars>
@@ -5138,7 +5222,7 @@
       <dgm:spPr/>
     </dgm:pt>
     <dgm:pt modelId="{F3BE5EA5-49F0-4A3D-A293-892BA2BF3AF3}" type="pres">
-      <dgm:prSet presAssocID="{F1DC6111-459C-4C6B-8427-54CE2FF7FCD8}" presName="rootConnector" presStyleLbl="node4" presStyleIdx="22" presStyleCnt="33"/>
+      <dgm:prSet presAssocID="{F1DC6111-459C-4C6B-8427-54CE2FF7FCD8}" presName="rootConnector" presStyleLbl="node4" presStyleIdx="23" presStyleCnt="34"/>
       <dgm:spPr/>
     </dgm:pt>
     <dgm:pt modelId="{11A347AD-0B39-4627-8A14-70D86ECD9FAF}" type="pres">
@@ -5150,7 +5234,7 @@
       <dgm:spPr/>
     </dgm:pt>
     <dgm:pt modelId="{8DB9FFBA-A02B-48C7-8607-A7CDD08771C0}" type="pres">
-      <dgm:prSet presAssocID="{E8DDD819-9945-45AA-984F-097EA8EA32F7}" presName="Name37" presStyleLbl="parChTrans1D4" presStyleIdx="23" presStyleCnt="33"/>
+      <dgm:prSet presAssocID="{E8DDD819-9945-45AA-984F-097EA8EA32F7}" presName="Name37" presStyleLbl="parChTrans1D4" presStyleIdx="24" presStyleCnt="34"/>
       <dgm:spPr/>
     </dgm:pt>
     <dgm:pt modelId="{69204B7B-E864-42AE-B990-E1BF5BF7B5B1}" type="pres">
@@ -5166,7 +5250,7 @@
       <dgm:spPr/>
     </dgm:pt>
     <dgm:pt modelId="{C43893D2-DBE0-4EF4-BF54-FF94FB67D791}" type="pres">
-      <dgm:prSet presAssocID="{BB02E3F6-0C0C-45B6-8E1D-FD940D1C377F}" presName="rootText" presStyleLbl="node4" presStyleIdx="23" presStyleCnt="33">
+      <dgm:prSet presAssocID="{BB02E3F6-0C0C-45B6-8E1D-FD940D1C377F}" presName="rootText" presStyleLbl="node4" presStyleIdx="24" presStyleCnt="34">
         <dgm:presLayoutVars>
           <dgm:chPref val="3"/>
         </dgm:presLayoutVars>
@@ -5174,7 +5258,7 @@
       <dgm:spPr/>
     </dgm:pt>
     <dgm:pt modelId="{D7BB4C8B-2AD8-469D-9142-130E6B0873B7}" type="pres">
-      <dgm:prSet presAssocID="{BB02E3F6-0C0C-45B6-8E1D-FD940D1C377F}" presName="rootConnector" presStyleLbl="node4" presStyleIdx="23" presStyleCnt="33"/>
+      <dgm:prSet presAssocID="{BB02E3F6-0C0C-45B6-8E1D-FD940D1C377F}" presName="rootConnector" presStyleLbl="node4" presStyleIdx="24" presStyleCnt="34"/>
       <dgm:spPr/>
     </dgm:pt>
     <dgm:pt modelId="{E2EAA063-036C-41D0-B130-D72CA7C155A0}" type="pres">
@@ -5186,7 +5270,7 @@
       <dgm:spPr/>
     </dgm:pt>
     <dgm:pt modelId="{74C37079-C1A1-48F9-B226-B8A4E8DF4B0C}" type="pres">
-      <dgm:prSet presAssocID="{3BD9BF9B-1F89-4C77-89B3-5B5F0DFD4B7F}" presName="Name37" presStyleLbl="parChTrans1D4" presStyleIdx="24" presStyleCnt="33"/>
+      <dgm:prSet presAssocID="{3BD9BF9B-1F89-4C77-89B3-5B5F0DFD4B7F}" presName="Name37" presStyleLbl="parChTrans1D4" presStyleIdx="25" presStyleCnt="34"/>
       <dgm:spPr/>
     </dgm:pt>
     <dgm:pt modelId="{E125DD6D-97B5-46F0-B86B-50C8554DAB79}" type="pres">
@@ -5202,7 +5286,7 @@
       <dgm:spPr/>
     </dgm:pt>
     <dgm:pt modelId="{FBF29848-D584-4088-B2B8-81DC5E62F93F}" type="pres">
-      <dgm:prSet presAssocID="{3B71FC76-259A-4376-8916-8FFA379FCA11}" presName="rootText" presStyleLbl="node4" presStyleIdx="24" presStyleCnt="33">
+      <dgm:prSet presAssocID="{3B71FC76-259A-4376-8916-8FFA379FCA11}" presName="rootText" presStyleLbl="node4" presStyleIdx="25" presStyleCnt="34">
         <dgm:presLayoutVars>
           <dgm:chPref val="3"/>
         </dgm:presLayoutVars>
@@ -5210,7 +5294,7 @@
       <dgm:spPr/>
     </dgm:pt>
     <dgm:pt modelId="{F7342020-D0C8-48A4-B295-1D9D2800F942}" type="pres">
-      <dgm:prSet presAssocID="{3B71FC76-259A-4376-8916-8FFA379FCA11}" presName="rootConnector" presStyleLbl="node4" presStyleIdx="24" presStyleCnt="33"/>
+      <dgm:prSet presAssocID="{3B71FC76-259A-4376-8916-8FFA379FCA11}" presName="rootConnector" presStyleLbl="node4" presStyleIdx="25" presStyleCnt="34"/>
       <dgm:spPr/>
     </dgm:pt>
     <dgm:pt modelId="{0F704831-5834-47A3-98B1-92573E5ED024}" type="pres">
@@ -5222,7 +5306,7 @@
       <dgm:spPr/>
     </dgm:pt>
     <dgm:pt modelId="{A354946D-FD05-4616-94F1-FDC237650903}" type="pres">
-      <dgm:prSet presAssocID="{B69D7E51-DFF9-47BE-A3F4-4A4F6F84F6D4}" presName="Name37" presStyleLbl="parChTrans1D4" presStyleIdx="25" presStyleCnt="33"/>
+      <dgm:prSet presAssocID="{B69D7E51-DFF9-47BE-A3F4-4A4F6F84F6D4}" presName="Name37" presStyleLbl="parChTrans1D4" presStyleIdx="26" presStyleCnt="34"/>
       <dgm:spPr/>
     </dgm:pt>
     <dgm:pt modelId="{98A1EEB9-8151-480A-942E-081151196B5C}" type="pres">
@@ -5238,7 +5322,7 @@
       <dgm:spPr/>
     </dgm:pt>
     <dgm:pt modelId="{BC33BA0D-AAC4-4C26-859F-59656C8E0986}" type="pres">
-      <dgm:prSet presAssocID="{E5D07E13-FFA4-4BC7-9ED6-9A3A4D899203}" presName="rootText" presStyleLbl="node4" presStyleIdx="25" presStyleCnt="33">
+      <dgm:prSet presAssocID="{E5D07E13-FFA4-4BC7-9ED6-9A3A4D899203}" presName="rootText" presStyleLbl="node4" presStyleIdx="26" presStyleCnt="34">
         <dgm:presLayoutVars>
           <dgm:chPref val="3"/>
         </dgm:presLayoutVars>
@@ -5246,7 +5330,7 @@
       <dgm:spPr/>
     </dgm:pt>
     <dgm:pt modelId="{E3E8D869-538D-44B0-A229-31BF301F0891}" type="pres">
-      <dgm:prSet presAssocID="{E5D07E13-FFA4-4BC7-9ED6-9A3A4D899203}" presName="rootConnector" presStyleLbl="node4" presStyleIdx="25" presStyleCnt="33"/>
+      <dgm:prSet presAssocID="{E5D07E13-FFA4-4BC7-9ED6-9A3A4D899203}" presName="rootConnector" presStyleLbl="node4" presStyleIdx="26" presStyleCnt="34"/>
       <dgm:spPr/>
     </dgm:pt>
     <dgm:pt modelId="{708A3B27-E0E0-4201-8CD1-C0EC918CADF2}" type="pres">
@@ -5258,7 +5342,7 @@
       <dgm:spPr/>
     </dgm:pt>
     <dgm:pt modelId="{A8A8E70C-B0CD-4166-904E-AE0AD752E691}" type="pres">
-      <dgm:prSet presAssocID="{3B7BF18E-536F-4650-8C25-BA818201D367}" presName="Name37" presStyleLbl="parChTrans1D4" presStyleIdx="26" presStyleCnt="33"/>
+      <dgm:prSet presAssocID="{3B7BF18E-536F-4650-8C25-BA818201D367}" presName="Name37" presStyleLbl="parChTrans1D4" presStyleIdx="27" presStyleCnt="34"/>
       <dgm:spPr/>
     </dgm:pt>
     <dgm:pt modelId="{BE294C8B-D4F0-4245-B530-937731288431}" type="pres">
@@ -5274,7 +5358,7 @@
       <dgm:spPr/>
     </dgm:pt>
     <dgm:pt modelId="{82BC6A22-0D4F-4E1F-A51A-16FA800CB7D2}" type="pres">
-      <dgm:prSet presAssocID="{97D2FEF3-CF15-4DC5-ACE4-3E8E9A70FB97}" presName="rootText" presStyleLbl="node4" presStyleIdx="26" presStyleCnt="33">
+      <dgm:prSet presAssocID="{97D2FEF3-CF15-4DC5-ACE4-3E8E9A70FB97}" presName="rootText" presStyleLbl="node4" presStyleIdx="27" presStyleCnt="34">
         <dgm:presLayoutVars>
           <dgm:chPref val="3"/>
         </dgm:presLayoutVars>
@@ -5282,7 +5366,7 @@
       <dgm:spPr/>
     </dgm:pt>
     <dgm:pt modelId="{AA261B5C-19A1-4FF6-AC8E-B31CE5E880F8}" type="pres">
-      <dgm:prSet presAssocID="{97D2FEF3-CF15-4DC5-ACE4-3E8E9A70FB97}" presName="rootConnector" presStyleLbl="node4" presStyleIdx="26" presStyleCnt="33"/>
+      <dgm:prSet presAssocID="{97D2FEF3-CF15-4DC5-ACE4-3E8E9A70FB97}" presName="rootConnector" presStyleLbl="node4" presStyleIdx="27" presStyleCnt="34"/>
       <dgm:spPr/>
     </dgm:pt>
     <dgm:pt modelId="{B6A1CA7D-3C76-4E96-9087-C5E6971697E7}" type="pres">
@@ -5298,7 +5382,7 @@
       <dgm:spPr/>
     </dgm:pt>
     <dgm:pt modelId="{D4303B95-8E66-48F0-977B-32408A6D1E80}" type="pres">
-      <dgm:prSet presAssocID="{0986B82E-35EA-44C9-8552-0C77F85AED10}" presName="Name37" presStyleLbl="parChTrans1D4" presStyleIdx="27" presStyleCnt="33"/>
+      <dgm:prSet presAssocID="{0986B82E-35EA-44C9-8552-0C77F85AED10}" presName="Name37" presStyleLbl="parChTrans1D4" presStyleIdx="28" presStyleCnt="34"/>
       <dgm:spPr/>
     </dgm:pt>
     <dgm:pt modelId="{DB6CCE71-24F9-4226-B6C2-09CC46E0A3B1}" type="pres">
@@ -5314,7 +5398,7 @@
       <dgm:spPr/>
     </dgm:pt>
     <dgm:pt modelId="{A28205EF-33EE-49F6-8BA6-906C927955CE}" type="pres">
-      <dgm:prSet presAssocID="{EF471FA5-463C-4693-A34E-777119406158}" presName="rootText" presStyleLbl="node4" presStyleIdx="27" presStyleCnt="33">
+      <dgm:prSet presAssocID="{EF471FA5-463C-4693-A34E-777119406158}" presName="rootText" presStyleLbl="node4" presStyleIdx="28" presStyleCnt="34">
         <dgm:presLayoutVars>
           <dgm:chPref val="3"/>
         </dgm:presLayoutVars>
@@ -5322,7 +5406,7 @@
       <dgm:spPr/>
     </dgm:pt>
     <dgm:pt modelId="{FD115849-67EC-4C4A-9062-477E26A41EE2}" type="pres">
-      <dgm:prSet presAssocID="{EF471FA5-463C-4693-A34E-777119406158}" presName="rootConnector" presStyleLbl="node4" presStyleIdx="27" presStyleCnt="33"/>
+      <dgm:prSet presAssocID="{EF471FA5-463C-4693-A34E-777119406158}" presName="rootConnector" presStyleLbl="node4" presStyleIdx="28" presStyleCnt="34"/>
       <dgm:spPr/>
     </dgm:pt>
     <dgm:pt modelId="{CDE01D47-E465-4D54-A2BB-C262803FB0A7}" type="pres">
@@ -5334,7 +5418,7 @@
       <dgm:spPr/>
     </dgm:pt>
     <dgm:pt modelId="{50CC3F46-467C-483C-8494-965F5A90FADC}" type="pres">
-      <dgm:prSet presAssocID="{6FD59E30-07ED-407D-832B-B4C1D48FCE2F}" presName="Name37" presStyleLbl="parChTrans1D4" presStyleIdx="28" presStyleCnt="33"/>
+      <dgm:prSet presAssocID="{6FD59E30-07ED-407D-832B-B4C1D48FCE2F}" presName="Name37" presStyleLbl="parChTrans1D4" presStyleIdx="29" presStyleCnt="34"/>
       <dgm:spPr/>
     </dgm:pt>
     <dgm:pt modelId="{E7327D30-D5C5-4627-954E-9ED1EBA2B5DD}" type="pres">
@@ -5350,7 +5434,7 @@
       <dgm:spPr/>
     </dgm:pt>
     <dgm:pt modelId="{EF62B89B-D694-4364-ADA9-F7D5A34ABDBC}" type="pres">
-      <dgm:prSet presAssocID="{CD469B55-C4AC-4628-A755-97C858CCCD1D}" presName="rootText" presStyleLbl="node4" presStyleIdx="28" presStyleCnt="33">
+      <dgm:prSet presAssocID="{CD469B55-C4AC-4628-A755-97C858CCCD1D}" presName="rootText" presStyleLbl="node4" presStyleIdx="29" presStyleCnt="34">
         <dgm:presLayoutVars>
           <dgm:chPref val="3"/>
         </dgm:presLayoutVars>
@@ -5358,7 +5442,7 @@
       <dgm:spPr/>
     </dgm:pt>
     <dgm:pt modelId="{4E365F48-7B0D-4008-A668-8F565661A76A}" type="pres">
-      <dgm:prSet presAssocID="{CD469B55-C4AC-4628-A755-97C858CCCD1D}" presName="rootConnector" presStyleLbl="node4" presStyleIdx="28" presStyleCnt="33"/>
+      <dgm:prSet presAssocID="{CD469B55-C4AC-4628-A755-97C858CCCD1D}" presName="rootConnector" presStyleLbl="node4" presStyleIdx="29" presStyleCnt="34"/>
       <dgm:spPr/>
     </dgm:pt>
     <dgm:pt modelId="{C15A9B46-1F5C-4E87-B34C-10B73E528650}" type="pres">
@@ -5370,7 +5454,7 @@
       <dgm:spPr/>
     </dgm:pt>
     <dgm:pt modelId="{4D490EF5-FA3F-42C1-9D35-50EB7596086D}" type="pres">
-      <dgm:prSet presAssocID="{81FC6209-2AA5-4412-B017-70BD153BA599}" presName="Name37" presStyleLbl="parChTrans1D4" presStyleIdx="29" presStyleCnt="33"/>
+      <dgm:prSet presAssocID="{81FC6209-2AA5-4412-B017-70BD153BA599}" presName="Name37" presStyleLbl="parChTrans1D4" presStyleIdx="30" presStyleCnt="34"/>
       <dgm:spPr/>
     </dgm:pt>
     <dgm:pt modelId="{F23C28F3-C31E-4D09-88BA-E6939B36B602}" type="pres">
@@ -5386,7 +5470,7 @@
       <dgm:spPr/>
     </dgm:pt>
     <dgm:pt modelId="{675084BB-B229-471B-9FD2-8E31127A1060}" type="pres">
-      <dgm:prSet presAssocID="{7F8A0151-F7CF-4865-80B5-06D72A6B44D6}" presName="rootText" presStyleLbl="node4" presStyleIdx="29" presStyleCnt="33">
+      <dgm:prSet presAssocID="{7F8A0151-F7CF-4865-80B5-06D72A6B44D6}" presName="rootText" presStyleLbl="node4" presStyleIdx="30" presStyleCnt="34">
         <dgm:presLayoutVars>
           <dgm:chPref val="3"/>
         </dgm:presLayoutVars>
@@ -5394,7 +5478,7 @@
       <dgm:spPr/>
     </dgm:pt>
     <dgm:pt modelId="{72D3E350-6D73-46CE-AF2F-E06E16C9DE1D}" type="pres">
-      <dgm:prSet presAssocID="{7F8A0151-F7CF-4865-80B5-06D72A6B44D6}" presName="rootConnector" presStyleLbl="node4" presStyleIdx="29" presStyleCnt="33"/>
+      <dgm:prSet presAssocID="{7F8A0151-F7CF-4865-80B5-06D72A6B44D6}" presName="rootConnector" presStyleLbl="node4" presStyleIdx="30" presStyleCnt="34"/>
       <dgm:spPr/>
     </dgm:pt>
     <dgm:pt modelId="{1E26EEDC-5B6C-46FD-8C27-C41C51AB2462}" type="pres">
@@ -5442,7 +5526,7 @@
       <dgm:spPr/>
     </dgm:pt>
     <dgm:pt modelId="{C221E353-FCA6-47E3-93AF-EA75D4B10F95}" type="pres">
-      <dgm:prSet presAssocID="{0BF9D9D6-1612-4F4E-9974-AA915CC3EBCF}" presName="Name37" presStyleLbl="parChTrans1D4" presStyleIdx="30" presStyleCnt="33"/>
+      <dgm:prSet presAssocID="{0BF9D9D6-1612-4F4E-9974-AA915CC3EBCF}" presName="Name37" presStyleLbl="parChTrans1D4" presStyleIdx="31" presStyleCnt="34"/>
       <dgm:spPr/>
     </dgm:pt>
     <dgm:pt modelId="{DE0CD1D5-B83D-42FF-8065-822AB5A0E12A}" type="pres">
@@ -5458,7 +5542,7 @@
       <dgm:spPr/>
     </dgm:pt>
     <dgm:pt modelId="{023B7140-E980-4804-B080-CA38D0CD0BAF}" type="pres">
-      <dgm:prSet presAssocID="{11FDB6E6-D631-4CF2-B911-AA6DAD314852}" presName="rootText" presStyleLbl="node4" presStyleIdx="30" presStyleCnt="33">
+      <dgm:prSet presAssocID="{11FDB6E6-D631-4CF2-B911-AA6DAD314852}" presName="rootText" presStyleLbl="node4" presStyleIdx="31" presStyleCnt="34">
         <dgm:presLayoutVars>
           <dgm:chPref val="3"/>
         </dgm:presLayoutVars>
@@ -5466,7 +5550,7 @@
       <dgm:spPr/>
     </dgm:pt>
     <dgm:pt modelId="{E7E5F82B-0350-4EBF-9A5A-A9E56184C5A8}" type="pres">
-      <dgm:prSet presAssocID="{11FDB6E6-D631-4CF2-B911-AA6DAD314852}" presName="rootConnector" presStyleLbl="node4" presStyleIdx="30" presStyleCnt="33"/>
+      <dgm:prSet presAssocID="{11FDB6E6-D631-4CF2-B911-AA6DAD314852}" presName="rootConnector" presStyleLbl="node4" presStyleIdx="31" presStyleCnt="34"/>
       <dgm:spPr/>
     </dgm:pt>
     <dgm:pt modelId="{EE0E09A1-9FF0-406F-B138-799D1FD739B1}" type="pres">
@@ -5478,7 +5562,7 @@
       <dgm:spPr/>
     </dgm:pt>
     <dgm:pt modelId="{6240096B-ED5B-401D-8716-E981D80E2DDC}" type="pres">
-      <dgm:prSet presAssocID="{AE1AE8E2-5C07-4C61-B80E-0CC545AB9D23}" presName="Name37" presStyleLbl="parChTrans1D4" presStyleIdx="31" presStyleCnt="33"/>
+      <dgm:prSet presAssocID="{AE1AE8E2-5C07-4C61-B80E-0CC545AB9D23}" presName="Name37" presStyleLbl="parChTrans1D4" presStyleIdx="32" presStyleCnt="34"/>
       <dgm:spPr/>
     </dgm:pt>
     <dgm:pt modelId="{C15AEC64-A1E6-4883-B783-F8B685FBBDBE}" type="pres">
@@ -5494,7 +5578,7 @@
       <dgm:spPr/>
     </dgm:pt>
     <dgm:pt modelId="{64CA20CA-7EE8-4945-AF16-210537A7FCF3}" type="pres">
-      <dgm:prSet presAssocID="{1D90C209-28FB-4CA0-A814-CCE726D99BF0}" presName="rootText" presStyleLbl="node4" presStyleIdx="31" presStyleCnt="33">
+      <dgm:prSet presAssocID="{1D90C209-28FB-4CA0-A814-CCE726D99BF0}" presName="rootText" presStyleLbl="node4" presStyleIdx="32" presStyleCnt="34">
         <dgm:presLayoutVars>
           <dgm:chPref val="3"/>
         </dgm:presLayoutVars>
@@ -5502,7 +5586,7 @@
       <dgm:spPr/>
     </dgm:pt>
     <dgm:pt modelId="{978307F7-F30B-49E7-80E3-E1D5B312B6DA}" type="pres">
-      <dgm:prSet presAssocID="{1D90C209-28FB-4CA0-A814-CCE726D99BF0}" presName="rootConnector" presStyleLbl="node4" presStyleIdx="31" presStyleCnt="33"/>
+      <dgm:prSet presAssocID="{1D90C209-28FB-4CA0-A814-CCE726D99BF0}" presName="rootConnector" presStyleLbl="node4" presStyleIdx="32" presStyleCnt="34"/>
       <dgm:spPr/>
     </dgm:pt>
     <dgm:pt modelId="{8F58357E-1407-47BA-87DD-14A1BDC002D5}" type="pres">
@@ -5586,7 +5670,7 @@
       <dgm:spPr/>
     </dgm:pt>
     <dgm:pt modelId="{B1D086F0-0A1A-4E84-BAE3-755A0F67AA03}" type="pres">
-      <dgm:prSet presAssocID="{B7E0C04E-0D8C-480D-9B39-58200B9FC5C3}" presName="Name37" presStyleLbl="parChTrans1D4" presStyleIdx="32" presStyleCnt="33"/>
+      <dgm:prSet presAssocID="{B7E0C04E-0D8C-480D-9B39-58200B9FC5C3}" presName="Name37" presStyleLbl="parChTrans1D4" presStyleIdx="33" presStyleCnt="34"/>
       <dgm:spPr/>
     </dgm:pt>
     <dgm:pt modelId="{F2AF87EB-3462-4B35-A56F-849DF03F0A27}" type="pres">
@@ -5602,7 +5686,7 @@
       <dgm:spPr/>
     </dgm:pt>
     <dgm:pt modelId="{04AD8C44-14D9-4A94-8218-D787DE7D4E19}" type="pres">
-      <dgm:prSet presAssocID="{6B5BE46A-614B-45DE-A4B5-9C4920B666AA}" presName="rootText" presStyleLbl="node4" presStyleIdx="32" presStyleCnt="33">
+      <dgm:prSet presAssocID="{6B5BE46A-614B-45DE-A4B5-9C4920B666AA}" presName="rootText" presStyleLbl="node4" presStyleIdx="33" presStyleCnt="34">
         <dgm:presLayoutVars>
           <dgm:chPref val="3"/>
         </dgm:presLayoutVars>
@@ -5610,7 +5694,7 @@
       <dgm:spPr/>
     </dgm:pt>
     <dgm:pt modelId="{FDC3F3BB-869A-4BF4-AC2C-CEDF5B86D3BB}" type="pres">
-      <dgm:prSet presAssocID="{6B5BE46A-614B-45DE-A4B5-9C4920B666AA}" presName="rootConnector" presStyleLbl="node4" presStyleIdx="32" presStyleCnt="33"/>
+      <dgm:prSet presAssocID="{6B5BE46A-614B-45DE-A4B5-9C4920B666AA}" presName="rootConnector" presStyleLbl="node4" presStyleIdx="33" presStyleCnt="34"/>
       <dgm:spPr/>
     </dgm:pt>
     <dgm:pt modelId="{38E9C639-1F0B-43BF-A547-CFF82177E6F3}" type="pres">
@@ -5772,13 +5856,13 @@
     <dgm:cxn modelId="{CE5C3425-DE3C-4440-84D5-68A9BB4A089B}" type="presOf" srcId="{97D2FEF3-CF15-4DC5-ACE4-3E8E9A70FB97}" destId="{82BC6A22-0D4F-4E1F-A51A-16FA800CB7D2}" srcOrd="0" destOrd="0" presId="urn:microsoft.com/office/officeart/2005/8/layout/orgChart1"/>
     <dgm:cxn modelId="{2E143227-17C7-4B72-825A-1434C7F28143}" type="presOf" srcId="{62EC5645-E8BF-4154-A431-6A4213FB780C}" destId="{624601C1-BC1F-47EF-9E7D-EE29641818A0}" srcOrd="1" destOrd="0" presId="urn:microsoft.com/office/officeart/2005/8/layout/orgChart1"/>
     <dgm:cxn modelId="{A2204227-FBD8-41D2-BBA2-5433749AF208}" type="presOf" srcId="{1A18B032-CE83-47D1-956B-19A189E34B18}" destId="{949BA997-38EE-49F5-B154-7C25EB4C79F2}" srcOrd="0" destOrd="0" presId="urn:microsoft.com/office/officeart/2005/8/layout/orgChart1"/>
-    <dgm:cxn modelId="{F29EAA28-78C1-4B8E-9D20-7826C27D910E}" srcId="{E3C2EDC8-D2AA-4BD6-A0D0-375E2B599950}" destId="{7F19C310-EBFF-422D-8235-639A8E99E051}" srcOrd="1" destOrd="0" parTransId="{79A9485E-5320-4883-B122-DE49088A0389}" sibTransId="{35641D17-B82A-476A-B380-0D5F9987E4ED}"/>
+    <dgm:cxn modelId="{F29EAA28-78C1-4B8E-9D20-7826C27D910E}" srcId="{E3C2EDC8-D2AA-4BD6-A0D0-375E2B599950}" destId="{7F19C310-EBFF-422D-8235-639A8E99E051}" srcOrd="2" destOrd="0" parTransId="{79A9485E-5320-4883-B122-DE49088A0389}" sibTransId="{35641D17-B82A-476A-B380-0D5F9987E4ED}"/>
     <dgm:cxn modelId="{D4D75A29-AE98-4149-8638-8D7E6BDC3EA8}" srcId="{68CA12FF-01E0-42BA-A8CB-16C00C78D642}" destId="{F1DC6111-459C-4C6B-8427-54CE2FF7FCD8}" srcOrd="2" destOrd="0" parTransId="{DB97D647-CA6E-4BC8-B7DC-C11E64A4D133}" sibTransId="{6BDF3CB0-3D3A-494C-A51E-04F0ECD1EFD0}"/>
     <dgm:cxn modelId="{FEC6B529-4D9C-44EF-8A71-983F7707A373}" type="presOf" srcId="{EF471FA5-463C-4693-A34E-777119406158}" destId="{FD115849-67EC-4C4A-9062-477E26A41EE2}" srcOrd="1" destOrd="0" presId="urn:microsoft.com/office/officeart/2005/8/layout/orgChart1"/>
     <dgm:cxn modelId="{55B1E42C-5AA2-4944-9E2C-8E23BEAFF546}" srcId="{7A27E670-884E-4C1C-A22D-4DD91C1406CC}" destId="{11FDB6E6-D631-4CF2-B911-AA6DAD314852}" srcOrd="0" destOrd="0" parTransId="{0BF9D9D6-1612-4F4E-9974-AA915CC3EBCF}" sibTransId="{AAA38D2A-2729-4A6A-9916-5D2E68E1F672}"/>
     <dgm:cxn modelId="{4164302D-C927-46E6-A987-08AAA507B514}" srcId="{B0964F5C-DCD2-4B40-9671-5A410B8960C8}" destId="{0ADB51CE-CC68-434B-BA86-558AFECB427C}" srcOrd="2" destOrd="0" parTransId="{7C86004C-5CD9-421B-BB28-91918EF2B3C4}" sibTransId="{41BDD808-F31E-4519-A409-6030C9DBAA83}"/>
     <dgm:cxn modelId="{E2A4552F-8D1E-43D9-B2A5-D5DBDEB8A502}" type="presOf" srcId="{7F19C310-EBFF-422D-8235-639A8E99E051}" destId="{2938F48F-48A3-4788-9D92-2060C3A3D72C}" srcOrd="0" destOrd="0" presId="urn:microsoft.com/office/officeart/2005/8/layout/orgChart1"/>
-    <dgm:cxn modelId="{EA3A862F-0F2C-433C-BD77-89D95E9130E1}" srcId="{E3C2EDC8-D2AA-4BD6-A0D0-375E2B599950}" destId="{A4A92EEF-0CCF-4AF5-8A7D-AF7864791B2E}" srcOrd="2" destOrd="0" parTransId="{451BF105-5E70-4427-B211-9D322675EFA1}" sibTransId="{8A3E4130-C8A7-4D1E-B187-D4741FF95841}"/>
+    <dgm:cxn modelId="{EA3A862F-0F2C-433C-BD77-89D95E9130E1}" srcId="{E3C2EDC8-D2AA-4BD6-A0D0-375E2B599950}" destId="{A4A92EEF-0CCF-4AF5-8A7D-AF7864791B2E}" srcOrd="3" destOrd="0" parTransId="{451BF105-5E70-4427-B211-9D322675EFA1}" sibTransId="{8A3E4130-C8A7-4D1E-B187-D4741FF95841}"/>
     <dgm:cxn modelId="{43E8BC30-7565-4B7F-ACD8-ACE2BA471ABA}" type="presOf" srcId="{7F19C310-EBFF-422D-8235-639A8E99E051}" destId="{A8D64EB2-3EF6-41D9-B0B4-EFD7E25BE2B3}" srcOrd="1" destOrd="0" presId="urn:microsoft.com/office/officeart/2005/8/layout/orgChart1"/>
     <dgm:cxn modelId="{76ECA632-B195-4B95-95CC-DD9313D561D1}" type="presOf" srcId="{63E77EF2-121B-4007-9AF6-C4D20141298F}" destId="{EEBEFF57-A5EF-4825-AB20-411C4DE87FDC}" srcOrd="0" destOrd="0" presId="urn:microsoft.com/office/officeart/2005/8/layout/orgChart1"/>
     <dgm:cxn modelId="{4BA23234-D25A-420D-A7C8-B717FA393E48}" type="presOf" srcId="{960E48A8-9687-4D29-AE2D-B2114ADEB4E1}" destId="{267F4B88-22BA-407D-906B-17AA94A27209}" srcOrd="0" destOrd="0" presId="urn:microsoft.com/office/officeart/2005/8/layout/orgChart1"/>
@@ -5787,6 +5871,7 @@
     <dgm:cxn modelId="{03CF8235-A055-4960-958A-4995316DB6B4}" srcId="{A5C5ACAA-EDF8-4332-A2A4-1165CD10C3FE}" destId="{D520E05E-1719-4A08-83F6-3B102E5C9C14}" srcOrd="3" destOrd="0" parTransId="{CB774B77-B6FC-4AEC-B0FB-B78511596F83}" sibTransId="{E4266164-081E-40D6-B5DD-B327EEB3B874}"/>
     <dgm:cxn modelId="{7DF6D536-E020-4740-AA47-1C829AA12322}" srcId="{B6386FBB-D68E-4A00-B902-9318E471278C}" destId="{D6117A68-99D3-417D-B1BF-F9E420BEF3B9}" srcOrd="1" destOrd="0" parTransId="{F0F8634B-E428-4121-BE6F-B212F341FE79}" sibTransId="{E852730D-58B4-4B5A-98D0-32D75D0F173A}"/>
     <dgm:cxn modelId="{292ECC37-1B36-4417-AEBE-0179B185CBFA}" type="presOf" srcId="{E3C2EDC8-D2AA-4BD6-A0D0-375E2B599950}" destId="{566FF84F-4BE5-4CF0-AE78-5DEDF238987F}" srcOrd="0" destOrd="0" presId="urn:microsoft.com/office/officeart/2005/8/layout/orgChart1"/>
+    <dgm:cxn modelId="{C5C54938-DD27-4E5D-AB5F-8BFE7197A113}" type="presOf" srcId="{D5B57C73-52D1-4FF1-9787-D89C6EE10FE6}" destId="{2F535FF2-D6A8-4AEB-8A32-380A4AE213B1}" srcOrd="0" destOrd="0" presId="urn:microsoft.com/office/officeart/2005/8/layout/orgChart1"/>
     <dgm:cxn modelId="{9A0F3739-2959-4A45-B059-0569F77AD23E}" type="presOf" srcId="{D6117A68-99D3-417D-B1BF-F9E420BEF3B9}" destId="{ADB670F2-AF13-4C80-A962-711C579F987A}" srcOrd="1" destOrd="0" presId="urn:microsoft.com/office/officeart/2005/8/layout/orgChart1"/>
     <dgm:cxn modelId="{2D6A3839-0722-4D6E-8DE7-177726B05DFC}" srcId="{62EC5645-E8BF-4154-A431-6A4213FB780C}" destId="{FB509B1D-0475-456A-B428-53D960A1051F}" srcOrd="1" destOrd="0" parTransId="{33DE26CA-D5FE-4B98-9CAA-F894AE7A6B0B}" sibTransId="{F33DF729-F825-40F0-BDCE-7FADE7E7FCB9}"/>
     <dgm:cxn modelId="{278FFE39-FDD5-4333-B4D8-6EA0289DEF3A}" type="presOf" srcId="{68B51442-9F0C-4AEB-92D4-926E53EE7D57}" destId="{14A05DF9-7905-4068-A1EF-4FFE660FE8FB}" srcOrd="1" destOrd="0" presId="urn:microsoft.com/office/officeart/2005/8/layout/orgChart1"/>
@@ -5832,6 +5917,7 @@
     <dgm:cxn modelId="{7E739051-9587-41A7-8BEE-B79F3D9A2088}" type="presOf" srcId="{3BEEC2F4-9E0B-4475-8104-DD637D2A0E6D}" destId="{FEF31E9F-0A83-427E-8039-F99995D80B51}" srcOrd="1" destOrd="0" presId="urn:microsoft.com/office/officeart/2005/8/layout/orgChart1"/>
     <dgm:cxn modelId="{4E610B72-F896-4EB7-80DC-0479E418AF82}" type="presOf" srcId="{B69D7E51-DFF9-47BE-A3F4-4A4F6F84F6D4}" destId="{A354946D-FD05-4616-94F1-FDC237650903}" srcOrd="0" destOrd="0" presId="urn:microsoft.com/office/officeart/2005/8/layout/orgChart1"/>
     <dgm:cxn modelId="{36CF0C53-A392-4C9B-A9A1-8BC1FD547F8B}" type="presOf" srcId="{D5230C40-4EAA-49D6-8C5D-AA76AAD9C62A}" destId="{77519338-7126-4A35-B021-66B10B654BAF}" srcOrd="0" destOrd="0" presId="urn:microsoft.com/office/officeart/2005/8/layout/orgChart1"/>
+    <dgm:cxn modelId="{0709BF53-D1C2-4F76-B551-A318CE69ED20}" type="presOf" srcId="{AB5E890B-FBAA-4A67-82F5-860FC03DD1DD}" destId="{5C4F5E45-501D-4D2A-B09B-1D5742C02B5A}" srcOrd="0" destOrd="0" presId="urn:microsoft.com/office/officeart/2005/8/layout/orgChart1"/>
     <dgm:cxn modelId="{C0BB1A77-5B3B-4993-80A5-4841131D306C}" type="presOf" srcId="{13D8A341-387E-42C1-9D9A-C7E86D96DF59}" destId="{6A615673-2B29-4CE8-B013-E555BB9841F8}" srcOrd="0" destOrd="0" presId="urn:microsoft.com/office/officeart/2005/8/layout/orgChart1"/>
     <dgm:cxn modelId="{0D1CFB77-ECE9-4C02-B9E6-D5F19A84822D}" type="presOf" srcId="{C98BCCC0-CD04-41F5-AFA1-6CA5F646C948}" destId="{9372FBD2-7429-4DAF-87D0-7E7461EA4C5F}" srcOrd="0" destOrd="0" presId="urn:microsoft.com/office/officeart/2005/8/layout/orgChart1"/>
     <dgm:cxn modelId="{1E085E78-EAC5-4EE0-ACA7-3868A907BE43}" type="presOf" srcId="{8612FCF1-EEB6-4CF0-9681-F906A3088BCB}" destId="{FB2B34D3-8995-46BD-AA7E-948129770277}" srcOrd="0" destOrd="0" presId="urn:microsoft.com/office/officeart/2005/8/layout/orgChart1"/>
@@ -5882,6 +5968,7 @@
     <dgm:cxn modelId="{533486AE-1229-47E9-818D-AA0BDFA2FDFA}" srcId="{68CA12FF-01E0-42BA-A8CB-16C00C78D642}" destId="{2FE704FD-B11D-43A9-A69D-FECE1E12F001}" srcOrd="1" destOrd="0" parTransId="{277834FB-99DF-43DB-BAA1-43872E8EDB33}" sibTransId="{DE61A407-2859-4DDC-B0EB-5308169145C0}"/>
     <dgm:cxn modelId="{4D2BB8AE-C44B-4165-B652-C7F6C57C6A40}" type="presOf" srcId="{5A9C84EA-A735-477C-B97A-F82C89AEF8AB}" destId="{9B60E510-EAD0-41D0-8617-72580106779B}" srcOrd="0" destOrd="0" presId="urn:microsoft.com/office/officeart/2005/8/layout/orgChart1"/>
     <dgm:cxn modelId="{EFBD20AF-FDC9-4F40-A6D1-D3691940E230}" type="presOf" srcId="{AD399133-86EF-4561-BBEA-79366FDB91C0}" destId="{D40A6DB1-87B1-4737-A563-FD5FA91083C5}" srcOrd="0" destOrd="0" presId="urn:microsoft.com/office/officeart/2005/8/layout/orgChart1"/>
+    <dgm:cxn modelId="{C49350AF-BBB1-46BC-9608-E6F8A8645A2E}" type="presOf" srcId="{AB5E890B-FBAA-4A67-82F5-860FC03DD1DD}" destId="{07EEA647-5003-4CB7-BE6F-24351FBF0013}" srcOrd="1" destOrd="0" presId="urn:microsoft.com/office/officeart/2005/8/layout/orgChart1"/>
     <dgm:cxn modelId="{DBB625B0-3671-4959-B0E7-972B94DB559B}" type="presOf" srcId="{3B7BF18E-536F-4650-8C25-BA818201D367}" destId="{A8A8E70C-B0CD-4166-904E-AE0AD752E691}" srcOrd="0" destOrd="0" presId="urn:microsoft.com/office/officeart/2005/8/layout/orgChart1"/>
     <dgm:cxn modelId="{DC8558B0-2C94-4EB5-A983-9004025E135A}" type="presOf" srcId="{3B71FC76-259A-4376-8916-8FFA379FCA11}" destId="{FBF29848-D584-4088-B2B8-81DC5E62F93F}" srcOrd="0" destOrd="0" presId="urn:microsoft.com/office/officeart/2005/8/layout/orgChart1"/>
     <dgm:cxn modelId="{7D4879B3-CED5-45B0-8D08-79942962A671}" srcId="{BA0855C1-FF26-4F34-81EA-EDFB66CABCB6}" destId="{205A1245-97C7-49D3-8407-E63D4CE93279}" srcOrd="3" destOrd="0" parTransId="{EFD03726-CB17-498E-A8B7-D770C47E58E9}" sibTransId="{23F14513-23BF-4718-8D48-DA679C1A4A37}"/>
@@ -5907,6 +5994,7 @@
     <dgm:cxn modelId="{6C5DD4CC-E1EA-41E8-9DE4-150CB111357E}" type="presOf" srcId="{E5D07E13-FFA4-4BC7-9ED6-9A3A4D899203}" destId="{E3E8D869-538D-44B0-A229-31BF301F0891}" srcOrd="1" destOrd="0" presId="urn:microsoft.com/office/officeart/2005/8/layout/orgChart1"/>
     <dgm:cxn modelId="{1B7938CE-AB5E-4C34-B7B9-4974BA3ED508}" type="presOf" srcId="{79A9485E-5320-4883-B122-DE49088A0389}" destId="{245EAB51-43F9-4B55-A012-0F37822E319D}" srcOrd="0" destOrd="0" presId="urn:microsoft.com/office/officeart/2005/8/layout/orgChart1"/>
     <dgm:cxn modelId="{FA2459CE-E32E-499B-85BB-9729BDB2183A}" type="presOf" srcId="{81FC6209-2AA5-4412-B017-70BD153BA599}" destId="{4D490EF5-FA3F-42C1-9D35-50EB7596086D}" srcOrd="0" destOrd="0" presId="urn:microsoft.com/office/officeart/2005/8/layout/orgChart1"/>
+    <dgm:cxn modelId="{3481FCD3-A043-4B64-8181-6444BF05D59D}" srcId="{E3C2EDC8-D2AA-4BD6-A0D0-375E2B599950}" destId="{AB5E890B-FBAA-4A67-82F5-860FC03DD1DD}" srcOrd="1" destOrd="0" parTransId="{D5B57C73-52D1-4FF1-9787-D89C6EE10FE6}" sibTransId="{A55E97C4-5152-45AD-BF2D-D5E5C17D772D}"/>
     <dgm:cxn modelId="{8FF593D5-7CDB-4512-A261-C3CE59CD629F}" type="presOf" srcId="{E3C2EDC8-D2AA-4BD6-A0D0-375E2B599950}" destId="{1F66BD41-7AE5-463A-A7CF-30009EE03759}" srcOrd="1" destOrd="0" presId="urn:microsoft.com/office/officeart/2005/8/layout/orgChart1"/>
     <dgm:cxn modelId="{57DB4CD6-C28C-41AE-A37B-7A3731F0DB9F}" type="presOf" srcId="{BA0855C1-FF26-4F34-81EA-EDFB66CABCB6}" destId="{9634D5D8-79A2-4717-8236-FF60E428D930}" srcOrd="0" destOrd="0" presId="urn:microsoft.com/office/officeart/2005/8/layout/orgChart1"/>
     <dgm:cxn modelId="{AE3468D8-6FB8-4CA1-98B8-10214DFC7426}" srcId="{D6117A68-99D3-417D-B1BF-F9E420BEF3B9}" destId="{68CA12FF-01E0-42BA-A8CB-16C00C78D642}" srcOrd="1" destOrd="0" parTransId="{63E77EF2-121B-4007-9AF6-C4D20141298F}" sibTransId="{18759182-67DF-485A-8D68-313C3F5DADDE}"/>
@@ -6040,15 +6128,22 @@
     <dgm:cxn modelId="{70BA3ACC-9FA9-4A15-B939-8BDBC0B8A78D}" type="presParOf" srcId="{B62A2929-4F3B-4CE6-ADEF-39D737D6CAE0}" destId="{7DC45323-7262-4B3B-A286-6BA36EB9609C}" srcOrd="1" destOrd="0" presId="urn:microsoft.com/office/officeart/2005/8/layout/orgChart1"/>
     <dgm:cxn modelId="{2149271D-CD50-4292-9F87-9F26D9F71357}" type="presParOf" srcId="{3A46F644-AAE2-4F38-8DF8-796A919E5628}" destId="{C3C2F386-0662-48DB-84F5-6EB3E6AE844A}" srcOrd="1" destOrd="0" presId="urn:microsoft.com/office/officeart/2005/8/layout/orgChart1"/>
     <dgm:cxn modelId="{8A131254-1DC0-477A-9910-5AE708FB30EB}" type="presParOf" srcId="{3A46F644-AAE2-4F38-8DF8-796A919E5628}" destId="{32A20918-8AC2-4BD3-90D9-C2C6D2873F64}" srcOrd="2" destOrd="0" presId="urn:microsoft.com/office/officeart/2005/8/layout/orgChart1"/>
-    <dgm:cxn modelId="{4304D1DA-02BB-4917-A24A-DB3B299FDE8E}" type="presParOf" srcId="{3CFAABA8-3E4B-4CC5-9EE5-5939D92FBBF9}" destId="{245EAB51-43F9-4B55-A012-0F37822E319D}" srcOrd="2" destOrd="0" presId="urn:microsoft.com/office/officeart/2005/8/layout/orgChart1"/>
-    <dgm:cxn modelId="{76BD8439-B1EA-4122-A641-5BC879CEEB25}" type="presParOf" srcId="{3CFAABA8-3E4B-4CC5-9EE5-5939D92FBBF9}" destId="{C06D1F5B-D10C-4020-ABAD-D3FF1AD26EA5}" srcOrd="3" destOrd="0" presId="urn:microsoft.com/office/officeart/2005/8/layout/orgChart1"/>
+    <dgm:cxn modelId="{0E5C8B0A-CBF1-41DE-9146-DD1BCE06D065}" type="presParOf" srcId="{3CFAABA8-3E4B-4CC5-9EE5-5939D92FBBF9}" destId="{2F535FF2-D6A8-4AEB-8A32-380A4AE213B1}" srcOrd="2" destOrd="0" presId="urn:microsoft.com/office/officeart/2005/8/layout/orgChart1"/>
+    <dgm:cxn modelId="{48EF1E20-014C-46EE-BA31-C8AACC9352BD}" type="presParOf" srcId="{3CFAABA8-3E4B-4CC5-9EE5-5939D92FBBF9}" destId="{7FD3F65D-BA6C-4BE9-941E-96F794BFD098}" srcOrd="3" destOrd="0" presId="urn:microsoft.com/office/officeart/2005/8/layout/orgChart1"/>
+    <dgm:cxn modelId="{0DDF2670-62CD-4AE0-BC20-777FD4064993}" type="presParOf" srcId="{7FD3F65D-BA6C-4BE9-941E-96F794BFD098}" destId="{D393B511-E083-418D-9909-5DF5F525B391}" srcOrd="0" destOrd="0" presId="urn:microsoft.com/office/officeart/2005/8/layout/orgChart1"/>
+    <dgm:cxn modelId="{E0E26557-9574-4844-86AD-1A41A3A88A8F}" type="presParOf" srcId="{D393B511-E083-418D-9909-5DF5F525B391}" destId="{5C4F5E45-501D-4D2A-B09B-1D5742C02B5A}" srcOrd="0" destOrd="0" presId="urn:microsoft.com/office/officeart/2005/8/layout/orgChart1"/>
+    <dgm:cxn modelId="{36FFF967-7521-421B-915A-337D53D28095}" type="presParOf" srcId="{D393B511-E083-418D-9909-5DF5F525B391}" destId="{07EEA647-5003-4CB7-BE6F-24351FBF0013}" srcOrd="1" destOrd="0" presId="urn:microsoft.com/office/officeart/2005/8/layout/orgChart1"/>
+    <dgm:cxn modelId="{B1BDBC03-ABC7-4480-9EBD-3D1DAEB98DAF}" type="presParOf" srcId="{7FD3F65D-BA6C-4BE9-941E-96F794BFD098}" destId="{CC56A325-BA73-47CF-9394-A445686EA933}" srcOrd="1" destOrd="0" presId="urn:microsoft.com/office/officeart/2005/8/layout/orgChart1"/>
+    <dgm:cxn modelId="{F6640521-D0FA-4446-989C-415A352C6CF2}" type="presParOf" srcId="{7FD3F65D-BA6C-4BE9-941E-96F794BFD098}" destId="{19D8410E-1E5E-4CB3-93A3-7FDC67590722}" srcOrd="2" destOrd="0" presId="urn:microsoft.com/office/officeart/2005/8/layout/orgChart1"/>
+    <dgm:cxn modelId="{4304D1DA-02BB-4917-A24A-DB3B299FDE8E}" type="presParOf" srcId="{3CFAABA8-3E4B-4CC5-9EE5-5939D92FBBF9}" destId="{245EAB51-43F9-4B55-A012-0F37822E319D}" srcOrd="4" destOrd="0" presId="urn:microsoft.com/office/officeart/2005/8/layout/orgChart1"/>
+    <dgm:cxn modelId="{76BD8439-B1EA-4122-A641-5BC879CEEB25}" type="presParOf" srcId="{3CFAABA8-3E4B-4CC5-9EE5-5939D92FBBF9}" destId="{C06D1F5B-D10C-4020-ABAD-D3FF1AD26EA5}" srcOrd="5" destOrd="0" presId="urn:microsoft.com/office/officeart/2005/8/layout/orgChart1"/>
     <dgm:cxn modelId="{EC6B04F5-1DDF-441E-B2C4-8432E4FDB2F2}" type="presParOf" srcId="{C06D1F5B-D10C-4020-ABAD-D3FF1AD26EA5}" destId="{26345459-6BB0-4745-82E3-D8ACB08F938B}" srcOrd="0" destOrd="0" presId="urn:microsoft.com/office/officeart/2005/8/layout/orgChart1"/>
     <dgm:cxn modelId="{C6252CA8-FF28-437D-BE5F-7E498010A30A}" type="presParOf" srcId="{26345459-6BB0-4745-82E3-D8ACB08F938B}" destId="{2938F48F-48A3-4788-9D92-2060C3A3D72C}" srcOrd="0" destOrd="0" presId="urn:microsoft.com/office/officeart/2005/8/layout/orgChart1"/>
     <dgm:cxn modelId="{8B1DCB94-2C5C-45E1-82A3-C4838FC2491F}" type="presParOf" srcId="{26345459-6BB0-4745-82E3-D8ACB08F938B}" destId="{A8D64EB2-3EF6-41D9-B0B4-EFD7E25BE2B3}" srcOrd="1" destOrd="0" presId="urn:microsoft.com/office/officeart/2005/8/layout/orgChart1"/>
     <dgm:cxn modelId="{E7B0F14A-40E5-48F0-BF41-DB3FC0EB3A63}" type="presParOf" srcId="{C06D1F5B-D10C-4020-ABAD-D3FF1AD26EA5}" destId="{15A0EA8D-E7B4-455D-8538-350FB4236020}" srcOrd="1" destOrd="0" presId="urn:microsoft.com/office/officeart/2005/8/layout/orgChart1"/>
     <dgm:cxn modelId="{D027FDE7-62A4-4E68-BCAA-4D131AA53511}" type="presParOf" srcId="{C06D1F5B-D10C-4020-ABAD-D3FF1AD26EA5}" destId="{4F9EACEC-6334-4088-AB69-E5712F24128B}" srcOrd="2" destOrd="0" presId="urn:microsoft.com/office/officeart/2005/8/layout/orgChart1"/>
-    <dgm:cxn modelId="{9FAA0D70-356C-4259-819C-0F8E988C0A02}" type="presParOf" srcId="{3CFAABA8-3E4B-4CC5-9EE5-5939D92FBBF9}" destId="{1FC556AF-9B5D-43A0-BC9F-BE6CA976D6C4}" srcOrd="4" destOrd="0" presId="urn:microsoft.com/office/officeart/2005/8/layout/orgChart1"/>
-    <dgm:cxn modelId="{E251981B-344A-43CA-9707-E0A25C2371F4}" type="presParOf" srcId="{3CFAABA8-3E4B-4CC5-9EE5-5939D92FBBF9}" destId="{0B55312C-D67D-4322-A8AB-4F2FD4412114}" srcOrd="5" destOrd="0" presId="urn:microsoft.com/office/officeart/2005/8/layout/orgChart1"/>
+    <dgm:cxn modelId="{9FAA0D70-356C-4259-819C-0F8E988C0A02}" type="presParOf" srcId="{3CFAABA8-3E4B-4CC5-9EE5-5939D92FBBF9}" destId="{1FC556AF-9B5D-43A0-BC9F-BE6CA976D6C4}" srcOrd="6" destOrd="0" presId="urn:microsoft.com/office/officeart/2005/8/layout/orgChart1"/>
+    <dgm:cxn modelId="{E251981B-344A-43CA-9707-E0A25C2371F4}" type="presParOf" srcId="{3CFAABA8-3E4B-4CC5-9EE5-5939D92FBBF9}" destId="{0B55312C-D67D-4322-A8AB-4F2FD4412114}" srcOrd="7" destOrd="0" presId="urn:microsoft.com/office/officeart/2005/8/layout/orgChart1"/>
     <dgm:cxn modelId="{217C9A87-B93F-4FBB-97A4-8FF10CD724CF}" type="presParOf" srcId="{0B55312C-D67D-4322-A8AB-4F2FD4412114}" destId="{C53AFEA6-B826-4897-AF81-375E10EE649E}" srcOrd="0" destOrd="0" presId="urn:microsoft.com/office/officeart/2005/8/layout/orgChart1"/>
     <dgm:cxn modelId="{A0464CE2-68C4-499F-9667-B5C3C7E5218A}" type="presParOf" srcId="{C53AFEA6-B826-4897-AF81-375E10EE649E}" destId="{F8CCBD0A-B99F-4424-A2E8-E56B4945931A}" srcOrd="0" destOrd="0" presId="urn:microsoft.com/office/officeart/2005/8/layout/orgChart1"/>
     <dgm:cxn modelId="{5D5C3033-7970-4363-933E-754C9252F73D}" type="presParOf" srcId="{C53AFEA6-B826-4897-AF81-375E10EE649E}" destId="{8A626F4C-AB29-43B6-A493-9F30C9AAA290}" srcOrd="1" destOrd="0" presId="urn:microsoft.com/office/officeart/2005/8/layout/orgChart1"/>
@@ -8232,6 +8327,65 @@
       <dsp:spPr>
         <a:xfrm>
           <a:off x="2504053" y="2169447"/>
+          <a:ext cx="100496" cy="1735234"/>
+        </a:xfrm>
+        <a:custGeom>
+          <a:avLst/>
+          <a:gdLst/>
+          <a:ahLst/>
+          <a:cxnLst/>
+          <a:rect l="0" t="0" r="0" b="0"/>
+          <a:pathLst>
+            <a:path>
+              <a:moveTo>
+                <a:pt x="0" y="0"/>
+              </a:moveTo>
+              <a:lnTo>
+                <a:pt x="0" y="1735234"/>
+              </a:lnTo>
+              <a:lnTo>
+                <a:pt x="100496" y="1735234"/>
+              </a:lnTo>
+            </a:path>
+          </a:pathLst>
+        </a:custGeom>
+        <a:noFill/>
+        <a:ln w="12700" cap="flat" cmpd="sng" algn="ctr">
+          <a:solidFill>
+            <a:schemeClr val="dk1">
+              <a:shade val="80000"/>
+              <a:hueOff val="0"/>
+              <a:satOff val="0"/>
+              <a:lumOff val="0"/>
+              <a:alphaOff val="0"/>
+            </a:schemeClr>
+          </a:solidFill>
+          <a:prstDash val="solid"/>
+          <a:miter lim="800000"/>
+        </a:ln>
+        <a:effectLst/>
+      </dsp:spPr>
+      <dsp:style>
+        <a:lnRef idx="2">
+          <a:scrgbClr r="0" g="0" b="0"/>
+        </a:lnRef>
+        <a:fillRef idx="0">
+          <a:scrgbClr r="0" g="0" b="0"/>
+        </a:fillRef>
+        <a:effectRef idx="0">
+          <a:scrgbClr r="0" g="0" b="0"/>
+        </a:effectRef>
+        <a:fontRef idx="minor"/>
+      </dsp:style>
+    </dsp:sp>
+    <dsp:sp modelId="{245EAB51-43F9-4B55-A012-0F37822E319D}">
+      <dsp:nvSpPr>
+        <dsp:cNvPr id="0" name=""/>
+        <dsp:cNvSpPr/>
+      </dsp:nvSpPr>
+      <dsp:spPr>
+        <a:xfrm>
+          <a:off x="2504053" y="2169447"/>
           <a:ext cx="100496" cy="1259552"/>
         </a:xfrm>
         <a:custGeom>
@@ -8283,7 +8437,7 @@
         <a:fontRef idx="minor"/>
       </dsp:style>
     </dsp:sp>
-    <dsp:sp modelId="{245EAB51-43F9-4B55-A012-0F37822E319D}">
+    <dsp:sp modelId="{2F535FF2-D6A8-4AEB-8A32-380A4AE213B1}">
       <dsp:nvSpPr>
         <dsp:cNvPr id="0" name=""/>
         <dsp:cNvSpPr/>
@@ -10634,14 +10788,14 @@
             <a:buNone/>
           </a:pPr>
           <a:r>
-            <a:rPr lang="de-DE" sz="500" kern="1200"/>
+            <a:rPr lang="de-DE" sz="500" kern="1200" dirty="0"/>
             <a:t>AP 2.2.1</a:t>
           </a:r>
           <a:br>
-            <a:rPr lang="de-DE" sz="500" kern="1200"/>
+            <a:rPr lang="de-DE" sz="500" kern="1200" dirty="0"/>
           </a:br>
           <a:r>
-            <a:rPr lang="de-DE" sz="500" kern="1200"/>
+            <a:rPr lang="de-DE" sz="500" kern="1200" dirty="0"/>
             <a:t>Zeitplan erstellen</a:t>
           </a:r>
         </a:p>
@@ -10651,7 +10805,7 @@
         <a:ext cx="669974" cy="334987"/>
       </dsp:txXfrm>
     </dsp:sp>
-    <dsp:sp modelId="{2938F48F-48A3-4788-9D92-2060C3A3D72C}">
+    <dsp:sp modelId="{5C4F5E45-501D-4D2A-B09B-1D5742C02B5A}">
       <dsp:nvSpPr>
         <dsp:cNvPr id="0" name=""/>
         <dsp:cNvSpPr/>
@@ -10733,15 +10887,15 @@
             <a:buNone/>
           </a:pPr>
           <a:r>
-            <a:rPr lang="de-DE" sz="500" kern="1200"/>
+            <a:rPr lang="de-DE" sz="500" kern="1200" dirty="0"/>
             <a:t>AP 2.2.2</a:t>
           </a:r>
           <a:br>
-            <a:rPr lang="de-DE" sz="500" kern="1200"/>
+            <a:rPr lang="de-DE" sz="500" kern="1200" dirty="0"/>
           </a:br>
           <a:r>
-            <a:rPr lang="de-DE" sz="500" kern="1200"/>
-            <a:t>Meilensteine festlegen</a:t>
+            <a:rPr lang="de-DE" sz="500" kern="1200" dirty="0"/>
+            <a:t>Kritischer Pfad Betrachtung</a:t>
           </a:r>
         </a:p>
       </dsp:txBody>
@@ -10750,7 +10904,7 @@
         <a:ext cx="669974" cy="334987"/>
       </dsp:txXfrm>
     </dsp:sp>
-    <dsp:sp modelId="{F8CCBD0A-B99F-4424-A2E8-E56B4945931A}">
+    <dsp:sp modelId="{2938F48F-48A3-4788-9D92-2060C3A3D72C}">
       <dsp:nvSpPr>
         <dsp:cNvPr id="0" name=""/>
         <dsp:cNvSpPr/>
@@ -10832,20 +10986,119 @@
             <a:buNone/>
           </a:pPr>
           <a:r>
-            <a:rPr lang="de-DE" sz="500" kern="1200"/>
+            <a:rPr lang="de-DE" sz="500" kern="1200" dirty="0"/>
             <a:t>AP 2.2.3</a:t>
           </a:r>
           <a:br>
-            <a:rPr lang="de-DE" sz="500" kern="1200"/>
+            <a:rPr lang="de-DE" sz="500" kern="1200" dirty="0"/>
           </a:br>
           <a:r>
-            <a:rPr lang="de-DE" sz="500" kern="1200"/>
+            <a:rPr lang="de-DE" sz="500" kern="1200" dirty="0"/>
+            <a:t>Meilensteine festlegen</a:t>
+          </a:r>
+        </a:p>
+      </dsp:txBody>
+      <dsp:txXfrm>
+        <a:off x="2604549" y="3261506"/>
+        <a:ext cx="669974" cy="334987"/>
+      </dsp:txXfrm>
+    </dsp:sp>
+    <dsp:sp modelId="{F8CCBD0A-B99F-4424-A2E8-E56B4945931A}">
+      <dsp:nvSpPr>
+        <dsp:cNvPr id="0" name=""/>
+        <dsp:cNvSpPr/>
+      </dsp:nvSpPr>
+      <dsp:spPr>
+        <a:xfrm>
+          <a:off x="2604549" y="3737188"/>
+          <a:ext cx="669974" cy="334987"/>
+        </a:xfrm>
+        <a:prstGeom prst="rect">
+          <a:avLst/>
+        </a:prstGeom>
+        <a:gradFill rotWithShape="1">
+          <a:gsLst>
+            <a:gs pos="0">
+              <a:schemeClr val="accent6">
+                <a:lumMod val="110000"/>
+                <a:satMod val="105000"/>
+                <a:tint val="67000"/>
+              </a:schemeClr>
+            </a:gs>
+            <a:gs pos="50000">
+              <a:schemeClr val="accent6">
+                <a:lumMod val="105000"/>
+                <a:satMod val="103000"/>
+                <a:tint val="73000"/>
+              </a:schemeClr>
+            </a:gs>
+            <a:gs pos="100000">
+              <a:schemeClr val="accent6">
+                <a:lumMod val="105000"/>
+                <a:satMod val="109000"/>
+                <a:tint val="81000"/>
+              </a:schemeClr>
+            </a:gs>
+          </a:gsLst>
+          <a:lin ang="5400000" scaled="0"/>
+        </a:gradFill>
+        <a:ln w="6350" cap="flat" cmpd="sng" algn="ctr">
+          <a:solidFill>
+            <a:schemeClr val="accent6"/>
+          </a:solidFill>
+          <a:prstDash val="solid"/>
+          <a:miter lim="800000"/>
+        </a:ln>
+        <a:effectLst/>
+      </dsp:spPr>
+      <dsp:style>
+        <a:lnRef idx="1">
+          <a:schemeClr val="accent6"/>
+        </a:lnRef>
+        <a:fillRef idx="2">
+          <a:schemeClr val="accent6"/>
+        </a:fillRef>
+        <a:effectRef idx="1">
+          <a:schemeClr val="accent6"/>
+        </a:effectRef>
+        <a:fontRef idx="minor">
+          <a:schemeClr val="dk1"/>
+        </a:fontRef>
+      </dsp:style>
+      <dsp:txBody>
+        <a:bodyPr spcFirstLastPara="0" vert="horz" wrap="square" lIns="3175" tIns="3175" rIns="3175" bIns="3175" numCol="1" spcCol="1270" anchor="ctr" anchorCtr="0">
+          <a:noAutofit/>
+        </a:bodyPr>
+        <a:lstStyle/>
+        <a:p>
+          <a:pPr marL="0" lvl="0" indent="0" algn="ctr" defTabSz="222250">
+            <a:lnSpc>
+              <a:spcPct val="90000"/>
+            </a:lnSpc>
+            <a:spcBef>
+              <a:spcPct val="0"/>
+            </a:spcBef>
+            <a:spcAft>
+              <a:spcPct val="35000"/>
+            </a:spcAft>
+            <a:buFont typeface="+mj-lt"/>
+            <a:buNone/>
+          </a:pPr>
+          <a:r>
+            <a:rPr lang="de-DE" sz="500" kern="1200" dirty="0"/>
+            <a:t>AP 2.2.4</a:t>
+          </a:r>
+          <a:br>
+            <a:rPr lang="de-DE" sz="500" kern="1200" dirty="0"/>
+          </a:br>
+          <a:r>
+            <a:rPr lang="de-DE" sz="500" kern="1200" dirty="0"/>
             <a:t>Ressourcenplan erstellen	</a:t>
           </a:r>
         </a:p>
       </dsp:txBody>
       <dsp:txXfrm>
-        <a:off x="2604549" y="3261506"/>
+        <a:off x="2604549" y="3737188"/>
         <a:ext cx="669974" cy="334987"/>
       </dsp:txXfrm>
     </dsp:sp>
@@ -16321,7 +16574,7 @@
           <a:p>
             <a:fld id="{759D99F7-FFCF-41EC-9AAE-34D3D10B2D9B}" type="datetimeFigureOut">
               <a:rPr lang="de-DE" smtClean="0"/>
-              <a:t>06.02.2025</a:t>
+              <a:t>10.02.2025</a:t>
             </a:fld>
             <a:endParaRPr lang="de-DE"/>
           </a:p>
@@ -16519,7 +16772,7 @@
           <a:p>
             <a:fld id="{759D99F7-FFCF-41EC-9AAE-34D3D10B2D9B}" type="datetimeFigureOut">
               <a:rPr lang="de-DE" smtClean="0"/>
-              <a:t>06.02.2025</a:t>
+              <a:t>10.02.2025</a:t>
             </a:fld>
             <a:endParaRPr lang="de-DE"/>
           </a:p>
@@ -16727,7 +16980,7 @@
           <a:p>
             <a:fld id="{759D99F7-FFCF-41EC-9AAE-34D3D10B2D9B}" type="datetimeFigureOut">
               <a:rPr lang="de-DE" smtClean="0"/>
-              <a:t>06.02.2025</a:t>
+              <a:t>10.02.2025</a:t>
             </a:fld>
             <a:endParaRPr lang="de-DE"/>
           </a:p>
@@ -16925,7 +17178,7 @@
           <a:p>
             <a:fld id="{759D99F7-FFCF-41EC-9AAE-34D3D10B2D9B}" type="datetimeFigureOut">
               <a:rPr lang="de-DE" smtClean="0"/>
-              <a:t>06.02.2025</a:t>
+              <a:t>10.02.2025</a:t>
             </a:fld>
             <a:endParaRPr lang="de-DE"/>
           </a:p>
@@ -17200,7 +17453,7 @@
           <a:p>
             <a:fld id="{759D99F7-FFCF-41EC-9AAE-34D3D10B2D9B}" type="datetimeFigureOut">
               <a:rPr lang="de-DE" smtClean="0"/>
-              <a:t>06.02.2025</a:t>
+              <a:t>10.02.2025</a:t>
             </a:fld>
             <a:endParaRPr lang="de-DE"/>
           </a:p>
@@ -17465,7 +17718,7 @@
           <a:p>
             <a:fld id="{759D99F7-FFCF-41EC-9AAE-34D3D10B2D9B}" type="datetimeFigureOut">
               <a:rPr lang="de-DE" smtClean="0"/>
-              <a:t>06.02.2025</a:t>
+              <a:t>10.02.2025</a:t>
             </a:fld>
             <a:endParaRPr lang="de-DE"/>
           </a:p>
@@ -17877,7 +18130,7 @@
           <a:p>
             <a:fld id="{759D99F7-FFCF-41EC-9AAE-34D3D10B2D9B}" type="datetimeFigureOut">
               <a:rPr lang="de-DE" smtClean="0"/>
-              <a:t>06.02.2025</a:t>
+              <a:t>10.02.2025</a:t>
             </a:fld>
             <a:endParaRPr lang="de-DE"/>
           </a:p>
@@ -18018,7 +18271,7 @@
           <a:p>
             <a:fld id="{759D99F7-FFCF-41EC-9AAE-34D3D10B2D9B}" type="datetimeFigureOut">
               <a:rPr lang="de-DE" smtClean="0"/>
-              <a:t>06.02.2025</a:t>
+              <a:t>10.02.2025</a:t>
             </a:fld>
             <a:endParaRPr lang="de-DE"/>
           </a:p>
@@ -18131,7 +18384,7 @@
           <a:p>
             <a:fld id="{759D99F7-FFCF-41EC-9AAE-34D3D10B2D9B}" type="datetimeFigureOut">
               <a:rPr lang="de-DE" smtClean="0"/>
-              <a:t>06.02.2025</a:t>
+              <a:t>10.02.2025</a:t>
             </a:fld>
             <a:endParaRPr lang="de-DE"/>
           </a:p>
@@ -18442,7 +18695,7 @@
           <a:p>
             <a:fld id="{759D99F7-FFCF-41EC-9AAE-34D3D10B2D9B}" type="datetimeFigureOut">
               <a:rPr lang="de-DE" smtClean="0"/>
-              <a:t>06.02.2025</a:t>
+              <a:t>10.02.2025</a:t>
             </a:fld>
             <a:endParaRPr lang="de-DE"/>
           </a:p>
@@ -18730,7 +18983,7 @@
           <a:p>
             <a:fld id="{759D99F7-FFCF-41EC-9AAE-34D3D10B2D9B}" type="datetimeFigureOut">
               <a:rPr lang="de-DE" smtClean="0"/>
-              <a:t>06.02.2025</a:t>
+              <a:t>10.02.2025</a:t>
             </a:fld>
             <a:endParaRPr lang="de-DE"/>
           </a:p>
@@ -18971,7 +19224,7 @@
           <a:p>
             <a:fld id="{759D99F7-FFCF-41EC-9AAE-34D3D10B2D9B}" type="datetimeFigureOut">
               <a:rPr lang="de-DE" smtClean="0"/>
-              <a:t>06.02.2025</a:t>
+              <a:t>10.02.2025</a:t>
             </a:fld>
             <a:endParaRPr lang="de-DE"/>
           </a:p>
@@ -19401,7 +19654,7 @@
           <p:nvPr>
             <p:extLst>
               <p:ext uri="{D42A27DB-BD31-4B8C-83A1-F6EECF244321}">
-                <p14:modId xmlns:p14="http://schemas.microsoft.com/office/powerpoint/2010/main" val="718853512"/>
+                <p14:modId xmlns:p14="http://schemas.microsoft.com/office/powerpoint/2010/main" val="1166837841"/>
               </p:ext>
             </p:extLst>
           </p:nvPr>

--- a/Meilenstein1/2.Projekstrukturplan/Projektstrukturplan.pptx
+++ b/Meilenstein1/2.Projekstrukturplan/Projektstrukturplan.pptx
@@ -1680,14 +1680,14 @@
             <a:buAutoNum type="arabicPeriod"/>
           </a:pPr>
           <a:r>
-            <a:rPr lang="de-DE"/>
+            <a:rPr lang="de-DE" dirty="0"/>
             <a:t>AP 2.1.3</a:t>
           </a:r>
           <a:br>
-            <a:rPr lang="de-DE"/>
+            <a:rPr lang="de-DE" dirty="0"/>
           </a:br>
           <a:r>
-            <a:rPr lang="de-DE"/>
+            <a:rPr lang="de-DE" dirty="0"/>
             <a:t>Bestimmung der Verantwortlichkeiten</a:t>
           </a:r>
         </a:p>
@@ -4011,10 +4011,86 @@
     <dgm:pt modelId="{D5B57C73-52D1-4FF1-9787-D89C6EE10FE6}" type="parTrans" cxnId="{3481FCD3-A043-4B64-8181-6444BF05D59D}">
       <dgm:prSet/>
       <dgm:spPr/>
+      <dgm:t>
+        <a:bodyPr/>
+        <a:lstStyle/>
+        <a:p>
+          <a:endParaRPr lang="de-DE"/>
+        </a:p>
+      </dgm:t>
     </dgm:pt>
     <dgm:pt modelId="{A55E97C4-5152-45AD-BF2D-D5E5C17D772D}" type="sibTrans" cxnId="{3481FCD3-A043-4B64-8181-6444BF05D59D}">
       <dgm:prSet/>
       <dgm:spPr/>
+      <dgm:t>
+        <a:bodyPr/>
+        <a:lstStyle/>
+        <a:p>
+          <a:endParaRPr lang="de-DE"/>
+        </a:p>
+      </dgm:t>
+    </dgm:pt>
+    <dgm:pt modelId="{861B33FC-E61D-45A4-9966-2EEB96408F01}">
+      <dgm:prSet>
+        <dgm:style>
+          <a:lnRef idx="1">
+            <a:schemeClr val="accent6"/>
+          </a:lnRef>
+          <a:fillRef idx="2">
+            <a:schemeClr val="accent6"/>
+          </a:fillRef>
+          <a:effectRef idx="1">
+            <a:schemeClr val="accent6"/>
+          </a:effectRef>
+          <a:fontRef idx="minor">
+            <a:schemeClr val="dk1"/>
+          </a:fontRef>
+        </dgm:style>
+      </dgm:prSet>
+      <dgm:spPr/>
+      <dgm:t>
+        <a:bodyPr/>
+        <a:lstStyle/>
+        <a:p>
+          <a:pPr>
+            <a:buFont typeface="+mj-lt"/>
+            <a:buAutoNum type="arabicPeriod"/>
+          </a:pPr>
+          <a:r>
+            <a:rPr lang="de-DE" dirty="0"/>
+            <a:t>AP 2.1.4</a:t>
+          </a:r>
+          <a:br>
+            <a:rPr lang="de-DE" dirty="0"/>
+          </a:br>
+          <a:r>
+            <a:rPr lang="de-DE" dirty="0"/>
+            <a:t>Arbeitsumgebung einrichten</a:t>
+          </a:r>
+        </a:p>
+      </dgm:t>
+    </dgm:pt>
+    <dgm:pt modelId="{07CD85DD-4308-41AC-9D61-FF4CEDC1D8A7}" type="parTrans" cxnId="{C0878995-F656-4369-BAD3-3EAAE3B02BF3}">
+      <dgm:prSet/>
+      <dgm:spPr/>
+      <dgm:t>
+        <a:bodyPr/>
+        <a:lstStyle/>
+        <a:p>
+          <a:endParaRPr lang="de-DE"/>
+        </a:p>
+      </dgm:t>
+    </dgm:pt>
+    <dgm:pt modelId="{9FEF2309-283D-4D1C-A8EE-AB8F9422C459}" type="sibTrans" cxnId="{C0878995-F656-4369-BAD3-3EAAE3B02BF3}">
+      <dgm:prSet/>
+      <dgm:spPr/>
+      <dgm:t>
+        <a:bodyPr/>
+        <a:lstStyle/>
+        <a:p>
+          <a:endParaRPr lang="de-DE"/>
+        </a:p>
+      </dgm:t>
     </dgm:pt>
     <dgm:pt modelId="{949BA997-38EE-49F5-B154-7C25EB4C79F2}" type="pres">
       <dgm:prSet presAssocID="{1A18B032-CE83-47D1-956B-19A189E34B18}" presName="hierChild1" presStyleCnt="0">
@@ -4122,7 +4198,7 @@
       <dgm:spPr/>
     </dgm:pt>
     <dgm:pt modelId="{9BE62BDD-F602-4DF9-84CF-3407D0E504E5}" type="pres">
-      <dgm:prSet presAssocID="{C8B8ECBD-A183-4A5F-BF92-DFA9A0FA88B5}" presName="Name37" presStyleLbl="parChTrans1D4" presStyleIdx="0" presStyleCnt="34"/>
+      <dgm:prSet presAssocID="{C8B8ECBD-A183-4A5F-BF92-DFA9A0FA88B5}" presName="Name37" presStyleLbl="parChTrans1D4" presStyleIdx="0" presStyleCnt="35"/>
       <dgm:spPr/>
     </dgm:pt>
     <dgm:pt modelId="{CFF34690-92F2-4561-A377-5BCC734991E4}" type="pres">
@@ -4138,7 +4214,7 @@
       <dgm:spPr/>
     </dgm:pt>
     <dgm:pt modelId="{7BC33FE3-9283-4CF9-B34D-B6C6240D93AC}" type="pres">
-      <dgm:prSet presAssocID="{F1717077-B1CE-40B0-8820-9CCDBEBB598F}" presName="rootText" presStyleLbl="node4" presStyleIdx="0" presStyleCnt="34">
+      <dgm:prSet presAssocID="{F1717077-B1CE-40B0-8820-9CCDBEBB598F}" presName="rootText" presStyleLbl="node4" presStyleIdx="0" presStyleCnt="35">
         <dgm:presLayoutVars>
           <dgm:chPref val="3"/>
         </dgm:presLayoutVars>
@@ -4146,7 +4222,7 @@
       <dgm:spPr/>
     </dgm:pt>
     <dgm:pt modelId="{060FD98F-9E91-4876-B945-962D558AC590}" type="pres">
-      <dgm:prSet presAssocID="{F1717077-B1CE-40B0-8820-9CCDBEBB598F}" presName="rootConnector" presStyleLbl="node4" presStyleIdx="0" presStyleCnt="34"/>
+      <dgm:prSet presAssocID="{F1717077-B1CE-40B0-8820-9CCDBEBB598F}" presName="rootConnector" presStyleLbl="node4" presStyleIdx="0" presStyleCnt="35"/>
       <dgm:spPr/>
     </dgm:pt>
     <dgm:pt modelId="{D108DCAC-281F-44DC-9AD6-4514A0EE6CCD}" type="pres">
@@ -4158,7 +4234,7 @@
       <dgm:spPr/>
     </dgm:pt>
     <dgm:pt modelId="{9372FBD2-7429-4DAF-87D0-7E7461EA4C5F}" type="pres">
-      <dgm:prSet presAssocID="{C98BCCC0-CD04-41F5-AFA1-6CA5F646C948}" presName="Name37" presStyleLbl="parChTrans1D4" presStyleIdx="1" presStyleCnt="34"/>
+      <dgm:prSet presAssocID="{C98BCCC0-CD04-41F5-AFA1-6CA5F646C948}" presName="Name37" presStyleLbl="parChTrans1D4" presStyleIdx="1" presStyleCnt="35"/>
       <dgm:spPr/>
     </dgm:pt>
     <dgm:pt modelId="{7C55C03B-157B-413C-8186-2DAA2C4D0C37}" type="pres">
@@ -4174,7 +4250,7 @@
       <dgm:spPr/>
     </dgm:pt>
     <dgm:pt modelId="{D40A6DB1-87B1-4737-A563-FD5FA91083C5}" type="pres">
-      <dgm:prSet presAssocID="{AD399133-86EF-4561-BBEA-79366FDB91C0}" presName="rootText" presStyleLbl="node4" presStyleIdx="1" presStyleCnt="34">
+      <dgm:prSet presAssocID="{AD399133-86EF-4561-BBEA-79366FDB91C0}" presName="rootText" presStyleLbl="node4" presStyleIdx="1" presStyleCnt="35">
         <dgm:presLayoutVars>
           <dgm:chPref val="3"/>
         </dgm:presLayoutVars>
@@ -4182,7 +4258,7 @@
       <dgm:spPr/>
     </dgm:pt>
     <dgm:pt modelId="{7928935C-6E0B-4747-820E-BA7491826D56}" type="pres">
-      <dgm:prSet presAssocID="{AD399133-86EF-4561-BBEA-79366FDB91C0}" presName="rootConnector" presStyleLbl="node4" presStyleIdx="1" presStyleCnt="34"/>
+      <dgm:prSet presAssocID="{AD399133-86EF-4561-BBEA-79366FDB91C0}" presName="rootConnector" presStyleLbl="node4" presStyleIdx="1" presStyleCnt="35"/>
       <dgm:spPr/>
     </dgm:pt>
     <dgm:pt modelId="{4E6682E7-929C-42A4-BC34-7360CC2F15FF}" type="pres">
@@ -4194,7 +4270,7 @@
       <dgm:spPr/>
     </dgm:pt>
     <dgm:pt modelId="{142E410C-0232-462E-A3D4-32686A31ABDF}" type="pres">
-      <dgm:prSet presAssocID="{37E33777-9EA9-4B97-9C2D-807FBF7185C8}" presName="Name37" presStyleLbl="parChTrans1D4" presStyleIdx="2" presStyleCnt="34"/>
+      <dgm:prSet presAssocID="{37E33777-9EA9-4B97-9C2D-807FBF7185C8}" presName="Name37" presStyleLbl="parChTrans1D4" presStyleIdx="2" presStyleCnt="35"/>
       <dgm:spPr/>
     </dgm:pt>
     <dgm:pt modelId="{A715DFBE-0C6B-401C-B58A-CA5F9BFFE68B}" type="pres">
@@ -4210,7 +4286,7 @@
       <dgm:spPr/>
     </dgm:pt>
     <dgm:pt modelId="{CA4C8F3D-D7D9-42E3-811F-ACDC96DA33C2}" type="pres">
-      <dgm:prSet presAssocID="{18FC183C-EC7B-47FD-8F4B-1A24F2B3283E}" presName="rootText" presStyleLbl="node4" presStyleIdx="2" presStyleCnt="34">
+      <dgm:prSet presAssocID="{18FC183C-EC7B-47FD-8F4B-1A24F2B3283E}" presName="rootText" presStyleLbl="node4" presStyleIdx="2" presStyleCnt="35">
         <dgm:presLayoutVars>
           <dgm:chPref val="3"/>
         </dgm:presLayoutVars>
@@ -4218,7 +4294,7 @@
       <dgm:spPr/>
     </dgm:pt>
     <dgm:pt modelId="{2E6F24CC-B178-4DF5-A54E-8B3B3959ADDA}" type="pres">
-      <dgm:prSet presAssocID="{18FC183C-EC7B-47FD-8F4B-1A24F2B3283E}" presName="rootConnector" presStyleLbl="node4" presStyleIdx="2" presStyleCnt="34"/>
+      <dgm:prSet presAssocID="{18FC183C-EC7B-47FD-8F4B-1A24F2B3283E}" presName="rootConnector" presStyleLbl="node4" presStyleIdx="2" presStyleCnt="35"/>
       <dgm:spPr/>
     </dgm:pt>
     <dgm:pt modelId="{BB4B792E-A17C-4520-8CC1-87643CFA9D35}" type="pres">
@@ -4230,7 +4306,7 @@
       <dgm:spPr/>
     </dgm:pt>
     <dgm:pt modelId="{FE0A62C8-3177-4013-BF6D-89791246C983}" type="pres">
-      <dgm:prSet presAssocID="{CB774B77-B6FC-4AEC-B0FB-B78511596F83}" presName="Name37" presStyleLbl="parChTrans1D4" presStyleIdx="3" presStyleCnt="34"/>
+      <dgm:prSet presAssocID="{CB774B77-B6FC-4AEC-B0FB-B78511596F83}" presName="Name37" presStyleLbl="parChTrans1D4" presStyleIdx="3" presStyleCnt="35"/>
       <dgm:spPr/>
     </dgm:pt>
     <dgm:pt modelId="{897FA073-14D7-496B-9496-E1BAB8755FFE}" type="pres">
@@ -4246,7 +4322,7 @@
       <dgm:spPr/>
     </dgm:pt>
     <dgm:pt modelId="{C3B13954-F2F6-4A64-ABCC-3CE9BC7872E0}" type="pres">
-      <dgm:prSet presAssocID="{D520E05E-1719-4A08-83F6-3B102E5C9C14}" presName="rootText" presStyleLbl="node4" presStyleIdx="3" presStyleCnt="34">
+      <dgm:prSet presAssocID="{D520E05E-1719-4A08-83F6-3B102E5C9C14}" presName="rootText" presStyleLbl="node4" presStyleIdx="3" presStyleCnt="35">
         <dgm:presLayoutVars>
           <dgm:chPref val="3"/>
         </dgm:presLayoutVars>
@@ -4254,7 +4330,7 @@
       <dgm:spPr/>
     </dgm:pt>
     <dgm:pt modelId="{77B297B8-00B2-43EE-A18D-6E61C1E7ADE4}" type="pres">
-      <dgm:prSet presAssocID="{D520E05E-1719-4A08-83F6-3B102E5C9C14}" presName="rootConnector" presStyleLbl="node4" presStyleIdx="3" presStyleCnt="34"/>
+      <dgm:prSet presAssocID="{D520E05E-1719-4A08-83F6-3B102E5C9C14}" presName="rootConnector" presStyleLbl="node4" presStyleIdx="3" presStyleCnt="35"/>
       <dgm:spPr/>
     </dgm:pt>
     <dgm:pt modelId="{C3CAE76D-1351-4219-B71B-E0AE3C8B7709}" type="pres">
@@ -4374,7 +4450,7 @@
       <dgm:spPr/>
     </dgm:pt>
     <dgm:pt modelId="{0E52DEAE-DF31-4004-9360-3FA01921FEFA}" type="pres">
-      <dgm:prSet presAssocID="{A7A8023E-B2C7-48AF-A57C-A3013350B395}" presName="Name37" presStyleLbl="parChTrans1D4" presStyleIdx="4" presStyleCnt="34"/>
+      <dgm:prSet presAssocID="{A7A8023E-B2C7-48AF-A57C-A3013350B395}" presName="Name37" presStyleLbl="parChTrans1D4" presStyleIdx="4" presStyleCnt="35"/>
       <dgm:spPr/>
     </dgm:pt>
     <dgm:pt modelId="{E6E7D74F-EBCA-4994-969E-BB05736FF85B}" type="pres">
@@ -4390,7 +4466,7 @@
       <dgm:spPr/>
     </dgm:pt>
     <dgm:pt modelId="{9FBD249B-7DB1-4C7B-8D2C-AFE2642C67E4}" type="pres">
-      <dgm:prSet presAssocID="{97CD7572-259A-4876-89EB-5A40056808EB}" presName="rootText" presStyleLbl="node4" presStyleIdx="4" presStyleCnt="34">
+      <dgm:prSet presAssocID="{97CD7572-259A-4876-89EB-5A40056808EB}" presName="rootText" presStyleLbl="node4" presStyleIdx="4" presStyleCnt="35">
         <dgm:presLayoutVars>
           <dgm:chPref val="3"/>
         </dgm:presLayoutVars>
@@ -4398,7 +4474,7 @@
       <dgm:spPr/>
     </dgm:pt>
     <dgm:pt modelId="{AFBB24A7-EC9D-45A1-AC41-1F2C5D102650}" type="pres">
-      <dgm:prSet presAssocID="{97CD7572-259A-4876-89EB-5A40056808EB}" presName="rootConnector" presStyleLbl="node4" presStyleIdx="4" presStyleCnt="34"/>
+      <dgm:prSet presAssocID="{97CD7572-259A-4876-89EB-5A40056808EB}" presName="rootConnector" presStyleLbl="node4" presStyleIdx="4" presStyleCnt="35"/>
       <dgm:spPr/>
     </dgm:pt>
     <dgm:pt modelId="{39B8BFB5-4ADF-4542-8ECE-96D8C2773BD7}" type="pres">
@@ -4410,7 +4486,7 @@
       <dgm:spPr/>
     </dgm:pt>
     <dgm:pt modelId="{2C7653CB-7E08-4972-8FCF-D37D5C74068A}" type="pres">
-      <dgm:prSet presAssocID="{D6EC75BF-78DD-4FE9-9DEB-4A03DEBF35EA}" presName="Name37" presStyleLbl="parChTrans1D4" presStyleIdx="5" presStyleCnt="34"/>
+      <dgm:prSet presAssocID="{D6EC75BF-78DD-4FE9-9DEB-4A03DEBF35EA}" presName="Name37" presStyleLbl="parChTrans1D4" presStyleIdx="5" presStyleCnt="35"/>
       <dgm:spPr/>
     </dgm:pt>
     <dgm:pt modelId="{8D522164-C640-426E-97DF-E768561E0910}" type="pres">
@@ -4426,7 +4502,7 @@
       <dgm:spPr/>
     </dgm:pt>
     <dgm:pt modelId="{C9C7526F-9D46-44B2-8FC6-B357134AC297}" type="pres">
-      <dgm:prSet presAssocID="{582FCA8F-E01D-4B48-B54D-F25AAAD4DDF5}" presName="rootText" presStyleLbl="node4" presStyleIdx="5" presStyleCnt="34">
+      <dgm:prSet presAssocID="{582FCA8F-E01D-4B48-B54D-F25AAAD4DDF5}" presName="rootText" presStyleLbl="node4" presStyleIdx="5" presStyleCnt="35">
         <dgm:presLayoutVars>
           <dgm:chPref val="3"/>
         </dgm:presLayoutVars>
@@ -4434,7 +4510,7 @@
       <dgm:spPr/>
     </dgm:pt>
     <dgm:pt modelId="{D35B109F-D4BC-4824-8B23-5E94F11A6CAE}" type="pres">
-      <dgm:prSet presAssocID="{582FCA8F-E01D-4B48-B54D-F25AAAD4DDF5}" presName="rootConnector" presStyleLbl="node4" presStyleIdx="5" presStyleCnt="34"/>
+      <dgm:prSet presAssocID="{582FCA8F-E01D-4B48-B54D-F25AAAD4DDF5}" presName="rootConnector" presStyleLbl="node4" presStyleIdx="5" presStyleCnt="35"/>
       <dgm:spPr/>
     </dgm:pt>
     <dgm:pt modelId="{88B43114-2A3A-4A70-A313-F522E2146323}" type="pres">
@@ -4446,7 +4522,7 @@
       <dgm:spPr/>
     </dgm:pt>
     <dgm:pt modelId="{442830CD-5FD7-491D-99C2-C442003DFE3C}" type="pres">
-      <dgm:prSet presAssocID="{7C86004C-5CD9-421B-BB28-91918EF2B3C4}" presName="Name37" presStyleLbl="parChTrans1D4" presStyleIdx="6" presStyleCnt="34"/>
+      <dgm:prSet presAssocID="{7C86004C-5CD9-421B-BB28-91918EF2B3C4}" presName="Name37" presStyleLbl="parChTrans1D4" presStyleIdx="6" presStyleCnt="35"/>
       <dgm:spPr/>
     </dgm:pt>
     <dgm:pt modelId="{E71D8634-9D86-4E61-839E-3915DCC3E947}" type="pres">
@@ -4462,7 +4538,7 @@
       <dgm:spPr/>
     </dgm:pt>
     <dgm:pt modelId="{E7A5F218-AC8E-4CB1-9380-65FD754684E2}" type="pres">
-      <dgm:prSet presAssocID="{0ADB51CE-CC68-434B-BA86-558AFECB427C}" presName="rootText" presStyleLbl="node4" presStyleIdx="6" presStyleCnt="34">
+      <dgm:prSet presAssocID="{0ADB51CE-CC68-434B-BA86-558AFECB427C}" presName="rootText" presStyleLbl="node4" presStyleIdx="6" presStyleCnt="35">
         <dgm:presLayoutVars>
           <dgm:chPref val="3"/>
         </dgm:presLayoutVars>
@@ -4470,7 +4546,7 @@
       <dgm:spPr/>
     </dgm:pt>
     <dgm:pt modelId="{389426F9-72AA-4778-B1FF-FAEB42E021C8}" type="pres">
-      <dgm:prSet presAssocID="{0ADB51CE-CC68-434B-BA86-558AFECB427C}" presName="rootConnector" presStyleLbl="node4" presStyleIdx="6" presStyleCnt="34"/>
+      <dgm:prSet presAssocID="{0ADB51CE-CC68-434B-BA86-558AFECB427C}" presName="rootConnector" presStyleLbl="node4" presStyleIdx="6" presStyleCnt="35"/>
       <dgm:spPr/>
     </dgm:pt>
     <dgm:pt modelId="{AF27F5A6-CF60-40CE-AF9C-1E30CD749070}" type="pres">
@@ -4479,6 +4555,42 @@
     </dgm:pt>
     <dgm:pt modelId="{9BE8060F-B3C5-44C7-830E-36C070824386}" type="pres">
       <dgm:prSet presAssocID="{0ADB51CE-CC68-434B-BA86-558AFECB427C}" presName="hierChild5" presStyleCnt="0"/>
+      <dgm:spPr/>
+    </dgm:pt>
+    <dgm:pt modelId="{2CF6765D-2622-428A-BB8D-D5FD50718F5D}" type="pres">
+      <dgm:prSet presAssocID="{07CD85DD-4308-41AC-9D61-FF4CEDC1D8A7}" presName="Name37" presStyleLbl="parChTrans1D4" presStyleIdx="7" presStyleCnt="35"/>
+      <dgm:spPr/>
+    </dgm:pt>
+    <dgm:pt modelId="{F3D00D51-14AC-4BEB-9679-14C174B660E0}" type="pres">
+      <dgm:prSet presAssocID="{861B33FC-E61D-45A4-9966-2EEB96408F01}" presName="hierRoot2" presStyleCnt="0">
+        <dgm:presLayoutVars>
+          <dgm:hierBranch val="init"/>
+        </dgm:presLayoutVars>
+      </dgm:prSet>
+      <dgm:spPr/>
+    </dgm:pt>
+    <dgm:pt modelId="{046C9D88-F7E4-4667-A881-1C36A1478CD6}" type="pres">
+      <dgm:prSet presAssocID="{861B33FC-E61D-45A4-9966-2EEB96408F01}" presName="rootComposite" presStyleCnt="0"/>
+      <dgm:spPr/>
+    </dgm:pt>
+    <dgm:pt modelId="{7C2803AC-EAA4-4F72-A5D1-AE34EB6B6891}" type="pres">
+      <dgm:prSet presAssocID="{861B33FC-E61D-45A4-9966-2EEB96408F01}" presName="rootText" presStyleLbl="node4" presStyleIdx="7" presStyleCnt="35">
+        <dgm:presLayoutVars>
+          <dgm:chPref val="3"/>
+        </dgm:presLayoutVars>
+      </dgm:prSet>
+      <dgm:spPr/>
+    </dgm:pt>
+    <dgm:pt modelId="{AD22ADF7-D5FF-40E2-ACC0-6AC7AA556C09}" type="pres">
+      <dgm:prSet presAssocID="{861B33FC-E61D-45A4-9966-2EEB96408F01}" presName="rootConnector" presStyleLbl="node4" presStyleIdx="7" presStyleCnt="35"/>
+      <dgm:spPr/>
+    </dgm:pt>
+    <dgm:pt modelId="{61751800-716E-4596-8CEC-E24D17EEF1E8}" type="pres">
+      <dgm:prSet presAssocID="{861B33FC-E61D-45A4-9966-2EEB96408F01}" presName="hierChild4" presStyleCnt="0"/>
+      <dgm:spPr/>
+    </dgm:pt>
+    <dgm:pt modelId="{7D564409-5D86-4B48-B8B2-ECF855FEDBEF}" type="pres">
+      <dgm:prSet presAssocID="{861B33FC-E61D-45A4-9966-2EEB96408F01}" presName="hierChild5" presStyleCnt="0"/>
       <dgm:spPr/>
     </dgm:pt>
     <dgm:pt modelId="{6F7AF18C-DAC7-4E51-995E-FF62B0A7C42F}" type="pres">
@@ -4518,7 +4630,7 @@
       <dgm:spPr/>
     </dgm:pt>
     <dgm:pt modelId="{FB2B34D3-8995-46BD-AA7E-948129770277}" type="pres">
-      <dgm:prSet presAssocID="{8612FCF1-EEB6-4CF0-9681-F906A3088BCB}" presName="Name37" presStyleLbl="parChTrans1D4" presStyleIdx="7" presStyleCnt="34"/>
+      <dgm:prSet presAssocID="{8612FCF1-EEB6-4CF0-9681-F906A3088BCB}" presName="Name37" presStyleLbl="parChTrans1D4" presStyleIdx="8" presStyleCnt="35"/>
       <dgm:spPr/>
     </dgm:pt>
     <dgm:pt modelId="{3A46F644-AAE2-4F38-8DF8-796A919E5628}" type="pres">
@@ -4534,7 +4646,7 @@
       <dgm:spPr/>
     </dgm:pt>
     <dgm:pt modelId="{3A16F795-0FC0-447D-BF2D-7200CBCF327D}" type="pres">
-      <dgm:prSet presAssocID="{AC80D5DF-EDB9-461E-BD25-C74B14A1BAAF}" presName="rootText" presStyleLbl="node4" presStyleIdx="7" presStyleCnt="34">
+      <dgm:prSet presAssocID="{AC80D5DF-EDB9-461E-BD25-C74B14A1BAAF}" presName="rootText" presStyleLbl="node4" presStyleIdx="8" presStyleCnt="35">
         <dgm:presLayoutVars>
           <dgm:chPref val="3"/>
         </dgm:presLayoutVars>
@@ -4542,7 +4654,7 @@
       <dgm:spPr/>
     </dgm:pt>
     <dgm:pt modelId="{7DC45323-7262-4B3B-A286-6BA36EB9609C}" type="pres">
-      <dgm:prSet presAssocID="{AC80D5DF-EDB9-461E-BD25-C74B14A1BAAF}" presName="rootConnector" presStyleLbl="node4" presStyleIdx="7" presStyleCnt="34"/>
+      <dgm:prSet presAssocID="{AC80D5DF-EDB9-461E-BD25-C74B14A1BAAF}" presName="rootConnector" presStyleLbl="node4" presStyleIdx="8" presStyleCnt="35"/>
       <dgm:spPr/>
     </dgm:pt>
     <dgm:pt modelId="{C3C2F386-0662-48DB-84F5-6EB3E6AE844A}" type="pres">
@@ -4554,7 +4666,7 @@
       <dgm:spPr/>
     </dgm:pt>
     <dgm:pt modelId="{2F535FF2-D6A8-4AEB-8A32-380A4AE213B1}" type="pres">
-      <dgm:prSet presAssocID="{D5B57C73-52D1-4FF1-9787-D89C6EE10FE6}" presName="Name37" presStyleLbl="parChTrans1D4" presStyleIdx="8" presStyleCnt="34"/>
+      <dgm:prSet presAssocID="{D5B57C73-52D1-4FF1-9787-D89C6EE10FE6}" presName="Name37" presStyleLbl="parChTrans1D4" presStyleIdx="9" presStyleCnt="35"/>
       <dgm:spPr/>
     </dgm:pt>
     <dgm:pt modelId="{7FD3F65D-BA6C-4BE9-941E-96F794BFD098}" type="pres">
@@ -4570,7 +4682,7 @@
       <dgm:spPr/>
     </dgm:pt>
     <dgm:pt modelId="{5C4F5E45-501D-4D2A-B09B-1D5742C02B5A}" type="pres">
-      <dgm:prSet presAssocID="{AB5E890B-FBAA-4A67-82F5-860FC03DD1DD}" presName="rootText" presStyleLbl="node4" presStyleIdx="8" presStyleCnt="34">
+      <dgm:prSet presAssocID="{AB5E890B-FBAA-4A67-82F5-860FC03DD1DD}" presName="rootText" presStyleLbl="node4" presStyleIdx="9" presStyleCnt="35">
         <dgm:presLayoutVars>
           <dgm:chPref val="3"/>
         </dgm:presLayoutVars>
@@ -4578,7 +4690,7 @@
       <dgm:spPr/>
     </dgm:pt>
     <dgm:pt modelId="{07EEA647-5003-4CB7-BE6F-24351FBF0013}" type="pres">
-      <dgm:prSet presAssocID="{AB5E890B-FBAA-4A67-82F5-860FC03DD1DD}" presName="rootConnector" presStyleLbl="node4" presStyleIdx="8" presStyleCnt="34"/>
+      <dgm:prSet presAssocID="{AB5E890B-FBAA-4A67-82F5-860FC03DD1DD}" presName="rootConnector" presStyleLbl="node4" presStyleIdx="9" presStyleCnt="35"/>
       <dgm:spPr/>
     </dgm:pt>
     <dgm:pt modelId="{CC56A325-BA73-47CF-9394-A445686EA933}" type="pres">
@@ -4590,7 +4702,7 @@
       <dgm:spPr/>
     </dgm:pt>
     <dgm:pt modelId="{245EAB51-43F9-4B55-A012-0F37822E319D}" type="pres">
-      <dgm:prSet presAssocID="{79A9485E-5320-4883-B122-DE49088A0389}" presName="Name37" presStyleLbl="parChTrans1D4" presStyleIdx="9" presStyleCnt="34"/>
+      <dgm:prSet presAssocID="{79A9485E-5320-4883-B122-DE49088A0389}" presName="Name37" presStyleLbl="parChTrans1D4" presStyleIdx="10" presStyleCnt="35"/>
       <dgm:spPr/>
     </dgm:pt>
     <dgm:pt modelId="{C06D1F5B-D10C-4020-ABAD-D3FF1AD26EA5}" type="pres">
@@ -4606,7 +4718,7 @@
       <dgm:spPr/>
     </dgm:pt>
     <dgm:pt modelId="{2938F48F-48A3-4788-9D92-2060C3A3D72C}" type="pres">
-      <dgm:prSet presAssocID="{7F19C310-EBFF-422D-8235-639A8E99E051}" presName="rootText" presStyleLbl="node4" presStyleIdx="9" presStyleCnt="34">
+      <dgm:prSet presAssocID="{7F19C310-EBFF-422D-8235-639A8E99E051}" presName="rootText" presStyleLbl="node4" presStyleIdx="10" presStyleCnt="35">
         <dgm:presLayoutVars>
           <dgm:chPref val="3"/>
         </dgm:presLayoutVars>
@@ -4614,7 +4726,7 @@
       <dgm:spPr/>
     </dgm:pt>
     <dgm:pt modelId="{A8D64EB2-3EF6-41D9-B0B4-EFD7E25BE2B3}" type="pres">
-      <dgm:prSet presAssocID="{7F19C310-EBFF-422D-8235-639A8E99E051}" presName="rootConnector" presStyleLbl="node4" presStyleIdx="9" presStyleCnt="34"/>
+      <dgm:prSet presAssocID="{7F19C310-EBFF-422D-8235-639A8E99E051}" presName="rootConnector" presStyleLbl="node4" presStyleIdx="10" presStyleCnt="35"/>
       <dgm:spPr/>
     </dgm:pt>
     <dgm:pt modelId="{15A0EA8D-E7B4-455D-8538-350FB4236020}" type="pres">
@@ -4626,7 +4738,7 @@
       <dgm:spPr/>
     </dgm:pt>
     <dgm:pt modelId="{1FC556AF-9B5D-43A0-BC9F-BE6CA976D6C4}" type="pres">
-      <dgm:prSet presAssocID="{451BF105-5E70-4427-B211-9D322675EFA1}" presName="Name37" presStyleLbl="parChTrans1D4" presStyleIdx="10" presStyleCnt="34"/>
+      <dgm:prSet presAssocID="{451BF105-5E70-4427-B211-9D322675EFA1}" presName="Name37" presStyleLbl="parChTrans1D4" presStyleIdx="11" presStyleCnt="35"/>
       <dgm:spPr/>
     </dgm:pt>
     <dgm:pt modelId="{0B55312C-D67D-4322-A8AB-4F2FD4412114}" type="pres">
@@ -4642,7 +4754,7 @@
       <dgm:spPr/>
     </dgm:pt>
     <dgm:pt modelId="{F8CCBD0A-B99F-4424-A2E8-E56B4945931A}" type="pres">
-      <dgm:prSet presAssocID="{A4A92EEF-0CCF-4AF5-8A7D-AF7864791B2E}" presName="rootText" presStyleLbl="node4" presStyleIdx="10" presStyleCnt="34">
+      <dgm:prSet presAssocID="{A4A92EEF-0CCF-4AF5-8A7D-AF7864791B2E}" presName="rootText" presStyleLbl="node4" presStyleIdx="11" presStyleCnt="35">
         <dgm:presLayoutVars>
           <dgm:chPref val="3"/>
         </dgm:presLayoutVars>
@@ -4650,7 +4762,7 @@
       <dgm:spPr/>
     </dgm:pt>
     <dgm:pt modelId="{8A626F4C-AB29-43B6-A493-9F30C9AAA290}" type="pres">
-      <dgm:prSet presAssocID="{A4A92EEF-0CCF-4AF5-8A7D-AF7864791B2E}" presName="rootConnector" presStyleLbl="node4" presStyleIdx="10" presStyleCnt="34"/>
+      <dgm:prSet presAssocID="{A4A92EEF-0CCF-4AF5-8A7D-AF7864791B2E}" presName="rootConnector" presStyleLbl="node4" presStyleIdx="11" presStyleCnt="35"/>
       <dgm:spPr/>
     </dgm:pt>
     <dgm:pt modelId="{4164137C-AAFC-41F1-8843-732E3A810FF8}" type="pres">
@@ -4734,7 +4846,7 @@
       <dgm:spPr/>
     </dgm:pt>
     <dgm:pt modelId="{355B7086-9D49-4810-9212-391CB156D0DA}" type="pres">
-      <dgm:prSet presAssocID="{2A35257B-4E7F-4D68-8770-D15AD3035B75}" presName="Name37" presStyleLbl="parChTrans1D4" presStyleIdx="11" presStyleCnt="34"/>
+      <dgm:prSet presAssocID="{2A35257B-4E7F-4D68-8770-D15AD3035B75}" presName="Name37" presStyleLbl="parChTrans1D4" presStyleIdx="12" presStyleCnt="35"/>
       <dgm:spPr/>
     </dgm:pt>
     <dgm:pt modelId="{175838B0-0FBE-4507-8DFF-73DAD0E9BC58}" type="pres">
@@ -4750,7 +4862,7 @@
       <dgm:spPr/>
     </dgm:pt>
     <dgm:pt modelId="{EA515D7C-E0C0-4238-9A79-5E949D3794E0}" type="pres">
-      <dgm:prSet presAssocID="{A2FC1B88-267F-4468-8E50-E44680C736A1}" presName="rootText" presStyleLbl="node4" presStyleIdx="11" presStyleCnt="34">
+      <dgm:prSet presAssocID="{A2FC1B88-267F-4468-8E50-E44680C736A1}" presName="rootText" presStyleLbl="node4" presStyleIdx="12" presStyleCnt="35">
         <dgm:presLayoutVars>
           <dgm:chPref val="3"/>
         </dgm:presLayoutVars>
@@ -4758,7 +4870,7 @@
       <dgm:spPr/>
     </dgm:pt>
     <dgm:pt modelId="{19103DF3-14E3-49BA-9EDB-58FF08393C6B}" type="pres">
-      <dgm:prSet presAssocID="{A2FC1B88-267F-4468-8E50-E44680C736A1}" presName="rootConnector" presStyleLbl="node4" presStyleIdx="11" presStyleCnt="34"/>
+      <dgm:prSet presAssocID="{A2FC1B88-267F-4468-8E50-E44680C736A1}" presName="rootConnector" presStyleLbl="node4" presStyleIdx="12" presStyleCnt="35"/>
       <dgm:spPr/>
     </dgm:pt>
     <dgm:pt modelId="{1EEE22A7-B204-4659-AE21-D6106A892434}" type="pres">
@@ -4770,7 +4882,7 @@
       <dgm:spPr/>
     </dgm:pt>
     <dgm:pt modelId="{A9C848E1-5D4E-4E2E-9DD1-D1107F2F1DF9}" type="pres">
-      <dgm:prSet presAssocID="{781EB0B2-D424-40A0-AC60-2FE173BD5409}" presName="Name37" presStyleLbl="parChTrans1D4" presStyleIdx="12" presStyleCnt="34"/>
+      <dgm:prSet presAssocID="{781EB0B2-D424-40A0-AC60-2FE173BD5409}" presName="Name37" presStyleLbl="parChTrans1D4" presStyleIdx="13" presStyleCnt="35"/>
       <dgm:spPr/>
     </dgm:pt>
     <dgm:pt modelId="{B50FA418-BF00-4228-88D2-FE58374EC17F}" type="pres">
@@ -4786,7 +4898,7 @@
       <dgm:spPr/>
     </dgm:pt>
     <dgm:pt modelId="{D0E276E0-5538-4FD0-8B4F-78EBAC29DA2A}" type="pres">
-      <dgm:prSet presAssocID="{068E94F1-4579-4B2F-88A1-2A615D2CB341}" presName="rootText" presStyleLbl="node4" presStyleIdx="12" presStyleCnt="34">
+      <dgm:prSet presAssocID="{068E94F1-4579-4B2F-88A1-2A615D2CB341}" presName="rootText" presStyleLbl="node4" presStyleIdx="13" presStyleCnt="35">
         <dgm:presLayoutVars>
           <dgm:chPref val="3"/>
         </dgm:presLayoutVars>
@@ -4794,7 +4906,7 @@
       <dgm:spPr/>
     </dgm:pt>
     <dgm:pt modelId="{4F40B643-1559-4627-9A73-E32D89D07927}" type="pres">
-      <dgm:prSet presAssocID="{068E94F1-4579-4B2F-88A1-2A615D2CB341}" presName="rootConnector" presStyleLbl="node4" presStyleIdx="12" presStyleCnt="34"/>
+      <dgm:prSet presAssocID="{068E94F1-4579-4B2F-88A1-2A615D2CB341}" presName="rootConnector" presStyleLbl="node4" presStyleIdx="13" presStyleCnt="35"/>
       <dgm:spPr/>
     </dgm:pt>
     <dgm:pt modelId="{4388B6F2-CA70-415B-BF36-C9F3B877F80B}" type="pres">
@@ -4806,7 +4918,7 @@
       <dgm:spPr/>
     </dgm:pt>
     <dgm:pt modelId="{B9E4C6A1-16B9-4846-ADCC-505DD21860D4}" type="pres">
-      <dgm:prSet presAssocID="{692119E5-7FB6-451C-A824-19592ABBBB03}" presName="Name37" presStyleLbl="parChTrans1D4" presStyleIdx="13" presStyleCnt="34"/>
+      <dgm:prSet presAssocID="{692119E5-7FB6-451C-A824-19592ABBBB03}" presName="Name37" presStyleLbl="parChTrans1D4" presStyleIdx="14" presStyleCnt="35"/>
       <dgm:spPr/>
     </dgm:pt>
     <dgm:pt modelId="{BB7166C2-C6EF-4165-A1A1-D49F5B1D2411}" type="pres">
@@ -4822,7 +4934,7 @@
       <dgm:spPr/>
     </dgm:pt>
     <dgm:pt modelId="{17E82BFF-2B2F-4EBE-A6AD-874C8E80F2AF}" type="pres">
-      <dgm:prSet presAssocID="{5B5E2C50-C14B-45E8-BA53-7EB26CC9FF1B}" presName="rootText" presStyleLbl="node4" presStyleIdx="13" presStyleCnt="34">
+      <dgm:prSet presAssocID="{5B5E2C50-C14B-45E8-BA53-7EB26CC9FF1B}" presName="rootText" presStyleLbl="node4" presStyleIdx="14" presStyleCnt="35">
         <dgm:presLayoutVars>
           <dgm:chPref val="3"/>
         </dgm:presLayoutVars>
@@ -4830,7 +4942,7 @@
       <dgm:spPr/>
     </dgm:pt>
     <dgm:pt modelId="{63266F58-A2E5-4F05-B2BC-0A75853B8C77}" type="pres">
-      <dgm:prSet presAssocID="{5B5E2C50-C14B-45E8-BA53-7EB26CC9FF1B}" presName="rootConnector" presStyleLbl="node4" presStyleIdx="13" presStyleCnt="34"/>
+      <dgm:prSet presAssocID="{5B5E2C50-C14B-45E8-BA53-7EB26CC9FF1B}" presName="rootConnector" presStyleLbl="node4" presStyleIdx="14" presStyleCnt="35"/>
       <dgm:spPr/>
     </dgm:pt>
     <dgm:pt modelId="{F1561661-9586-4C7C-B9C9-3FB5905C2615}" type="pres">
@@ -4842,7 +4954,7 @@
       <dgm:spPr/>
     </dgm:pt>
     <dgm:pt modelId="{E990380A-B551-44B5-BA23-C974D1900319}" type="pres">
-      <dgm:prSet presAssocID="{B44691ED-59AA-4FEC-B02E-51A834D87ED3}" presName="Name37" presStyleLbl="parChTrans1D4" presStyleIdx="14" presStyleCnt="34"/>
+      <dgm:prSet presAssocID="{B44691ED-59AA-4FEC-B02E-51A834D87ED3}" presName="Name37" presStyleLbl="parChTrans1D4" presStyleIdx="15" presStyleCnt="35"/>
       <dgm:spPr/>
     </dgm:pt>
     <dgm:pt modelId="{B128368C-912F-485D-BD88-FC796E047497}" type="pres">
@@ -4858,7 +4970,7 @@
       <dgm:spPr/>
     </dgm:pt>
     <dgm:pt modelId="{80B3BE7B-D8B1-4282-ADD2-8B691BEE3272}" type="pres">
-      <dgm:prSet presAssocID="{2FD5A471-E0F0-4856-9969-C71073D02AA6}" presName="rootText" presStyleLbl="node4" presStyleIdx="14" presStyleCnt="34">
+      <dgm:prSet presAssocID="{2FD5A471-E0F0-4856-9969-C71073D02AA6}" presName="rootText" presStyleLbl="node4" presStyleIdx="15" presStyleCnt="35">
         <dgm:presLayoutVars>
           <dgm:chPref val="3"/>
         </dgm:presLayoutVars>
@@ -4866,7 +4978,7 @@
       <dgm:spPr/>
     </dgm:pt>
     <dgm:pt modelId="{DEAA8829-F6AA-4009-BD5D-F1014E5673AD}" type="pres">
-      <dgm:prSet presAssocID="{2FD5A471-E0F0-4856-9969-C71073D02AA6}" presName="rootConnector" presStyleLbl="node4" presStyleIdx="14" presStyleCnt="34"/>
+      <dgm:prSet presAssocID="{2FD5A471-E0F0-4856-9969-C71073D02AA6}" presName="rootConnector" presStyleLbl="node4" presStyleIdx="15" presStyleCnt="35"/>
       <dgm:spPr/>
     </dgm:pt>
     <dgm:pt modelId="{6909F334-4425-4051-B3A7-FC4CC280D746}" type="pres">
@@ -4878,7 +4990,7 @@
       <dgm:spPr/>
     </dgm:pt>
     <dgm:pt modelId="{099803A2-5D79-4500-A8A3-2C09E9B9A007}" type="pres">
-      <dgm:prSet presAssocID="{395160B3-0F89-4711-A607-4743C08A0C2C}" presName="Name37" presStyleLbl="parChTrans1D4" presStyleIdx="15" presStyleCnt="34"/>
+      <dgm:prSet presAssocID="{395160B3-0F89-4711-A607-4743C08A0C2C}" presName="Name37" presStyleLbl="parChTrans1D4" presStyleIdx="16" presStyleCnt="35"/>
       <dgm:spPr/>
     </dgm:pt>
     <dgm:pt modelId="{6DEE59F1-8504-4A60-BA64-32AF4917DA3A}" type="pres">
@@ -4894,7 +5006,7 @@
       <dgm:spPr/>
     </dgm:pt>
     <dgm:pt modelId="{ED427EF1-DD58-4287-AA19-B5F9EF8E6646}" type="pres">
-      <dgm:prSet presAssocID="{DB8C8AA5-7FA7-443F-ABF4-DEA14F9E8E63}" presName="rootText" presStyleLbl="node4" presStyleIdx="15" presStyleCnt="34">
+      <dgm:prSet presAssocID="{DB8C8AA5-7FA7-443F-ABF4-DEA14F9E8E63}" presName="rootText" presStyleLbl="node4" presStyleIdx="16" presStyleCnt="35">
         <dgm:presLayoutVars>
           <dgm:chPref val="3"/>
         </dgm:presLayoutVars>
@@ -4902,7 +5014,7 @@
       <dgm:spPr/>
     </dgm:pt>
     <dgm:pt modelId="{2066167C-8D07-4EB0-9381-D934214A8F31}" type="pres">
-      <dgm:prSet presAssocID="{DB8C8AA5-7FA7-443F-ABF4-DEA14F9E8E63}" presName="rootConnector" presStyleLbl="node4" presStyleIdx="15" presStyleCnt="34"/>
+      <dgm:prSet presAssocID="{DB8C8AA5-7FA7-443F-ABF4-DEA14F9E8E63}" presName="rootConnector" presStyleLbl="node4" presStyleIdx="16" presStyleCnt="35"/>
       <dgm:spPr/>
     </dgm:pt>
     <dgm:pt modelId="{B79B7604-4957-4552-B403-71815858A606}" type="pres">
@@ -4950,7 +5062,7 @@
       <dgm:spPr/>
     </dgm:pt>
     <dgm:pt modelId="{77519338-7126-4A35-B021-66B10B654BAF}" type="pres">
-      <dgm:prSet presAssocID="{D5230C40-4EAA-49D6-8C5D-AA76AAD9C62A}" presName="Name37" presStyleLbl="parChTrans1D4" presStyleIdx="16" presStyleCnt="34"/>
+      <dgm:prSet presAssocID="{D5230C40-4EAA-49D6-8C5D-AA76AAD9C62A}" presName="Name37" presStyleLbl="parChTrans1D4" presStyleIdx="17" presStyleCnt="35"/>
       <dgm:spPr/>
     </dgm:pt>
     <dgm:pt modelId="{B50201CD-D664-4089-8B3D-6B94E0A93C0E}" type="pres">
@@ -4966,7 +5078,7 @@
       <dgm:spPr/>
     </dgm:pt>
     <dgm:pt modelId="{328C33F0-CE3F-403D-AEE7-ECE0AEBDA287}" type="pres">
-      <dgm:prSet presAssocID="{C686A69B-38E8-46F5-9A40-D1B71147D0CC}" presName="rootText" presStyleLbl="node4" presStyleIdx="16" presStyleCnt="34">
+      <dgm:prSet presAssocID="{C686A69B-38E8-46F5-9A40-D1B71147D0CC}" presName="rootText" presStyleLbl="node4" presStyleIdx="17" presStyleCnt="35">
         <dgm:presLayoutVars>
           <dgm:chPref val="3"/>
         </dgm:presLayoutVars>
@@ -4974,7 +5086,7 @@
       <dgm:spPr/>
     </dgm:pt>
     <dgm:pt modelId="{340139D5-7E00-4687-937C-D714D98577AF}" type="pres">
-      <dgm:prSet presAssocID="{C686A69B-38E8-46F5-9A40-D1B71147D0CC}" presName="rootConnector" presStyleLbl="node4" presStyleIdx="16" presStyleCnt="34"/>
+      <dgm:prSet presAssocID="{C686A69B-38E8-46F5-9A40-D1B71147D0CC}" presName="rootConnector" presStyleLbl="node4" presStyleIdx="17" presStyleCnt="35"/>
       <dgm:spPr/>
     </dgm:pt>
     <dgm:pt modelId="{0A52B6C0-CA36-4F78-BCBD-87194A9FFB9B}" type="pres">
@@ -4982,7 +5094,7 @@
       <dgm:spPr/>
     </dgm:pt>
     <dgm:pt modelId="{8D37D388-7226-464F-91F8-D6825CEC124A}" type="pres">
-      <dgm:prSet presAssocID="{2389E0CD-7AAB-42D8-887E-3BB76667F373}" presName="Name37" presStyleLbl="parChTrans1D4" presStyleIdx="17" presStyleCnt="34"/>
+      <dgm:prSet presAssocID="{2389E0CD-7AAB-42D8-887E-3BB76667F373}" presName="Name37" presStyleLbl="parChTrans1D4" presStyleIdx="18" presStyleCnt="35"/>
       <dgm:spPr/>
     </dgm:pt>
     <dgm:pt modelId="{8C0084F7-ACB0-49F1-8651-D0F0F813AD58}" type="pres">
@@ -4998,7 +5110,7 @@
       <dgm:spPr/>
     </dgm:pt>
     <dgm:pt modelId="{728414BF-7543-4594-887B-C5A169440D4D}" type="pres">
-      <dgm:prSet presAssocID="{81FBF21E-A128-4B82-9424-983916099137}" presName="rootText" presStyleLbl="node4" presStyleIdx="17" presStyleCnt="34">
+      <dgm:prSet presAssocID="{81FBF21E-A128-4B82-9424-983916099137}" presName="rootText" presStyleLbl="node4" presStyleIdx="18" presStyleCnt="35">
         <dgm:presLayoutVars>
           <dgm:chPref val="3"/>
         </dgm:presLayoutVars>
@@ -5006,7 +5118,7 @@
       <dgm:spPr/>
     </dgm:pt>
     <dgm:pt modelId="{9A380597-2F53-4866-8337-8315BA345E4B}" type="pres">
-      <dgm:prSet presAssocID="{81FBF21E-A128-4B82-9424-983916099137}" presName="rootConnector" presStyleLbl="node4" presStyleIdx="17" presStyleCnt="34"/>
+      <dgm:prSet presAssocID="{81FBF21E-A128-4B82-9424-983916099137}" presName="rootConnector" presStyleLbl="node4" presStyleIdx="18" presStyleCnt="35"/>
       <dgm:spPr/>
     </dgm:pt>
     <dgm:pt modelId="{81CF19FE-A975-4686-87C2-6EA19253B773}" type="pres">
@@ -5018,7 +5130,7 @@
       <dgm:spPr/>
     </dgm:pt>
     <dgm:pt modelId="{EFC0051E-B1CD-4701-9B49-2699F6CE303F}" type="pres">
-      <dgm:prSet presAssocID="{EC3FA7BE-4A6B-4B8F-80B8-68F98424A46F}" presName="Name37" presStyleLbl="parChTrans1D4" presStyleIdx="18" presStyleCnt="34"/>
+      <dgm:prSet presAssocID="{EC3FA7BE-4A6B-4B8F-80B8-68F98424A46F}" presName="Name37" presStyleLbl="parChTrans1D4" presStyleIdx="19" presStyleCnt="35"/>
       <dgm:spPr/>
     </dgm:pt>
     <dgm:pt modelId="{FF8682BD-E86F-409D-BC2A-E4D9DBC4E2FC}" type="pres">
@@ -5034,7 +5146,7 @@
       <dgm:spPr/>
     </dgm:pt>
     <dgm:pt modelId="{E262768F-459D-411D-BFA5-E63375668D65}" type="pres">
-      <dgm:prSet presAssocID="{501EFB47-CA2E-4B02-B2BD-40CC8D92A215}" presName="rootText" presStyleLbl="node4" presStyleIdx="18" presStyleCnt="34">
+      <dgm:prSet presAssocID="{501EFB47-CA2E-4B02-B2BD-40CC8D92A215}" presName="rootText" presStyleLbl="node4" presStyleIdx="19" presStyleCnt="35">
         <dgm:presLayoutVars>
           <dgm:chPref val="3"/>
         </dgm:presLayoutVars>
@@ -5042,7 +5154,7 @@
       <dgm:spPr/>
     </dgm:pt>
     <dgm:pt modelId="{D4796F5D-31F4-4ABE-A749-B97571121217}" type="pres">
-      <dgm:prSet presAssocID="{501EFB47-CA2E-4B02-B2BD-40CC8D92A215}" presName="rootConnector" presStyleLbl="node4" presStyleIdx="18" presStyleCnt="34"/>
+      <dgm:prSet presAssocID="{501EFB47-CA2E-4B02-B2BD-40CC8D92A215}" presName="rootConnector" presStyleLbl="node4" presStyleIdx="19" presStyleCnt="35"/>
       <dgm:spPr/>
     </dgm:pt>
     <dgm:pt modelId="{0430096A-53CA-46CD-9B88-E999C3D22674}" type="pres">
@@ -5054,7 +5166,7 @@
       <dgm:spPr/>
     </dgm:pt>
     <dgm:pt modelId="{46C6D932-5617-46CB-BBB9-D125CA430ADA}" type="pres">
-      <dgm:prSet presAssocID="{005CB0FE-AF7A-4AF4-9BB0-4D92DC24F67F}" presName="Name37" presStyleLbl="parChTrans1D4" presStyleIdx="19" presStyleCnt="34"/>
+      <dgm:prSet presAssocID="{005CB0FE-AF7A-4AF4-9BB0-4D92DC24F67F}" presName="Name37" presStyleLbl="parChTrans1D4" presStyleIdx="20" presStyleCnt="35"/>
       <dgm:spPr/>
     </dgm:pt>
     <dgm:pt modelId="{42581F09-E80C-4B56-926B-D538CE87EDC1}" type="pres">
@@ -5070,7 +5182,7 @@
       <dgm:spPr/>
     </dgm:pt>
     <dgm:pt modelId="{4088DE1B-4EDC-4138-920F-C55D684D205B}" type="pres">
-      <dgm:prSet presAssocID="{CED4E728-26A9-4795-8023-948ECA5B7D84}" presName="rootText" presStyleLbl="node4" presStyleIdx="19" presStyleCnt="34">
+      <dgm:prSet presAssocID="{CED4E728-26A9-4795-8023-948ECA5B7D84}" presName="rootText" presStyleLbl="node4" presStyleIdx="20" presStyleCnt="35">
         <dgm:presLayoutVars>
           <dgm:chPref val="3"/>
         </dgm:presLayoutVars>
@@ -5078,7 +5190,7 @@
       <dgm:spPr/>
     </dgm:pt>
     <dgm:pt modelId="{3C38B803-D955-49BB-9778-173C9CA2D4D0}" type="pres">
-      <dgm:prSet presAssocID="{CED4E728-26A9-4795-8023-948ECA5B7D84}" presName="rootConnector" presStyleLbl="node4" presStyleIdx="19" presStyleCnt="34"/>
+      <dgm:prSet presAssocID="{CED4E728-26A9-4795-8023-948ECA5B7D84}" presName="rootConnector" presStyleLbl="node4" presStyleIdx="20" presStyleCnt="35"/>
       <dgm:spPr/>
     </dgm:pt>
     <dgm:pt modelId="{94BD959F-A14C-45EC-98F6-AF4139128E9C}" type="pres">
@@ -5094,7 +5206,7 @@
       <dgm:spPr/>
     </dgm:pt>
     <dgm:pt modelId="{EEBEFF57-A5EF-4825-AB20-411C4DE87FDC}" type="pres">
-      <dgm:prSet presAssocID="{63E77EF2-121B-4007-9AF6-C4D20141298F}" presName="Name37" presStyleLbl="parChTrans1D4" presStyleIdx="20" presStyleCnt="34"/>
+      <dgm:prSet presAssocID="{63E77EF2-121B-4007-9AF6-C4D20141298F}" presName="Name37" presStyleLbl="parChTrans1D4" presStyleIdx="21" presStyleCnt="35"/>
       <dgm:spPr/>
     </dgm:pt>
     <dgm:pt modelId="{86D24BA1-0EC2-444C-A84A-AE8BF9DA90B0}" type="pres">
@@ -5110,7 +5222,7 @@
       <dgm:spPr/>
     </dgm:pt>
     <dgm:pt modelId="{0851883F-2BF5-4370-A947-227B23978DB5}" type="pres">
-      <dgm:prSet presAssocID="{68CA12FF-01E0-42BA-A8CB-16C00C78D642}" presName="rootText" presStyleLbl="node4" presStyleIdx="20" presStyleCnt="34">
+      <dgm:prSet presAssocID="{68CA12FF-01E0-42BA-A8CB-16C00C78D642}" presName="rootText" presStyleLbl="node4" presStyleIdx="21" presStyleCnt="35">
         <dgm:presLayoutVars>
           <dgm:chPref val="3"/>
         </dgm:presLayoutVars>
@@ -5118,7 +5230,7 @@
       <dgm:spPr/>
     </dgm:pt>
     <dgm:pt modelId="{F4787B1B-5CDB-4598-B44D-4D8C317F1C38}" type="pres">
-      <dgm:prSet presAssocID="{68CA12FF-01E0-42BA-A8CB-16C00C78D642}" presName="rootConnector" presStyleLbl="node4" presStyleIdx="20" presStyleCnt="34"/>
+      <dgm:prSet presAssocID="{68CA12FF-01E0-42BA-A8CB-16C00C78D642}" presName="rootConnector" presStyleLbl="node4" presStyleIdx="21" presStyleCnt="35"/>
       <dgm:spPr/>
     </dgm:pt>
     <dgm:pt modelId="{BDF03A26-70CB-48E4-9D6D-F52F663D19A7}" type="pres">
@@ -5126,7 +5238,7 @@
       <dgm:spPr/>
     </dgm:pt>
     <dgm:pt modelId="{A3D8CC34-A049-4CD9-B6F6-8FC0A4A5B3C0}" type="pres">
-      <dgm:prSet presAssocID="{907C3A36-BA88-4586-947C-5B43ACCFE9B4}" presName="Name37" presStyleLbl="parChTrans1D4" presStyleIdx="21" presStyleCnt="34"/>
+      <dgm:prSet presAssocID="{907C3A36-BA88-4586-947C-5B43ACCFE9B4}" presName="Name37" presStyleLbl="parChTrans1D4" presStyleIdx="22" presStyleCnt="35"/>
       <dgm:spPr/>
     </dgm:pt>
     <dgm:pt modelId="{7F448A94-763F-4BC2-909C-7AECE697DB4C}" type="pres">
@@ -5142,7 +5254,7 @@
       <dgm:spPr/>
     </dgm:pt>
     <dgm:pt modelId="{78D064D6-9855-4896-A72A-AE08010CCAF8}" type="pres">
-      <dgm:prSet presAssocID="{86E3F875-E050-48E8-B888-378E0FD8DD37}" presName="rootText" presStyleLbl="node4" presStyleIdx="21" presStyleCnt="34">
+      <dgm:prSet presAssocID="{86E3F875-E050-48E8-B888-378E0FD8DD37}" presName="rootText" presStyleLbl="node4" presStyleIdx="22" presStyleCnt="35">
         <dgm:presLayoutVars>
           <dgm:chPref val="3"/>
         </dgm:presLayoutVars>
@@ -5150,7 +5262,7 @@
       <dgm:spPr/>
     </dgm:pt>
     <dgm:pt modelId="{BC0D4DBD-E81B-44EF-B573-0DB1AC2C7A25}" type="pres">
-      <dgm:prSet presAssocID="{86E3F875-E050-48E8-B888-378E0FD8DD37}" presName="rootConnector" presStyleLbl="node4" presStyleIdx="21" presStyleCnt="34"/>
+      <dgm:prSet presAssocID="{86E3F875-E050-48E8-B888-378E0FD8DD37}" presName="rootConnector" presStyleLbl="node4" presStyleIdx="22" presStyleCnt="35"/>
       <dgm:spPr/>
     </dgm:pt>
     <dgm:pt modelId="{96E187D2-EA78-4FB2-AF7F-4FB2B6B700AE}" type="pres">
@@ -5162,7 +5274,7 @@
       <dgm:spPr/>
     </dgm:pt>
     <dgm:pt modelId="{607187E1-F22E-44F6-86C9-9A28B87CB61D}" type="pres">
-      <dgm:prSet presAssocID="{277834FB-99DF-43DB-BAA1-43872E8EDB33}" presName="Name37" presStyleLbl="parChTrans1D4" presStyleIdx="22" presStyleCnt="34"/>
+      <dgm:prSet presAssocID="{277834FB-99DF-43DB-BAA1-43872E8EDB33}" presName="Name37" presStyleLbl="parChTrans1D4" presStyleIdx="23" presStyleCnt="35"/>
       <dgm:spPr/>
     </dgm:pt>
     <dgm:pt modelId="{3E1F36F9-7CD1-4F23-A45A-6FE1538E4854}" type="pres">
@@ -5178,7 +5290,7 @@
       <dgm:spPr/>
     </dgm:pt>
     <dgm:pt modelId="{C66BB263-C221-495D-B18A-4076B768004F}" type="pres">
-      <dgm:prSet presAssocID="{2FE704FD-B11D-43A9-A69D-FECE1E12F001}" presName="rootText" presStyleLbl="node4" presStyleIdx="22" presStyleCnt="34">
+      <dgm:prSet presAssocID="{2FE704FD-B11D-43A9-A69D-FECE1E12F001}" presName="rootText" presStyleLbl="node4" presStyleIdx="23" presStyleCnt="35">
         <dgm:presLayoutVars>
           <dgm:chPref val="3"/>
         </dgm:presLayoutVars>
@@ -5186,7 +5298,7 @@
       <dgm:spPr/>
     </dgm:pt>
     <dgm:pt modelId="{16BD625E-A538-4945-88C5-529288B6339D}" type="pres">
-      <dgm:prSet presAssocID="{2FE704FD-B11D-43A9-A69D-FECE1E12F001}" presName="rootConnector" presStyleLbl="node4" presStyleIdx="22" presStyleCnt="34"/>
+      <dgm:prSet presAssocID="{2FE704FD-B11D-43A9-A69D-FECE1E12F001}" presName="rootConnector" presStyleLbl="node4" presStyleIdx="23" presStyleCnt="35"/>
       <dgm:spPr/>
     </dgm:pt>
     <dgm:pt modelId="{F61FAD55-042D-4DC7-A41C-42691802703A}" type="pres">
@@ -5198,7 +5310,7 @@
       <dgm:spPr/>
     </dgm:pt>
     <dgm:pt modelId="{7999375A-CF53-4859-8699-9F60D57D7777}" type="pres">
-      <dgm:prSet presAssocID="{DB97D647-CA6E-4BC8-B7DC-C11E64A4D133}" presName="Name37" presStyleLbl="parChTrans1D4" presStyleIdx="23" presStyleCnt="34"/>
+      <dgm:prSet presAssocID="{DB97D647-CA6E-4BC8-B7DC-C11E64A4D133}" presName="Name37" presStyleLbl="parChTrans1D4" presStyleIdx="24" presStyleCnt="35"/>
       <dgm:spPr/>
     </dgm:pt>
     <dgm:pt modelId="{FCF8B844-D2FB-4E8B-B06F-D351011D6C21}" type="pres">
@@ -5214,7 +5326,7 @@
       <dgm:spPr/>
     </dgm:pt>
     <dgm:pt modelId="{77B8982D-EE30-4958-A5BB-96C68C88E419}" type="pres">
-      <dgm:prSet presAssocID="{F1DC6111-459C-4C6B-8427-54CE2FF7FCD8}" presName="rootText" presStyleLbl="node4" presStyleIdx="23" presStyleCnt="34">
+      <dgm:prSet presAssocID="{F1DC6111-459C-4C6B-8427-54CE2FF7FCD8}" presName="rootText" presStyleLbl="node4" presStyleIdx="24" presStyleCnt="35">
         <dgm:presLayoutVars>
           <dgm:chPref val="3"/>
         </dgm:presLayoutVars>
@@ -5222,7 +5334,7 @@
       <dgm:spPr/>
     </dgm:pt>
     <dgm:pt modelId="{F3BE5EA5-49F0-4A3D-A293-892BA2BF3AF3}" type="pres">
-      <dgm:prSet presAssocID="{F1DC6111-459C-4C6B-8427-54CE2FF7FCD8}" presName="rootConnector" presStyleLbl="node4" presStyleIdx="23" presStyleCnt="34"/>
+      <dgm:prSet presAssocID="{F1DC6111-459C-4C6B-8427-54CE2FF7FCD8}" presName="rootConnector" presStyleLbl="node4" presStyleIdx="24" presStyleCnt="35"/>
       <dgm:spPr/>
     </dgm:pt>
     <dgm:pt modelId="{11A347AD-0B39-4627-8A14-70D86ECD9FAF}" type="pres">
@@ -5234,7 +5346,7 @@
       <dgm:spPr/>
     </dgm:pt>
     <dgm:pt modelId="{8DB9FFBA-A02B-48C7-8607-A7CDD08771C0}" type="pres">
-      <dgm:prSet presAssocID="{E8DDD819-9945-45AA-984F-097EA8EA32F7}" presName="Name37" presStyleLbl="parChTrans1D4" presStyleIdx="24" presStyleCnt="34"/>
+      <dgm:prSet presAssocID="{E8DDD819-9945-45AA-984F-097EA8EA32F7}" presName="Name37" presStyleLbl="parChTrans1D4" presStyleIdx="25" presStyleCnt="35"/>
       <dgm:spPr/>
     </dgm:pt>
     <dgm:pt modelId="{69204B7B-E864-42AE-B990-E1BF5BF7B5B1}" type="pres">
@@ -5250,7 +5362,7 @@
       <dgm:spPr/>
     </dgm:pt>
     <dgm:pt modelId="{C43893D2-DBE0-4EF4-BF54-FF94FB67D791}" type="pres">
-      <dgm:prSet presAssocID="{BB02E3F6-0C0C-45B6-8E1D-FD940D1C377F}" presName="rootText" presStyleLbl="node4" presStyleIdx="24" presStyleCnt="34">
+      <dgm:prSet presAssocID="{BB02E3F6-0C0C-45B6-8E1D-FD940D1C377F}" presName="rootText" presStyleLbl="node4" presStyleIdx="25" presStyleCnt="35">
         <dgm:presLayoutVars>
           <dgm:chPref val="3"/>
         </dgm:presLayoutVars>
@@ -5258,7 +5370,7 @@
       <dgm:spPr/>
     </dgm:pt>
     <dgm:pt modelId="{D7BB4C8B-2AD8-469D-9142-130E6B0873B7}" type="pres">
-      <dgm:prSet presAssocID="{BB02E3F6-0C0C-45B6-8E1D-FD940D1C377F}" presName="rootConnector" presStyleLbl="node4" presStyleIdx="24" presStyleCnt="34"/>
+      <dgm:prSet presAssocID="{BB02E3F6-0C0C-45B6-8E1D-FD940D1C377F}" presName="rootConnector" presStyleLbl="node4" presStyleIdx="25" presStyleCnt="35"/>
       <dgm:spPr/>
     </dgm:pt>
     <dgm:pt modelId="{E2EAA063-036C-41D0-B130-D72CA7C155A0}" type="pres">
@@ -5270,7 +5382,7 @@
       <dgm:spPr/>
     </dgm:pt>
     <dgm:pt modelId="{74C37079-C1A1-48F9-B226-B8A4E8DF4B0C}" type="pres">
-      <dgm:prSet presAssocID="{3BD9BF9B-1F89-4C77-89B3-5B5F0DFD4B7F}" presName="Name37" presStyleLbl="parChTrans1D4" presStyleIdx="25" presStyleCnt="34"/>
+      <dgm:prSet presAssocID="{3BD9BF9B-1F89-4C77-89B3-5B5F0DFD4B7F}" presName="Name37" presStyleLbl="parChTrans1D4" presStyleIdx="26" presStyleCnt="35"/>
       <dgm:spPr/>
     </dgm:pt>
     <dgm:pt modelId="{E125DD6D-97B5-46F0-B86B-50C8554DAB79}" type="pres">
@@ -5286,7 +5398,7 @@
       <dgm:spPr/>
     </dgm:pt>
     <dgm:pt modelId="{FBF29848-D584-4088-B2B8-81DC5E62F93F}" type="pres">
-      <dgm:prSet presAssocID="{3B71FC76-259A-4376-8916-8FFA379FCA11}" presName="rootText" presStyleLbl="node4" presStyleIdx="25" presStyleCnt="34">
+      <dgm:prSet presAssocID="{3B71FC76-259A-4376-8916-8FFA379FCA11}" presName="rootText" presStyleLbl="node4" presStyleIdx="26" presStyleCnt="35">
         <dgm:presLayoutVars>
           <dgm:chPref val="3"/>
         </dgm:presLayoutVars>
@@ -5294,7 +5406,7 @@
       <dgm:spPr/>
     </dgm:pt>
     <dgm:pt modelId="{F7342020-D0C8-48A4-B295-1D9D2800F942}" type="pres">
-      <dgm:prSet presAssocID="{3B71FC76-259A-4376-8916-8FFA379FCA11}" presName="rootConnector" presStyleLbl="node4" presStyleIdx="25" presStyleCnt="34"/>
+      <dgm:prSet presAssocID="{3B71FC76-259A-4376-8916-8FFA379FCA11}" presName="rootConnector" presStyleLbl="node4" presStyleIdx="26" presStyleCnt="35"/>
       <dgm:spPr/>
     </dgm:pt>
     <dgm:pt modelId="{0F704831-5834-47A3-98B1-92573E5ED024}" type="pres">
@@ -5306,7 +5418,7 @@
       <dgm:spPr/>
     </dgm:pt>
     <dgm:pt modelId="{A354946D-FD05-4616-94F1-FDC237650903}" type="pres">
-      <dgm:prSet presAssocID="{B69D7E51-DFF9-47BE-A3F4-4A4F6F84F6D4}" presName="Name37" presStyleLbl="parChTrans1D4" presStyleIdx="26" presStyleCnt="34"/>
+      <dgm:prSet presAssocID="{B69D7E51-DFF9-47BE-A3F4-4A4F6F84F6D4}" presName="Name37" presStyleLbl="parChTrans1D4" presStyleIdx="27" presStyleCnt="35"/>
       <dgm:spPr/>
     </dgm:pt>
     <dgm:pt modelId="{98A1EEB9-8151-480A-942E-081151196B5C}" type="pres">
@@ -5322,7 +5434,7 @@
       <dgm:spPr/>
     </dgm:pt>
     <dgm:pt modelId="{BC33BA0D-AAC4-4C26-859F-59656C8E0986}" type="pres">
-      <dgm:prSet presAssocID="{E5D07E13-FFA4-4BC7-9ED6-9A3A4D899203}" presName="rootText" presStyleLbl="node4" presStyleIdx="26" presStyleCnt="34">
+      <dgm:prSet presAssocID="{E5D07E13-FFA4-4BC7-9ED6-9A3A4D899203}" presName="rootText" presStyleLbl="node4" presStyleIdx="27" presStyleCnt="35">
         <dgm:presLayoutVars>
           <dgm:chPref val="3"/>
         </dgm:presLayoutVars>
@@ -5330,7 +5442,7 @@
       <dgm:spPr/>
     </dgm:pt>
     <dgm:pt modelId="{E3E8D869-538D-44B0-A229-31BF301F0891}" type="pres">
-      <dgm:prSet presAssocID="{E5D07E13-FFA4-4BC7-9ED6-9A3A4D899203}" presName="rootConnector" presStyleLbl="node4" presStyleIdx="26" presStyleCnt="34"/>
+      <dgm:prSet presAssocID="{E5D07E13-FFA4-4BC7-9ED6-9A3A4D899203}" presName="rootConnector" presStyleLbl="node4" presStyleIdx="27" presStyleCnt="35"/>
       <dgm:spPr/>
     </dgm:pt>
     <dgm:pt modelId="{708A3B27-E0E0-4201-8CD1-C0EC918CADF2}" type="pres">
@@ -5342,7 +5454,7 @@
       <dgm:spPr/>
     </dgm:pt>
     <dgm:pt modelId="{A8A8E70C-B0CD-4166-904E-AE0AD752E691}" type="pres">
-      <dgm:prSet presAssocID="{3B7BF18E-536F-4650-8C25-BA818201D367}" presName="Name37" presStyleLbl="parChTrans1D4" presStyleIdx="27" presStyleCnt="34"/>
+      <dgm:prSet presAssocID="{3B7BF18E-536F-4650-8C25-BA818201D367}" presName="Name37" presStyleLbl="parChTrans1D4" presStyleIdx="28" presStyleCnt="35"/>
       <dgm:spPr/>
     </dgm:pt>
     <dgm:pt modelId="{BE294C8B-D4F0-4245-B530-937731288431}" type="pres">
@@ -5358,7 +5470,7 @@
       <dgm:spPr/>
     </dgm:pt>
     <dgm:pt modelId="{82BC6A22-0D4F-4E1F-A51A-16FA800CB7D2}" type="pres">
-      <dgm:prSet presAssocID="{97D2FEF3-CF15-4DC5-ACE4-3E8E9A70FB97}" presName="rootText" presStyleLbl="node4" presStyleIdx="27" presStyleCnt="34">
+      <dgm:prSet presAssocID="{97D2FEF3-CF15-4DC5-ACE4-3E8E9A70FB97}" presName="rootText" presStyleLbl="node4" presStyleIdx="28" presStyleCnt="35">
         <dgm:presLayoutVars>
           <dgm:chPref val="3"/>
         </dgm:presLayoutVars>
@@ -5366,7 +5478,7 @@
       <dgm:spPr/>
     </dgm:pt>
     <dgm:pt modelId="{AA261B5C-19A1-4FF6-AC8E-B31CE5E880F8}" type="pres">
-      <dgm:prSet presAssocID="{97D2FEF3-CF15-4DC5-ACE4-3E8E9A70FB97}" presName="rootConnector" presStyleLbl="node4" presStyleIdx="27" presStyleCnt="34"/>
+      <dgm:prSet presAssocID="{97D2FEF3-CF15-4DC5-ACE4-3E8E9A70FB97}" presName="rootConnector" presStyleLbl="node4" presStyleIdx="28" presStyleCnt="35"/>
       <dgm:spPr/>
     </dgm:pt>
     <dgm:pt modelId="{B6A1CA7D-3C76-4E96-9087-C5E6971697E7}" type="pres">
@@ -5382,7 +5494,7 @@
       <dgm:spPr/>
     </dgm:pt>
     <dgm:pt modelId="{D4303B95-8E66-48F0-977B-32408A6D1E80}" type="pres">
-      <dgm:prSet presAssocID="{0986B82E-35EA-44C9-8552-0C77F85AED10}" presName="Name37" presStyleLbl="parChTrans1D4" presStyleIdx="28" presStyleCnt="34"/>
+      <dgm:prSet presAssocID="{0986B82E-35EA-44C9-8552-0C77F85AED10}" presName="Name37" presStyleLbl="parChTrans1D4" presStyleIdx="29" presStyleCnt="35"/>
       <dgm:spPr/>
     </dgm:pt>
     <dgm:pt modelId="{DB6CCE71-24F9-4226-B6C2-09CC46E0A3B1}" type="pres">
@@ -5398,7 +5510,7 @@
       <dgm:spPr/>
     </dgm:pt>
     <dgm:pt modelId="{A28205EF-33EE-49F6-8BA6-906C927955CE}" type="pres">
-      <dgm:prSet presAssocID="{EF471FA5-463C-4693-A34E-777119406158}" presName="rootText" presStyleLbl="node4" presStyleIdx="28" presStyleCnt="34">
+      <dgm:prSet presAssocID="{EF471FA5-463C-4693-A34E-777119406158}" presName="rootText" presStyleLbl="node4" presStyleIdx="29" presStyleCnt="35">
         <dgm:presLayoutVars>
           <dgm:chPref val="3"/>
         </dgm:presLayoutVars>
@@ -5406,7 +5518,7 @@
       <dgm:spPr/>
     </dgm:pt>
     <dgm:pt modelId="{FD115849-67EC-4C4A-9062-477E26A41EE2}" type="pres">
-      <dgm:prSet presAssocID="{EF471FA5-463C-4693-A34E-777119406158}" presName="rootConnector" presStyleLbl="node4" presStyleIdx="28" presStyleCnt="34"/>
+      <dgm:prSet presAssocID="{EF471FA5-463C-4693-A34E-777119406158}" presName="rootConnector" presStyleLbl="node4" presStyleIdx="29" presStyleCnt="35"/>
       <dgm:spPr/>
     </dgm:pt>
     <dgm:pt modelId="{CDE01D47-E465-4D54-A2BB-C262803FB0A7}" type="pres">
@@ -5418,7 +5530,7 @@
       <dgm:spPr/>
     </dgm:pt>
     <dgm:pt modelId="{50CC3F46-467C-483C-8494-965F5A90FADC}" type="pres">
-      <dgm:prSet presAssocID="{6FD59E30-07ED-407D-832B-B4C1D48FCE2F}" presName="Name37" presStyleLbl="parChTrans1D4" presStyleIdx="29" presStyleCnt="34"/>
+      <dgm:prSet presAssocID="{6FD59E30-07ED-407D-832B-B4C1D48FCE2F}" presName="Name37" presStyleLbl="parChTrans1D4" presStyleIdx="30" presStyleCnt="35"/>
       <dgm:spPr/>
     </dgm:pt>
     <dgm:pt modelId="{E7327D30-D5C5-4627-954E-9ED1EBA2B5DD}" type="pres">
@@ -5434,7 +5546,7 @@
       <dgm:spPr/>
     </dgm:pt>
     <dgm:pt modelId="{EF62B89B-D694-4364-ADA9-F7D5A34ABDBC}" type="pres">
-      <dgm:prSet presAssocID="{CD469B55-C4AC-4628-A755-97C858CCCD1D}" presName="rootText" presStyleLbl="node4" presStyleIdx="29" presStyleCnt="34">
+      <dgm:prSet presAssocID="{CD469B55-C4AC-4628-A755-97C858CCCD1D}" presName="rootText" presStyleLbl="node4" presStyleIdx="30" presStyleCnt="35">
         <dgm:presLayoutVars>
           <dgm:chPref val="3"/>
         </dgm:presLayoutVars>
@@ -5442,7 +5554,7 @@
       <dgm:spPr/>
     </dgm:pt>
     <dgm:pt modelId="{4E365F48-7B0D-4008-A668-8F565661A76A}" type="pres">
-      <dgm:prSet presAssocID="{CD469B55-C4AC-4628-A755-97C858CCCD1D}" presName="rootConnector" presStyleLbl="node4" presStyleIdx="29" presStyleCnt="34"/>
+      <dgm:prSet presAssocID="{CD469B55-C4AC-4628-A755-97C858CCCD1D}" presName="rootConnector" presStyleLbl="node4" presStyleIdx="30" presStyleCnt="35"/>
       <dgm:spPr/>
     </dgm:pt>
     <dgm:pt modelId="{C15A9B46-1F5C-4E87-B34C-10B73E528650}" type="pres">
@@ -5454,7 +5566,7 @@
       <dgm:spPr/>
     </dgm:pt>
     <dgm:pt modelId="{4D490EF5-FA3F-42C1-9D35-50EB7596086D}" type="pres">
-      <dgm:prSet presAssocID="{81FC6209-2AA5-4412-B017-70BD153BA599}" presName="Name37" presStyleLbl="parChTrans1D4" presStyleIdx="30" presStyleCnt="34"/>
+      <dgm:prSet presAssocID="{81FC6209-2AA5-4412-B017-70BD153BA599}" presName="Name37" presStyleLbl="parChTrans1D4" presStyleIdx="31" presStyleCnt="35"/>
       <dgm:spPr/>
     </dgm:pt>
     <dgm:pt modelId="{F23C28F3-C31E-4D09-88BA-E6939B36B602}" type="pres">
@@ -5470,7 +5582,7 @@
       <dgm:spPr/>
     </dgm:pt>
     <dgm:pt modelId="{675084BB-B229-471B-9FD2-8E31127A1060}" type="pres">
-      <dgm:prSet presAssocID="{7F8A0151-F7CF-4865-80B5-06D72A6B44D6}" presName="rootText" presStyleLbl="node4" presStyleIdx="30" presStyleCnt="34">
+      <dgm:prSet presAssocID="{7F8A0151-F7CF-4865-80B5-06D72A6B44D6}" presName="rootText" presStyleLbl="node4" presStyleIdx="31" presStyleCnt="35">
         <dgm:presLayoutVars>
           <dgm:chPref val="3"/>
         </dgm:presLayoutVars>
@@ -5478,7 +5590,7 @@
       <dgm:spPr/>
     </dgm:pt>
     <dgm:pt modelId="{72D3E350-6D73-46CE-AF2F-E06E16C9DE1D}" type="pres">
-      <dgm:prSet presAssocID="{7F8A0151-F7CF-4865-80B5-06D72A6B44D6}" presName="rootConnector" presStyleLbl="node4" presStyleIdx="30" presStyleCnt="34"/>
+      <dgm:prSet presAssocID="{7F8A0151-F7CF-4865-80B5-06D72A6B44D6}" presName="rootConnector" presStyleLbl="node4" presStyleIdx="31" presStyleCnt="35"/>
       <dgm:spPr/>
     </dgm:pt>
     <dgm:pt modelId="{1E26EEDC-5B6C-46FD-8C27-C41C51AB2462}" type="pres">
@@ -5526,7 +5638,7 @@
       <dgm:spPr/>
     </dgm:pt>
     <dgm:pt modelId="{C221E353-FCA6-47E3-93AF-EA75D4B10F95}" type="pres">
-      <dgm:prSet presAssocID="{0BF9D9D6-1612-4F4E-9974-AA915CC3EBCF}" presName="Name37" presStyleLbl="parChTrans1D4" presStyleIdx="31" presStyleCnt="34"/>
+      <dgm:prSet presAssocID="{0BF9D9D6-1612-4F4E-9974-AA915CC3EBCF}" presName="Name37" presStyleLbl="parChTrans1D4" presStyleIdx="32" presStyleCnt="35"/>
       <dgm:spPr/>
     </dgm:pt>
     <dgm:pt modelId="{DE0CD1D5-B83D-42FF-8065-822AB5A0E12A}" type="pres">
@@ -5542,7 +5654,7 @@
       <dgm:spPr/>
     </dgm:pt>
     <dgm:pt modelId="{023B7140-E980-4804-B080-CA38D0CD0BAF}" type="pres">
-      <dgm:prSet presAssocID="{11FDB6E6-D631-4CF2-B911-AA6DAD314852}" presName="rootText" presStyleLbl="node4" presStyleIdx="31" presStyleCnt="34">
+      <dgm:prSet presAssocID="{11FDB6E6-D631-4CF2-B911-AA6DAD314852}" presName="rootText" presStyleLbl="node4" presStyleIdx="32" presStyleCnt="35">
         <dgm:presLayoutVars>
           <dgm:chPref val="3"/>
         </dgm:presLayoutVars>
@@ -5550,7 +5662,7 @@
       <dgm:spPr/>
     </dgm:pt>
     <dgm:pt modelId="{E7E5F82B-0350-4EBF-9A5A-A9E56184C5A8}" type="pres">
-      <dgm:prSet presAssocID="{11FDB6E6-D631-4CF2-B911-AA6DAD314852}" presName="rootConnector" presStyleLbl="node4" presStyleIdx="31" presStyleCnt="34"/>
+      <dgm:prSet presAssocID="{11FDB6E6-D631-4CF2-B911-AA6DAD314852}" presName="rootConnector" presStyleLbl="node4" presStyleIdx="32" presStyleCnt="35"/>
       <dgm:spPr/>
     </dgm:pt>
     <dgm:pt modelId="{EE0E09A1-9FF0-406F-B138-799D1FD739B1}" type="pres">
@@ -5562,7 +5674,7 @@
       <dgm:spPr/>
     </dgm:pt>
     <dgm:pt modelId="{6240096B-ED5B-401D-8716-E981D80E2DDC}" type="pres">
-      <dgm:prSet presAssocID="{AE1AE8E2-5C07-4C61-B80E-0CC545AB9D23}" presName="Name37" presStyleLbl="parChTrans1D4" presStyleIdx="32" presStyleCnt="34"/>
+      <dgm:prSet presAssocID="{AE1AE8E2-5C07-4C61-B80E-0CC545AB9D23}" presName="Name37" presStyleLbl="parChTrans1D4" presStyleIdx="33" presStyleCnt="35"/>
       <dgm:spPr/>
     </dgm:pt>
     <dgm:pt modelId="{C15AEC64-A1E6-4883-B783-F8B685FBBDBE}" type="pres">
@@ -5578,7 +5690,7 @@
       <dgm:spPr/>
     </dgm:pt>
     <dgm:pt modelId="{64CA20CA-7EE8-4945-AF16-210537A7FCF3}" type="pres">
-      <dgm:prSet presAssocID="{1D90C209-28FB-4CA0-A814-CCE726D99BF0}" presName="rootText" presStyleLbl="node4" presStyleIdx="32" presStyleCnt="34">
+      <dgm:prSet presAssocID="{1D90C209-28FB-4CA0-A814-CCE726D99BF0}" presName="rootText" presStyleLbl="node4" presStyleIdx="33" presStyleCnt="35">
         <dgm:presLayoutVars>
           <dgm:chPref val="3"/>
         </dgm:presLayoutVars>
@@ -5586,7 +5698,7 @@
       <dgm:spPr/>
     </dgm:pt>
     <dgm:pt modelId="{978307F7-F30B-49E7-80E3-E1D5B312B6DA}" type="pres">
-      <dgm:prSet presAssocID="{1D90C209-28FB-4CA0-A814-CCE726D99BF0}" presName="rootConnector" presStyleLbl="node4" presStyleIdx="32" presStyleCnt="34"/>
+      <dgm:prSet presAssocID="{1D90C209-28FB-4CA0-A814-CCE726D99BF0}" presName="rootConnector" presStyleLbl="node4" presStyleIdx="33" presStyleCnt="35"/>
       <dgm:spPr/>
     </dgm:pt>
     <dgm:pt modelId="{8F58357E-1407-47BA-87DD-14A1BDC002D5}" type="pres">
@@ -5670,7 +5782,7 @@
       <dgm:spPr/>
     </dgm:pt>
     <dgm:pt modelId="{B1D086F0-0A1A-4E84-BAE3-755A0F67AA03}" type="pres">
-      <dgm:prSet presAssocID="{B7E0C04E-0D8C-480D-9B39-58200B9FC5C3}" presName="Name37" presStyleLbl="parChTrans1D4" presStyleIdx="33" presStyleCnt="34"/>
+      <dgm:prSet presAssocID="{B7E0C04E-0D8C-480D-9B39-58200B9FC5C3}" presName="Name37" presStyleLbl="parChTrans1D4" presStyleIdx="34" presStyleCnt="35"/>
       <dgm:spPr/>
     </dgm:pt>
     <dgm:pt modelId="{F2AF87EB-3462-4B35-A56F-849DF03F0A27}" type="pres">
@@ -5686,7 +5798,7 @@
       <dgm:spPr/>
     </dgm:pt>
     <dgm:pt modelId="{04AD8C44-14D9-4A94-8218-D787DE7D4E19}" type="pres">
-      <dgm:prSet presAssocID="{6B5BE46A-614B-45DE-A4B5-9C4920B666AA}" presName="rootText" presStyleLbl="node4" presStyleIdx="33" presStyleCnt="34">
+      <dgm:prSet presAssocID="{6B5BE46A-614B-45DE-A4B5-9C4920B666AA}" presName="rootText" presStyleLbl="node4" presStyleIdx="34" presStyleCnt="35">
         <dgm:presLayoutVars>
           <dgm:chPref val="3"/>
         </dgm:presLayoutVars>
@@ -5694,7 +5806,7 @@
       <dgm:spPr/>
     </dgm:pt>
     <dgm:pt modelId="{FDC3F3BB-869A-4BF4-AC2C-CEDF5B86D3BB}" type="pres">
-      <dgm:prSet presAssocID="{6B5BE46A-614B-45DE-A4B5-9C4920B666AA}" presName="rootConnector" presStyleLbl="node4" presStyleIdx="33" presStyleCnt="34"/>
+      <dgm:prSet presAssocID="{6B5BE46A-614B-45DE-A4B5-9C4920B666AA}" presName="rootConnector" presStyleLbl="node4" presStyleIdx="34" presStyleCnt="35"/>
       <dgm:spPr/>
     </dgm:pt>
     <dgm:pt modelId="{38E9C639-1F0B-43BF-A547-CFF82177E6F3}" type="pres">
@@ -5885,6 +5997,7 @@
     <dgm:cxn modelId="{9FE20F3F-99B6-49E9-AEDE-00E9A9E7C988}" type="presOf" srcId="{582FCA8F-E01D-4B48-B54D-F25AAAD4DDF5}" destId="{D35B109F-D4BC-4824-8B23-5E94F11A6CAE}" srcOrd="1" destOrd="0" presId="urn:microsoft.com/office/officeart/2005/8/layout/orgChart1"/>
     <dgm:cxn modelId="{2569BA40-F0E9-4015-A01F-E03B01B6CE51}" type="presOf" srcId="{5D78DA16-60BF-4C08-A6DF-829AB0105586}" destId="{79FFCC07-69DA-4E40-895A-49A1DFE7D191}" srcOrd="0" destOrd="0" presId="urn:microsoft.com/office/officeart/2005/8/layout/orgChart1"/>
     <dgm:cxn modelId="{E4F65C5C-9453-4258-BE15-FECA998CC0A4}" type="presOf" srcId="{EC3FA7BE-4A6B-4B8F-80B8-68F98424A46F}" destId="{EFC0051E-B1CD-4701-9B49-2699F6CE303F}" srcOrd="0" destOrd="0" presId="urn:microsoft.com/office/officeart/2005/8/layout/orgChart1"/>
+    <dgm:cxn modelId="{C60F8B5C-688B-40E9-9505-9334A61840A2}" type="presOf" srcId="{861B33FC-E61D-45A4-9966-2EEB96408F01}" destId="{7C2803AC-EAA4-4F72-A5D1-AE34EB6B6891}" srcOrd="0" destOrd="0" presId="urn:microsoft.com/office/officeart/2005/8/layout/orgChart1"/>
     <dgm:cxn modelId="{E408D75C-70C9-40A5-97BC-5E0AB5998C3F}" type="presOf" srcId="{C686A69B-38E8-46F5-9A40-D1B71147D0CC}" destId="{328C33F0-CE3F-403D-AEE7-ECE0AEBDA287}" srcOrd="0" destOrd="0" presId="urn:microsoft.com/office/officeart/2005/8/layout/orgChart1"/>
     <dgm:cxn modelId="{1641AE5D-BB59-48DA-AB42-F5E704585421}" type="presOf" srcId="{A2FC1B88-267F-4468-8E50-E44680C736A1}" destId="{19103DF3-14E3-49BA-9EDB-58FF08393C6B}" srcOrd="1" destOrd="0" presId="urn:microsoft.com/office/officeart/2005/8/layout/orgChart1"/>
     <dgm:cxn modelId="{3D634A41-A0E9-42F8-B449-9A1B0F25C081}" type="presOf" srcId="{068E94F1-4579-4B2F-88A1-2A615D2CB341}" destId="{D0E276E0-5538-4FD0-8B4F-78EBAC29DA2A}" srcOrd="0" destOrd="0" presId="urn:microsoft.com/office/officeart/2005/8/layout/orgChart1"/>
@@ -5951,6 +6064,7 @@
     <dgm:cxn modelId="{7A031794-1916-434C-91F6-6F3CFED0F900}" type="presOf" srcId="{3BEEC2F4-9E0B-4475-8104-DD637D2A0E6D}" destId="{B10C1C61-05E7-4EA9-9300-3D5F81AEE1DE}" srcOrd="0" destOrd="0" presId="urn:microsoft.com/office/officeart/2005/8/layout/orgChart1"/>
     <dgm:cxn modelId="{30222494-F2A8-45A8-8805-53231BAC69E2}" type="presOf" srcId="{D6EC75BF-78DD-4FE9-9DEB-4A03DEBF35EA}" destId="{2C7653CB-7E08-4972-8FCF-D37D5C74068A}" srcOrd="0" destOrd="0" presId="urn:microsoft.com/office/officeart/2005/8/layout/orgChart1"/>
     <dgm:cxn modelId="{D16F6194-1662-4D4F-8CF7-BB0D0AF4BDF5}" type="presOf" srcId="{501EFB47-CA2E-4B02-B2BD-40CC8D92A215}" destId="{D4796F5D-31F4-4ABE-A749-B97571121217}" srcOrd="1" destOrd="0" presId="urn:microsoft.com/office/officeart/2005/8/layout/orgChart1"/>
+    <dgm:cxn modelId="{C0878995-F656-4369-BAD3-3EAAE3B02BF3}" srcId="{B0964F5C-DCD2-4B40-9671-5A410B8960C8}" destId="{861B33FC-E61D-45A4-9966-2EEB96408F01}" srcOrd="3" destOrd="0" parTransId="{07CD85DD-4308-41AC-9D61-FF4CEDC1D8A7}" sibTransId="{9FEF2309-283D-4D1C-A8EE-AB8F9422C459}"/>
     <dgm:cxn modelId="{BDB20D96-849F-4C6F-928B-EECFD5FF6A08}" type="presOf" srcId="{11FDB6E6-D631-4CF2-B911-AA6DAD314852}" destId="{E7E5F82B-0350-4EBF-9A5A-A9E56184C5A8}" srcOrd="1" destOrd="0" presId="urn:microsoft.com/office/officeart/2005/8/layout/orgChart1"/>
     <dgm:cxn modelId="{82A58099-F2F6-4A09-9897-28008171CCC8}" srcId="{68CA12FF-01E0-42BA-A8CB-16C00C78D642}" destId="{BB02E3F6-0C0C-45B6-8E1D-FD940D1C377F}" srcOrd="3" destOrd="0" parTransId="{E8DDD819-9945-45AA-984F-097EA8EA32F7}" sibTransId="{039213F5-9818-4790-B45A-0DB0C6F407EA}"/>
     <dgm:cxn modelId="{B2CFE499-85F1-4814-AD7C-547A4992F55B}" type="presOf" srcId="{FB509B1D-0475-456A-B428-53D960A1051F}" destId="{0C82D98B-2D82-4A36-B8C5-BE32F42E570E}" srcOrd="1" destOrd="0" presId="urn:microsoft.com/office/officeart/2005/8/layout/orgChart1"/>
@@ -5977,7 +6091,9 @@
     <dgm:cxn modelId="{635EA6B6-AD38-41D2-BCB3-8C667C998978}" type="presOf" srcId="{2FE704FD-B11D-43A9-A69D-FECE1E12F001}" destId="{16BD625E-A538-4945-88C5-529288B6339D}" srcOrd="1" destOrd="0" presId="urn:microsoft.com/office/officeart/2005/8/layout/orgChart1"/>
     <dgm:cxn modelId="{2FF8DAB6-A3A8-452D-9CEE-7C682BFC4E09}" type="presOf" srcId="{0BF9D9D6-1612-4F4E-9974-AA915CC3EBCF}" destId="{C221E353-FCA6-47E3-93AF-EA75D4B10F95}" srcOrd="0" destOrd="0" presId="urn:microsoft.com/office/officeart/2005/8/layout/orgChart1"/>
     <dgm:cxn modelId="{B8F4F8B7-408E-43BD-9965-A5DF37D29EE1}" srcId="{68CA12FF-01E0-42BA-A8CB-16C00C78D642}" destId="{97D2FEF3-CF15-4DC5-ACE4-3E8E9A70FB97}" srcOrd="6" destOrd="0" parTransId="{3B7BF18E-536F-4650-8C25-BA818201D367}" sibTransId="{DE89D3CE-8892-481E-8BBC-D4D62557B62A}"/>
+    <dgm:cxn modelId="{7E4EC4B8-8C9D-4F93-8649-81BAA91E55E2}" type="presOf" srcId="{07CD85DD-4308-41AC-9D61-FF4CEDC1D8A7}" destId="{2CF6765D-2622-428A-BB8D-D5FD50718F5D}" srcOrd="0" destOrd="0" presId="urn:microsoft.com/office/officeart/2005/8/layout/orgChart1"/>
     <dgm:cxn modelId="{EFF8C7B9-AD4A-4316-9C62-4F1284405990}" srcId="{BA0855C1-FF26-4F34-81EA-EDFB66CABCB6}" destId="{68B51442-9F0C-4AEB-92D4-926E53EE7D57}" srcOrd="1" destOrd="0" parTransId="{2D8626D0-A720-4D84-827D-FA068071FA1D}" sibTransId="{3E271CBC-C71F-434D-8C41-50AF5A0CB18C}"/>
+    <dgm:cxn modelId="{71293CBA-527E-4DE4-9C26-C9209576C338}" type="presOf" srcId="{861B33FC-E61D-45A4-9966-2EEB96408F01}" destId="{AD22ADF7-D5FF-40E2-ACC0-6AC7AA556C09}" srcOrd="1" destOrd="0" presId="urn:microsoft.com/office/officeart/2005/8/layout/orgChart1"/>
     <dgm:cxn modelId="{E8AA7CBB-7336-4A9C-9D51-9686DEB9AED2}" type="presOf" srcId="{6A26DC54-5337-4C76-AE8C-23E55631615B}" destId="{1B84E7D1-EE65-49D8-9318-F48BAF180108}" srcOrd="0" destOrd="0" presId="urn:microsoft.com/office/officeart/2005/8/layout/orgChart1"/>
     <dgm:cxn modelId="{64840DBC-DDD3-413A-B98B-994CDE58559A}" type="presOf" srcId="{68B51442-9F0C-4AEB-92D4-926E53EE7D57}" destId="{B29C5A1F-F3B6-42B0-80FF-FAA65CA046A8}" srcOrd="0" destOrd="0" presId="urn:microsoft.com/office/officeart/2005/8/layout/orgChart1"/>
     <dgm:cxn modelId="{81F3C3BF-F42C-4B8E-9CBA-CDCB0B03B68A}" srcId="{13D8A341-387E-42C1-9D9A-C7E86D96DF59}" destId="{DB8C8AA5-7FA7-443F-ABF4-DEA14F9E8E63}" srcOrd="4" destOrd="0" parTransId="{395160B3-0F89-4711-A607-4743C08A0C2C}" sibTransId="{A1B6522E-F94E-48F7-8D86-E8158EFF1501}"/>
@@ -6114,6 +6230,13 @@
     <dgm:cxn modelId="{E905D39D-2014-4F55-A245-07F0AA2D8475}" type="presParOf" srcId="{0BE1BC8E-2813-4B17-B951-7872D1B9354D}" destId="{389426F9-72AA-4778-B1FF-FAEB42E021C8}" srcOrd="1" destOrd="0" presId="urn:microsoft.com/office/officeart/2005/8/layout/orgChart1"/>
     <dgm:cxn modelId="{7AA2B42B-6EF2-424C-B021-1BD6F2DC02FC}" type="presParOf" srcId="{E71D8634-9D86-4E61-839E-3915DCC3E947}" destId="{AF27F5A6-CF60-40CE-AF9C-1E30CD749070}" srcOrd="1" destOrd="0" presId="urn:microsoft.com/office/officeart/2005/8/layout/orgChart1"/>
     <dgm:cxn modelId="{2703755A-096C-48C1-A2A3-FBA962656E1F}" type="presParOf" srcId="{E71D8634-9D86-4E61-839E-3915DCC3E947}" destId="{9BE8060F-B3C5-44C7-830E-36C070824386}" srcOrd="2" destOrd="0" presId="urn:microsoft.com/office/officeart/2005/8/layout/orgChart1"/>
+    <dgm:cxn modelId="{712054B5-684C-457D-A273-9F49F2C90D15}" type="presParOf" srcId="{AB54D0E7-D314-42E6-89A3-84171F5F10C3}" destId="{2CF6765D-2622-428A-BB8D-D5FD50718F5D}" srcOrd="6" destOrd="0" presId="urn:microsoft.com/office/officeart/2005/8/layout/orgChart1"/>
+    <dgm:cxn modelId="{AA13AE7E-65EE-4835-9CB5-FECC6E449D81}" type="presParOf" srcId="{AB54D0E7-D314-42E6-89A3-84171F5F10C3}" destId="{F3D00D51-14AC-4BEB-9679-14C174B660E0}" srcOrd="7" destOrd="0" presId="urn:microsoft.com/office/officeart/2005/8/layout/orgChart1"/>
+    <dgm:cxn modelId="{2CF059DA-9BDE-456B-9DC5-2D407B9F43F4}" type="presParOf" srcId="{F3D00D51-14AC-4BEB-9679-14C174B660E0}" destId="{046C9D88-F7E4-4667-A881-1C36A1478CD6}" srcOrd="0" destOrd="0" presId="urn:microsoft.com/office/officeart/2005/8/layout/orgChart1"/>
+    <dgm:cxn modelId="{DE96BBCF-4E93-4284-B31D-5970D6AD66E4}" type="presParOf" srcId="{046C9D88-F7E4-4667-A881-1C36A1478CD6}" destId="{7C2803AC-EAA4-4F72-A5D1-AE34EB6B6891}" srcOrd="0" destOrd="0" presId="urn:microsoft.com/office/officeart/2005/8/layout/orgChart1"/>
+    <dgm:cxn modelId="{B5948D8A-AD65-4A53-B6B6-73B917A8E826}" type="presParOf" srcId="{046C9D88-F7E4-4667-A881-1C36A1478CD6}" destId="{AD22ADF7-D5FF-40E2-ACC0-6AC7AA556C09}" srcOrd="1" destOrd="0" presId="urn:microsoft.com/office/officeart/2005/8/layout/orgChart1"/>
+    <dgm:cxn modelId="{2B228AC5-57B8-4D68-8725-C025BE3F754D}" type="presParOf" srcId="{F3D00D51-14AC-4BEB-9679-14C174B660E0}" destId="{61751800-716E-4596-8CEC-E24D17EEF1E8}" srcOrd="1" destOrd="0" presId="urn:microsoft.com/office/officeart/2005/8/layout/orgChart1"/>
+    <dgm:cxn modelId="{B5898630-EB87-40EA-8C11-60519702F7E9}" type="presParOf" srcId="{F3D00D51-14AC-4BEB-9679-14C174B660E0}" destId="{7D564409-5D86-4B48-B8B2-ECF855FEDBEF}" srcOrd="2" destOrd="0" presId="urn:microsoft.com/office/officeart/2005/8/layout/orgChart1"/>
     <dgm:cxn modelId="{7956C6B9-567B-42EE-8DC3-B423BBE082B8}" type="presParOf" srcId="{F948E8EC-7FA3-48FD-834A-350FB4F7A16B}" destId="{6F7AF18C-DAC7-4E51-995E-FF62B0A7C42F}" srcOrd="2" destOrd="0" presId="urn:microsoft.com/office/officeart/2005/8/layout/orgChart1"/>
     <dgm:cxn modelId="{3325ACED-C1DA-4D88-9F13-80991A8B7C24}" type="presParOf" srcId="{D4105824-2886-4289-8324-0335C382BB8E}" destId="{267F4B88-22BA-407D-906B-17AA94A27209}" srcOrd="2" destOrd="0" presId="urn:microsoft.com/office/officeart/2005/8/layout/orgChart1"/>
     <dgm:cxn modelId="{02B700B0-7559-4F4B-9D5D-FEB92C1D6089}" type="presParOf" srcId="{D4105824-2886-4289-8324-0335C382BB8E}" destId="{8346A04A-1691-4ADA-AAE5-A657320BA91D}" srcOrd="3" destOrd="0" presId="urn:microsoft.com/office/officeart/2005/8/layout/orgChart1"/>
@@ -8617,6 +8740,65 @@
         <a:fontRef idx="minor"/>
       </dsp:style>
     </dsp:sp>
+    <dsp:sp modelId="{2CF6765D-2622-428A-BB8D-D5FD50718F5D}">
+      <dsp:nvSpPr>
+        <dsp:cNvPr id="0" name=""/>
+        <dsp:cNvSpPr/>
+      </dsp:nvSpPr>
+      <dsp:spPr>
+        <a:xfrm>
+          <a:off x="1698093" y="2169447"/>
+          <a:ext cx="95786" cy="1735234"/>
+        </a:xfrm>
+        <a:custGeom>
+          <a:avLst/>
+          <a:gdLst/>
+          <a:ahLst/>
+          <a:cxnLst/>
+          <a:rect l="0" t="0" r="0" b="0"/>
+          <a:pathLst>
+            <a:path>
+              <a:moveTo>
+                <a:pt x="0" y="0"/>
+              </a:moveTo>
+              <a:lnTo>
+                <a:pt x="0" y="1735234"/>
+              </a:lnTo>
+              <a:lnTo>
+                <a:pt x="95786" y="1735234"/>
+              </a:lnTo>
+            </a:path>
+          </a:pathLst>
+        </a:custGeom>
+        <a:noFill/>
+        <a:ln w="12700" cap="flat" cmpd="sng" algn="ctr">
+          <a:solidFill>
+            <a:schemeClr val="dk1">
+              <a:shade val="80000"/>
+              <a:hueOff val="0"/>
+              <a:satOff val="0"/>
+              <a:lumOff val="0"/>
+              <a:alphaOff val="0"/>
+            </a:schemeClr>
+          </a:solidFill>
+          <a:prstDash val="solid"/>
+          <a:miter lim="800000"/>
+        </a:ln>
+        <a:effectLst/>
+      </dsp:spPr>
+      <dsp:style>
+        <a:lnRef idx="2">
+          <a:scrgbClr r="0" g="0" b="0"/>
+        </a:lnRef>
+        <a:fillRef idx="0">
+          <a:scrgbClr r="0" g="0" b="0"/>
+        </a:fillRef>
+        <a:effectRef idx="0">
+          <a:scrgbClr r="0" g="0" b="0"/>
+        </a:effectRef>
+        <a:fontRef idx="minor"/>
+      </dsp:style>
+    </dsp:sp>
     <dsp:sp modelId="{442830CD-5FD7-491D-99C2-C442003DFE3C}">
       <dsp:nvSpPr>
         <dsp:cNvPr id="0" name=""/>
@@ -10590,20 +10772,119 @@
             <a:buNone/>
           </a:pPr>
           <a:r>
-            <a:rPr lang="de-DE" sz="500" kern="1200"/>
+            <a:rPr lang="de-DE" sz="500" kern="1200" dirty="0"/>
             <a:t>AP 2.1.3</a:t>
           </a:r>
           <a:br>
-            <a:rPr lang="de-DE" sz="500" kern="1200"/>
+            <a:rPr lang="de-DE" sz="500" kern="1200" dirty="0"/>
           </a:br>
           <a:r>
-            <a:rPr lang="de-DE" sz="500" kern="1200"/>
+            <a:rPr lang="de-DE" sz="500" kern="1200" dirty="0"/>
             <a:t>Bestimmung der Verantwortlichkeiten</a:t>
           </a:r>
         </a:p>
       </dsp:txBody>
       <dsp:txXfrm>
         <a:off x="1793879" y="3261506"/>
+        <a:ext cx="669974" cy="334987"/>
+      </dsp:txXfrm>
+    </dsp:sp>
+    <dsp:sp modelId="{7C2803AC-EAA4-4F72-A5D1-AE34EB6B6891}">
+      <dsp:nvSpPr>
+        <dsp:cNvPr id="0" name=""/>
+        <dsp:cNvSpPr/>
+      </dsp:nvSpPr>
+      <dsp:spPr>
+        <a:xfrm>
+          <a:off x="1793879" y="3737188"/>
+          <a:ext cx="669974" cy="334987"/>
+        </a:xfrm>
+        <a:prstGeom prst="rect">
+          <a:avLst/>
+        </a:prstGeom>
+        <a:gradFill rotWithShape="1">
+          <a:gsLst>
+            <a:gs pos="0">
+              <a:schemeClr val="accent6">
+                <a:lumMod val="110000"/>
+                <a:satMod val="105000"/>
+                <a:tint val="67000"/>
+              </a:schemeClr>
+            </a:gs>
+            <a:gs pos="50000">
+              <a:schemeClr val="accent6">
+                <a:lumMod val="105000"/>
+                <a:satMod val="103000"/>
+                <a:tint val="73000"/>
+              </a:schemeClr>
+            </a:gs>
+            <a:gs pos="100000">
+              <a:schemeClr val="accent6">
+                <a:lumMod val="105000"/>
+                <a:satMod val="109000"/>
+                <a:tint val="81000"/>
+              </a:schemeClr>
+            </a:gs>
+          </a:gsLst>
+          <a:lin ang="5400000" scaled="0"/>
+        </a:gradFill>
+        <a:ln w="6350" cap="flat" cmpd="sng" algn="ctr">
+          <a:solidFill>
+            <a:schemeClr val="accent6"/>
+          </a:solidFill>
+          <a:prstDash val="solid"/>
+          <a:miter lim="800000"/>
+        </a:ln>
+        <a:effectLst/>
+      </dsp:spPr>
+      <dsp:style>
+        <a:lnRef idx="1">
+          <a:schemeClr val="accent6"/>
+        </a:lnRef>
+        <a:fillRef idx="2">
+          <a:schemeClr val="accent6"/>
+        </a:fillRef>
+        <a:effectRef idx="1">
+          <a:schemeClr val="accent6"/>
+        </a:effectRef>
+        <a:fontRef idx="minor">
+          <a:schemeClr val="dk1"/>
+        </a:fontRef>
+      </dsp:style>
+      <dsp:txBody>
+        <a:bodyPr spcFirstLastPara="0" vert="horz" wrap="square" lIns="3175" tIns="3175" rIns="3175" bIns="3175" numCol="1" spcCol="1270" anchor="ctr" anchorCtr="0">
+          <a:noAutofit/>
+        </a:bodyPr>
+        <a:lstStyle/>
+        <a:p>
+          <a:pPr marL="0" lvl="0" indent="0" algn="ctr" defTabSz="222250">
+            <a:lnSpc>
+              <a:spcPct val="90000"/>
+            </a:lnSpc>
+            <a:spcBef>
+              <a:spcPct val="0"/>
+            </a:spcBef>
+            <a:spcAft>
+              <a:spcPct val="35000"/>
+            </a:spcAft>
+            <a:buFont typeface="+mj-lt"/>
+            <a:buNone/>
+          </a:pPr>
+          <a:r>
+            <a:rPr lang="de-DE" sz="500" kern="1200" dirty="0"/>
+            <a:t>AP 2.1.4</a:t>
+          </a:r>
+          <a:br>
+            <a:rPr lang="de-DE" sz="500" kern="1200" dirty="0"/>
+          </a:br>
+          <a:r>
+            <a:rPr lang="de-DE" sz="500" kern="1200" dirty="0"/>
+            <a:t>Arbeitsumgebung einrichten</a:t>
+          </a:r>
+        </a:p>
+      </dsp:txBody>
+      <dsp:txXfrm>
+        <a:off x="1793879" y="3737188"/>
         <a:ext cx="669974" cy="334987"/>
       </dsp:txXfrm>
     </dsp:sp>
@@ -16574,7 +16855,7 @@
           <a:p>
             <a:fld id="{759D99F7-FFCF-41EC-9AAE-34D3D10B2D9B}" type="datetimeFigureOut">
               <a:rPr lang="de-DE" smtClean="0"/>
-              <a:t>10.02.2025</a:t>
+              <a:t>11.02.2025</a:t>
             </a:fld>
             <a:endParaRPr lang="de-DE"/>
           </a:p>
@@ -16772,7 +17053,7 @@
           <a:p>
             <a:fld id="{759D99F7-FFCF-41EC-9AAE-34D3D10B2D9B}" type="datetimeFigureOut">
               <a:rPr lang="de-DE" smtClean="0"/>
-              <a:t>10.02.2025</a:t>
+              <a:t>11.02.2025</a:t>
             </a:fld>
             <a:endParaRPr lang="de-DE"/>
           </a:p>
@@ -16980,7 +17261,7 @@
           <a:p>
             <a:fld id="{759D99F7-FFCF-41EC-9AAE-34D3D10B2D9B}" type="datetimeFigureOut">
               <a:rPr lang="de-DE" smtClean="0"/>
-              <a:t>10.02.2025</a:t>
+              <a:t>11.02.2025</a:t>
             </a:fld>
             <a:endParaRPr lang="de-DE"/>
           </a:p>
@@ -17178,7 +17459,7 @@
           <a:p>
             <a:fld id="{759D99F7-FFCF-41EC-9AAE-34D3D10B2D9B}" type="datetimeFigureOut">
               <a:rPr lang="de-DE" smtClean="0"/>
-              <a:t>10.02.2025</a:t>
+              <a:t>11.02.2025</a:t>
             </a:fld>
             <a:endParaRPr lang="de-DE"/>
           </a:p>
@@ -17453,7 +17734,7 @@
           <a:p>
             <a:fld id="{759D99F7-FFCF-41EC-9AAE-34D3D10B2D9B}" type="datetimeFigureOut">
               <a:rPr lang="de-DE" smtClean="0"/>
-              <a:t>10.02.2025</a:t>
+              <a:t>11.02.2025</a:t>
             </a:fld>
             <a:endParaRPr lang="de-DE"/>
           </a:p>
@@ -17718,7 +17999,7 @@
           <a:p>
             <a:fld id="{759D99F7-FFCF-41EC-9AAE-34D3D10B2D9B}" type="datetimeFigureOut">
               <a:rPr lang="de-DE" smtClean="0"/>
-              <a:t>10.02.2025</a:t>
+              <a:t>11.02.2025</a:t>
             </a:fld>
             <a:endParaRPr lang="de-DE"/>
           </a:p>
@@ -18130,7 +18411,7 @@
           <a:p>
             <a:fld id="{759D99F7-FFCF-41EC-9AAE-34D3D10B2D9B}" type="datetimeFigureOut">
               <a:rPr lang="de-DE" smtClean="0"/>
-              <a:t>10.02.2025</a:t>
+              <a:t>11.02.2025</a:t>
             </a:fld>
             <a:endParaRPr lang="de-DE"/>
           </a:p>
@@ -18271,7 +18552,7 @@
           <a:p>
             <a:fld id="{759D99F7-FFCF-41EC-9AAE-34D3D10B2D9B}" type="datetimeFigureOut">
               <a:rPr lang="de-DE" smtClean="0"/>
-              <a:t>10.02.2025</a:t>
+              <a:t>11.02.2025</a:t>
             </a:fld>
             <a:endParaRPr lang="de-DE"/>
           </a:p>
@@ -18384,7 +18665,7 @@
           <a:p>
             <a:fld id="{759D99F7-FFCF-41EC-9AAE-34D3D10B2D9B}" type="datetimeFigureOut">
               <a:rPr lang="de-DE" smtClean="0"/>
-              <a:t>10.02.2025</a:t>
+              <a:t>11.02.2025</a:t>
             </a:fld>
             <a:endParaRPr lang="de-DE"/>
           </a:p>
@@ -18695,7 +18976,7 @@
           <a:p>
             <a:fld id="{759D99F7-FFCF-41EC-9AAE-34D3D10B2D9B}" type="datetimeFigureOut">
               <a:rPr lang="de-DE" smtClean="0"/>
-              <a:t>10.02.2025</a:t>
+              <a:t>11.02.2025</a:t>
             </a:fld>
             <a:endParaRPr lang="de-DE"/>
           </a:p>
@@ -18983,7 +19264,7 @@
           <a:p>
             <a:fld id="{759D99F7-FFCF-41EC-9AAE-34D3D10B2D9B}" type="datetimeFigureOut">
               <a:rPr lang="de-DE" smtClean="0"/>
-              <a:t>10.02.2025</a:t>
+              <a:t>11.02.2025</a:t>
             </a:fld>
             <a:endParaRPr lang="de-DE"/>
           </a:p>
@@ -19224,7 +19505,7 @@
           <a:p>
             <a:fld id="{759D99F7-FFCF-41EC-9AAE-34D3D10B2D9B}" type="datetimeFigureOut">
               <a:rPr lang="de-DE" smtClean="0"/>
-              <a:t>10.02.2025</a:t>
+              <a:t>11.02.2025</a:t>
             </a:fld>
             <a:endParaRPr lang="de-DE"/>
           </a:p>
@@ -19654,7 +19935,7 @@
           <p:nvPr>
             <p:extLst>
               <p:ext uri="{D42A27DB-BD31-4B8C-83A1-F6EECF244321}">
-                <p14:modId xmlns:p14="http://schemas.microsoft.com/office/powerpoint/2010/main" val="1166837841"/>
+                <p14:modId xmlns:p14="http://schemas.microsoft.com/office/powerpoint/2010/main" val="1250376009"/>
               </p:ext>
             </p:extLst>
           </p:nvPr>
@@ -19737,7 +20018,7 @@
         </p:nvSpPr>
         <p:spPr>
           <a:xfrm>
-            <a:off x="9037320" y="2186305"/>
+            <a:off x="9037320" y="2178367"/>
             <a:ext cx="811530" cy="495300"/>
           </a:xfrm>
           <a:prstGeom prst="rect">

--- a/Meilenstein1/2.Projekstrukturplan/Projektstrukturplan.pptx
+++ b/Meilenstein1/2.Projekstrukturplan/Projektstrukturplan.pptx
@@ -1742,14 +1742,14 @@
             <a:buAutoNum type="arabicPeriod"/>
           </a:pPr>
           <a:r>
-            <a:rPr lang="de-DE"/>
+            <a:rPr lang="de-DE" dirty="0"/>
             <a:t>TA 2.2</a:t>
           </a:r>
           <a:br>
-            <a:rPr lang="de-DE"/>
+            <a:rPr lang="de-DE" dirty="0"/>
           </a:br>
           <a:r>
-            <a:rPr lang="de-DE"/>
+            <a:rPr lang="de-DE" dirty="0"/>
             <a:t>Projektdetailplanung</a:t>
           </a:r>
         </a:p>
@@ -2045,16 +2045,17 @@
             <a:buAutoNum type="arabicPeriod"/>
           </a:pPr>
           <a:r>
-            <a:rPr lang="de-DE"/>
+            <a:rPr lang="de-DE" dirty="0"/>
             <a:t>TA 3.1</a:t>
           </a:r>
           <a:br>
             <a:rPr lang="de-DE"/>
           </a:br>
           <a:r>
-            <a:rPr lang="de-DE"/>
-            <a:t>Projektbezogene Einarbeitung</a:t>
+            <a:rPr lang="de-DE" b="0" i="0"/>
+            <a:t>Projektbezogene Recherche und Einarbeitung</a:t>
           </a:r>
+          <a:endParaRPr lang="de-DE" dirty="0"/>
         </a:p>
       </dgm:t>
     </dgm:pt>
@@ -10970,14 +10971,14 @@
             <a:buNone/>
           </a:pPr>
           <a:r>
-            <a:rPr lang="de-DE" sz="500" kern="1200"/>
+            <a:rPr lang="de-DE" sz="500" kern="1200" dirty="0"/>
             <a:t>TA 2.2</a:t>
           </a:r>
           <a:br>
-            <a:rPr lang="de-DE" sz="500" kern="1200"/>
+            <a:rPr lang="de-DE" sz="500" kern="1200" dirty="0"/>
           </a:br>
           <a:r>
-            <a:rPr lang="de-DE" sz="500" kern="1200"/>
+            <a:rPr lang="de-DE" sz="500" kern="1200" dirty="0"/>
             <a:t>Projektdetailplanung</a:t>
           </a:r>
         </a:p>
@@ -11557,16 +11558,17 @@
             <a:buNone/>
           </a:pPr>
           <a:r>
-            <a:rPr lang="de-DE" sz="500" kern="1200"/>
+            <a:rPr lang="de-DE" sz="500" kern="1200" dirty="0"/>
             <a:t>TA 3.1</a:t>
           </a:r>
           <a:br>
             <a:rPr lang="de-DE" sz="500" kern="1200"/>
           </a:br>
           <a:r>
-            <a:rPr lang="de-DE" sz="500" kern="1200"/>
-            <a:t>Projektbezogene Einarbeitung</a:t>
+            <a:rPr lang="de-DE" sz="500" b="0" i="0" kern="1200"/>
+            <a:t>Projektbezogene Recherche und Einarbeitung</a:t>
           </a:r>
+          <a:endParaRPr lang="de-DE" sz="500" kern="1200" dirty="0"/>
         </a:p>
       </dsp:txBody>
       <dsp:txXfrm>
@@ -16855,7 +16857,7 @@
           <a:p>
             <a:fld id="{759D99F7-FFCF-41EC-9AAE-34D3D10B2D9B}" type="datetimeFigureOut">
               <a:rPr lang="de-DE" smtClean="0"/>
-              <a:t>11.02.2025</a:t>
+              <a:t>16.02.2025</a:t>
             </a:fld>
             <a:endParaRPr lang="de-DE"/>
           </a:p>
@@ -17053,7 +17055,7 @@
           <a:p>
             <a:fld id="{759D99F7-FFCF-41EC-9AAE-34D3D10B2D9B}" type="datetimeFigureOut">
               <a:rPr lang="de-DE" smtClean="0"/>
-              <a:t>11.02.2025</a:t>
+              <a:t>16.02.2025</a:t>
             </a:fld>
             <a:endParaRPr lang="de-DE"/>
           </a:p>
@@ -17261,7 +17263,7 @@
           <a:p>
             <a:fld id="{759D99F7-FFCF-41EC-9AAE-34D3D10B2D9B}" type="datetimeFigureOut">
               <a:rPr lang="de-DE" smtClean="0"/>
-              <a:t>11.02.2025</a:t>
+              <a:t>16.02.2025</a:t>
             </a:fld>
             <a:endParaRPr lang="de-DE"/>
           </a:p>
@@ -17459,7 +17461,7 @@
           <a:p>
             <a:fld id="{759D99F7-FFCF-41EC-9AAE-34D3D10B2D9B}" type="datetimeFigureOut">
               <a:rPr lang="de-DE" smtClean="0"/>
-              <a:t>11.02.2025</a:t>
+              <a:t>16.02.2025</a:t>
             </a:fld>
             <a:endParaRPr lang="de-DE"/>
           </a:p>
@@ -17734,7 +17736,7 @@
           <a:p>
             <a:fld id="{759D99F7-FFCF-41EC-9AAE-34D3D10B2D9B}" type="datetimeFigureOut">
               <a:rPr lang="de-DE" smtClean="0"/>
-              <a:t>11.02.2025</a:t>
+              <a:t>16.02.2025</a:t>
             </a:fld>
             <a:endParaRPr lang="de-DE"/>
           </a:p>
@@ -17999,7 +18001,7 @@
           <a:p>
             <a:fld id="{759D99F7-FFCF-41EC-9AAE-34D3D10B2D9B}" type="datetimeFigureOut">
               <a:rPr lang="de-DE" smtClean="0"/>
-              <a:t>11.02.2025</a:t>
+              <a:t>16.02.2025</a:t>
             </a:fld>
             <a:endParaRPr lang="de-DE"/>
           </a:p>
@@ -18411,7 +18413,7 @@
           <a:p>
             <a:fld id="{759D99F7-FFCF-41EC-9AAE-34D3D10B2D9B}" type="datetimeFigureOut">
               <a:rPr lang="de-DE" smtClean="0"/>
-              <a:t>11.02.2025</a:t>
+              <a:t>16.02.2025</a:t>
             </a:fld>
             <a:endParaRPr lang="de-DE"/>
           </a:p>
@@ -18552,7 +18554,7 @@
           <a:p>
             <a:fld id="{759D99F7-FFCF-41EC-9AAE-34D3D10B2D9B}" type="datetimeFigureOut">
               <a:rPr lang="de-DE" smtClean="0"/>
-              <a:t>11.02.2025</a:t>
+              <a:t>16.02.2025</a:t>
             </a:fld>
             <a:endParaRPr lang="de-DE"/>
           </a:p>
@@ -18665,7 +18667,7 @@
           <a:p>
             <a:fld id="{759D99F7-FFCF-41EC-9AAE-34D3D10B2D9B}" type="datetimeFigureOut">
               <a:rPr lang="de-DE" smtClean="0"/>
-              <a:t>11.02.2025</a:t>
+              <a:t>16.02.2025</a:t>
             </a:fld>
             <a:endParaRPr lang="de-DE"/>
           </a:p>
@@ -18976,7 +18978,7 @@
           <a:p>
             <a:fld id="{759D99F7-FFCF-41EC-9AAE-34D3D10B2D9B}" type="datetimeFigureOut">
               <a:rPr lang="de-DE" smtClean="0"/>
-              <a:t>11.02.2025</a:t>
+              <a:t>16.02.2025</a:t>
             </a:fld>
             <a:endParaRPr lang="de-DE"/>
           </a:p>
@@ -19264,7 +19266,7 @@
           <a:p>
             <a:fld id="{759D99F7-FFCF-41EC-9AAE-34D3D10B2D9B}" type="datetimeFigureOut">
               <a:rPr lang="de-DE" smtClean="0"/>
-              <a:t>11.02.2025</a:t>
+              <a:t>16.02.2025</a:t>
             </a:fld>
             <a:endParaRPr lang="de-DE"/>
           </a:p>
@@ -19505,7 +19507,7 @@
           <a:p>
             <a:fld id="{759D99F7-FFCF-41EC-9AAE-34D3D10B2D9B}" type="datetimeFigureOut">
               <a:rPr lang="de-DE" smtClean="0"/>
-              <a:t>11.02.2025</a:t>
+              <a:t>16.02.2025</a:t>
             </a:fld>
             <a:endParaRPr lang="de-DE"/>
           </a:p>
@@ -19935,7 +19937,7 @@
           <p:nvPr>
             <p:extLst>
               <p:ext uri="{D42A27DB-BD31-4B8C-83A1-F6EECF244321}">
-                <p14:modId xmlns:p14="http://schemas.microsoft.com/office/powerpoint/2010/main" val="1250376009"/>
+                <p14:modId xmlns:p14="http://schemas.microsoft.com/office/powerpoint/2010/main" val="2504561996"/>
               </p:ext>
             </p:extLst>
           </p:nvPr>
